--- a/Tex Papiers/Greedy_load/JOSH/collide.pptx
+++ b/Tex Papiers/Greedy_load/JOSH/collide.pptx
@@ -2,18 +2,18 @@
 <file path=ppt/presentation.xml><?xml version="1.0" encoding="utf-8"?>
 <p:presentation xmlns:a="http://schemas.openxmlformats.org/drawingml/2006/main" xmlns:r="http://schemas.openxmlformats.org/officeDocument/2006/relationships" xmlns:p="http://schemas.openxmlformats.org/presentationml/2006/main" saveSubsetFonts="1">
   <p:sldMasterIdLst>
-    <p:sldMasterId id="2147483648" r:id="rId1"/>
+    <p:sldMasterId id="2147483660" r:id="rId1"/>
   </p:sldMasterIdLst>
   <p:sldIdLst>
     <p:sldId id="256" r:id="rId2"/>
   </p:sldIdLst>
-  <p:sldSz cx="12192000" cy="6858000"/>
+  <p:sldSz cx="10402888" cy="3714750"/>
   <p:notesSz cx="6858000" cy="9144000"/>
   <p:defaultTextStyle>
     <a:defPPr>
-      <a:defRPr lang="fr-FR"/>
+      <a:defRPr lang="en-US"/>
     </a:defPPr>
-    <a:lvl1pPr marL="0" algn="l" defTabSz="914400" rtl="0" eaLnBrk="1" latinLnBrk="0" hangingPunct="1">
+    <a:lvl1pPr marL="0" algn="l" defTabSz="457200" rtl="0" eaLnBrk="1" latinLnBrk="0" hangingPunct="1">
       <a:defRPr sz="1800" kern="1200">
         <a:solidFill>
           <a:schemeClr val="tx1"/>
@@ -23,7 +23,7 @@
         <a:cs typeface="+mn-cs"/>
       </a:defRPr>
     </a:lvl1pPr>
-    <a:lvl2pPr marL="457200" algn="l" defTabSz="914400" rtl="0" eaLnBrk="1" latinLnBrk="0" hangingPunct="1">
+    <a:lvl2pPr marL="457200" algn="l" defTabSz="457200" rtl="0" eaLnBrk="1" latinLnBrk="0" hangingPunct="1">
       <a:defRPr sz="1800" kern="1200">
         <a:solidFill>
           <a:schemeClr val="tx1"/>
@@ -33,7 +33,7 @@
         <a:cs typeface="+mn-cs"/>
       </a:defRPr>
     </a:lvl2pPr>
-    <a:lvl3pPr marL="914400" algn="l" defTabSz="914400" rtl="0" eaLnBrk="1" latinLnBrk="0" hangingPunct="1">
+    <a:lvl3pPr marL="914400" algn="l" defTabSz="457200" rtl="0" eaLnBrk="1" latinLnBrk="0" hangingPunct="1">
       <a:defRPr sz="1800" kern="1200">
         <a:solidFill>
           <a:schemeClr val="tx1"/>
@@ -43,7 +43,7 @@
         <a:cs typeface="+mn-cs"/>
       </a:defRPr>
     </a:lvl3pPr>
-    <a:lvl4pPr marL="1371600" algn="l" defTabSz="914400" rtl="0" eaLnBrk="1" latinLnBrk="0" hangingPunct="1">
+    <a:lvl4pPr marL="1371600" algn="l" defTabSz="457200" rtl="0" eaLnBrk="1" latinLnBrk="0" hangingPunct="1">
       <a:defRPr sz="1800" kern="1200">
         <a:solidFill>
           <a:schemeClr val="tx1"/>
@@ -53,7 +53,7 @@
         <a:cs typeface="+mn-cs"/>
       </a:defRPr>
     </a:lvl4pPr>
-    <a:lvl5pPr marL="1828800" algn="l" defTabSz="914400" rtl="0" eaLnBrk="1" latinLnBrk="0" hangingPunct="1">
+    <a:lvl5pPr marL="1828800" algn="l" defTabSz="457200" rtl="0" eaLnBrk="1" latinLnBrk="0" hangingPunct="1">
       <a:defRPr sz="1800" kern="1200">
         <a:solidFill>
           <a:schemeClr val="tx1"/>
@@ -63,7 +63,7 @@
         <a:cs typeface="+mn-cs"/>
       </a:defRPr>
     </a:lvl5pPr>
-    <a:lvl6pPr marL="2286000" algn="l" defTabSz="914400" rtl="0" eaLnBrk="1" latinLnBrk="0" hangingPunct="1">
+    <a:lvl6pPr marL="2286000" algn="l" defTabSz="457200" rtl="0" eaLnBrk="1" latinLnBrk="0" hangingPunct="1">
       <a:defRPr sz="1800" kern="1200">
         <a:solidFill>
           <a:schemeClr val="tx1"/>
@@ -73,7 +73,7 @@
         <a:cs typeface="+mn-cs"/>
       </a:defRPr>
     </a:lvl6pPr>
-    <a:lvl7pPr marL="2743200" algn="l" defTabSz="914400" rtl="0" eaLnBrk="1" latinLnBrk="0" hangingPunct="1">
+    <a:lvl7pPr marL="2743200" algn="l" defTabSz="457200" rtl="0" eaLnBrk="1" latinLnBrk="0" hangingPunct="1">
       <a:defRPr sz="1800" kern="1200">
         <a:solidFill>
           <a:schemeClr val="tx1"/>
@@ -83,7 +83,7 @@
         <a:cs typeface="+mn-cs"/>
       </a:defRPr>
     </a:lvl7pPr>
-    <a:lvl8pPr marL="3200400" algn="l" defTabSz="914400" rtl="0" eaLnBrk="1" latinLnBrk="0" hangingPunct="1">
+    <a:lvl8pPr marL="3200400" algn="l" defTabSz="457200" rtl="0" eaLnBrk="1" latinLnBrk="0" hangingPunct="1">
       <a:defRPr sz="1800" kern="1200">
         <a:solidFill>
           <a:schemeClr val="tx1"/>
@@ -93,7 +93,7 @@
         <a:cs typeface="+mn-cs"/>
       </a:defRPr>
     </a:lvl8pPr>
-    <a:lvl9pPr marL="3657600" algn="l" defTabSz="914400" rtl="0" eaLnBrk="1" latinLnBrk="0" hangingPunct="1">
+    <a:lvl9pPr marL="3657600" algn="l" defTabSz="457200" rtl="0" eaLnBrk="1" latinLnBrk="0" hangingPunct="1">
       <a:defRPr sz="1800" kern="1200">
         <a:solidFill>
           <a:schemeClr val="tx1"/>
@@ -104,7 +104,685 @@
       </a:defRPr>
     </a:lvl9pPr>
   </p:defaultTextStyle>
+  <p:extLst>
+    <p:ext uri="{EFAFB233-063F-42B5-8137-9DF3F51BA10A}">
+      <p15:sldGuideLst xmlns:p15="http://schemas.microsoft.com/office/powerpoint/2012/main"/>
+    </p:ext>
+  </p:extLst>
 </p:presentation>
+</file>
+
+<file path=ppt/revisionInfo.xml><?xml version="1.0" encoding="utf-8"?>
+<p1510:revInfo xmlns:a="http://schemas.openxmlformats.org/drawingml/2006/main" xmlns:r="http://schemas.openxmlformats.org/officeDocument/2006/relationships" xmlns:p1510="http://schemas.microsoft.com/office/powerpoint/2015/10/main">
+  <p1510:revLst>
+    <p1510:client id="{7231C165-2875-4BB3-A6E5-744002F34FE3}" v="11" dt="2023-11-10T11:58:18.684"/>
+  </p1510:revLst>
+</p1510:revInfo>
+</file>
+
+<file path=ppt/changesInfos/changesInfo1.xml><?xml version="1.0" encoding="utf-8"?>
+<pc:chgInfo xmlns:a="http://schemas.openxmlformats.org/drawingml/2006/main" xmlns:r="http://schemas.openxmlformats.org/officeDocument/2006/relationships" xmlns:ac="http://schemas.microsoft.com/office/drawing/2013/main/command" xmlns:pc="http://schemas.microsoft.com/office/powerpoint/2013/main/command">
+  <pc:docChgLst>
+    <pc:chgData name="GUIRAUD Mael" userId="9698d85c-f986-4704-b8b8-8b96bbf4c9e7" providerId="ADAL" clId="{7231C165-2875-4BB3-A6E5-744002F34FE3}"/>
+    <pc:docChg chg="undo custSel modSld modMainMaster">
+      <pc:chgData name="GUIRAUD Mael" userId="9698d85c-f986-4704-b8b8-8b96bbf4c9e7" providerId="ADAL" clId="{7231C165-2875-4BB3-A6E5-744002F34FE3}" dt="2023-11-10T11:57:57.316" v="7"/>
+      <pc:docMkLst>
+        <pc:docMk/>
+      </pc:docMkLst>
+      <pc:sldChg chg="modSp mod">
+        <pc:chgData name="GUIRAUD Mael" userId="9698d85c-f986-4704-b8b8-8b96bbf4c9e7" providerId="ADAL" clId="{7231C165-2875-4BB3-A6E5-744002F34FE3}" dt="2023-11-10T11:57:57.316" v="7"/>
+        <pc:sldMkLst>
+          <pc:docMk/>
+          <pc:sldMk cId="2519317609" sldId="256"/>
+        </pc:sldMkLst>
+        <pc:spChg chg="mod">
+          <ac:chgData name="GUIRAUD Mael" userId="9698d85c-f986-4704-b8b8-8b96bbf4c9e7" providerId="ADAL" clId="{7231C165-2875-4BB3-A6E5-744002F34FE3}" dt="2023-11-10T11:57:57.316" v="7"/>
+          <ac:spMkLst>
+            <pc:docMk/>
+            <pc:sldMk cId="2519317609" sldId="256"/>
+            <ac:spMk id="12" creationId="{4AC19C88-E142-915B-E1BF-0961905CB7D9}"/>
+          </ac:spMkLst>
+        </pc:spChg>
+        <pc:spChg chg="mod">
+          <ac:chgData name="GUIRAUD Mael" userId="9698d85c-f986-4704-b8b8-8b96bbf4c9e7" providerId="ADAL" clId="{7231C165-2875-4BB3-A6E5-744002F34FE3}" dt="2023-11-10T11:57:57.316" v="7"/>
+          <ac:spMkLst>
+            <pc:docMk/>
+            <pc:sldMk cId="2519317609" sldId="256"/>
+            <ac:spMk id="15" creationId="{F019FE9C-C0DB-879D-FBA9-40564C77FBF3}"/>
+          </ac:spMkLst>
+        </pc:spChg>
+        <pc:spChg chg="mod">
+          <ac:chgData name="GUIRAUD Mael" userId="9698d85c-f986-4704-b8b8-8b96bbf4c9e7" providerId="ADAL" clId="{7231C165-2875-4BB3-A6E5-744002F34FE3}" dt="2023-11-10T11:57:57.316" v="7"/>
+          <ac:spMkLst>
+            <pc:docMk/>
+            <pc:sldMk cId="2519317609" sldId="256"/>
+            <ac:spMk id="23" creationId="{DAF8EA2B-4C10-F046-CB65-AEB56DF8C9A7}"/>
+          </ac:spMkLst>
+        </pc:spChg>
+        <pc:graphicFrameChg chg="mod">
+          <ac:chgData name="GUIRAUD Mael" userId="9698d85c-f986-4704-b8b8-8b96bbf4c9e7" providerId="ADAL" clId="{7231C165-2875-4BB3-A6E5-744002F34FE3}" dt="2023-11-10T11:57:57.316" v="7"/>
+          <ac:graphicFrameMkLst>
+            <pc:docMk/>
+            <pc:sldMk cId="2519317609" sldId="256"/>
+            <ac:graphicFrameMk id="4" creationId="{EB4D8EE9-E47B-B733-CFB1-3718A1E8FC10}"/>
+          </ac:graphicFrameMkLst>
+        </pc:graphicFrameChg>
+        <pc:graphicFrameChg chg="mod">
+          <ac:chgData name="GUIRAUD Mael" userId="9698d85c-f986-4704-b8b8-8b96bbf4c9e7" providerId="ADAL" clId="{7231C165-2875-4BB3-A6E5-744002F34FE3}" dt="2023-11-10T11:57:57.316" v="7"/>
+          <ac:graphicFrameMkLst>
+            <pc:docMk/>
+            <pc:sldMk cId="2519317609" sldId="256"/>
+            <ac:graphicFrameMk id="9" creationId="{A89AB562-C9D0-4F55-5BAC-A72EF8C41C4C}"/>
+          </ac:graphicFrameMkLst>
+        </pc:graphicFrameChg>
+        <pc:graphicFrameChg chg="mod">
+          <ac:chgData name="GUIRAUD Mael" userId="9698d85c-f986-4704-b8b8-8b96bbf4c9e7" providerId="ADAL" clId="{7231C165-2875-4BB3-A6E5-744002F34FE3}" dt="2023-11-10T11:57:57.316" v="7"/>
+          <ac:graphicFrameMkLst>
+            <pc:docMk/>
+            <pc:sldMk cId="2519317609" sldId="256"/>
+            <ac:graphicFrameMk id="10" creationId="{7B4FC891-DE09-9C8B-F779-8FA06E269A59}"/>
+          </ac:graphicFrameMkLst>
+        </pc:graphicFrameChg>
+        <pc:graphicFrameChg chg="mod">
+          <ac:chgData name="GUIRAUD Mael" userId="9698d85c-f986-4704-b8b8-8b96bbf4c9e7" providerId="ADAL" clId="{7231C165-2875-4BB3-A6E5-744002F34FE3}" dt="2023-11-10T11:57:57.316" v="7"/>
+          <ac:graphicFrameMkLst>
+            <pc:docMk/>
+            <pc:sldMk cId="2519317609" sldId="256"/>
+            <ac:graphicFrameMk id="16" creationId="{FDEB271F-DE7F-D589-303B-62B13C5A4069}"/>
+          </ac:graphicFrameMkLst>
+        </pc:graphicFrameChg>
+        <pc:graphicFrameChg chg="mod">
+          <ac:chgData name="GUIRAUD Mael" userId="9698d85c-f986-4704-b8b8-8b96bbf4c9e7" providerId="ADAL" clId="{7231C165-2875-4BB3-A6E5-744002F34FE3}" dt="2023-11-10T11:57:57.316" v="7"/>
+          <ac:graphicFrameMkLst>
+            <pc:docMk/>
+            <pc:sldMk cId="2519317609" sldId="256"/>
+            <ac:graphicFrameMk id="19" creationId="{8F44C2E5-FB37-018D-ABB8-41D25C336D10}"/>
+          </ac:graphicFrameMkLst>
+        </pc:graphicFrameChg>
+        <pc:graphicFrameChg chg="mod">
+          <ac:chgData name="GUIRAUD Mael" userId="9698d85c-f986-4704-b8b8-8b96bbf4c9e7" providerId="ADAL" clId="{7231C165-2875-4BB3-A6E5-744002F34FE3}" dt="2023-11-10T11:57:57.316" v="7"/>
+          <ac:graphicFrameMkLst>
+            <pc:docMk/>
+            <pc:sldMk cId="2519317609" sldId="256"/>
+            <ac:graphicFrameMk id="20" creationId="{BBA618D7-1E67-2D75-2C7F-CBE9BF32096A}"/>
+          </ac:graphicFrameMkLst>
+        </pc:graphicFrameChg>
+        <pc:cxnChg chg="mod">
+          <ac:chgData name="GUIRAUD Mael" userId="9698d85c-f986-4704-b8b8-8b96bbf4c9e7" providerId="ADAL" clId="{7231C165-2875-4BB3-A6E5-744002F34FE3}" dt="2023-11-10T11:57:57.316" v="7"/>
+          <ac:cxnSpMkLst>
+            <pc:docMk/>
+            <pc:sldMk cId="2519317609" sldId="256"/>
+            <ac:cxnSpMk id="14" creationId="{01984A6B-420A-632D-3B58-A08A8D375205}"/>
+          </ac:cxnSpMkLst>
+        </pc:cxnChg>
+        <pc:cxnChg chg="mod">
+          <ac:chgData name="GUIRAUD Mael" userId="9698d85c-f986-4704-b8b8-8b96bbf4c9e7" providerId="ADAL" clId="{7231C165-2875-4BB3-A6E5-744002F34FE3}" dt="2023-11-10T11:57:57.316" v="7"/>
+          <ac:cxnSpMkLst>
+            <pc:docMk/>
+            <pc:sldMk cId="2519317609" sldId="256"/>
+            <ac:cxnSpMk id="25" creationId="{05C50A39-940F-C1E1-EE7D-FE07E3B87F21}"/>
+          </ac:cxnSpMkLst>
+        </pc:cxnChg>
+        <pc:cxnChg chg="mod">
+          <ac:chgData name="GUIRAUD Mael" userId="9698d85c-f986-4704-b8b8-8b96bbf4c9e7" providerId="ADAL" clId="{7231C165-2875-4BB3-A6E5-744002F34FE3}" dt="2023-11-10T11:57:57.316" v="7"/>
+          <ac:cxnSpMkLst>
+            <pc:docMk/>
+            <pc:sldMk cId="2519317609" sldId="256"/>
+            <ac:cxnSpMk id="29" creationId="{93B8B34F-BB29-F87A-FCF6-7A78D693D0AA}"/>
+          </ac:cxnSpMkLst>
+        </pc:cxnChg>
+      </pc:sldChg>
+      <pc:sldMasterChg chg="modSp modSldLayout">
+        <pc:chgData name="GUIRAUD Mael" userId="9698d85c-f986-4704-b8b8-8b96bbf4c9e7" providerId="ADAL" clId="{7231C165-2875-4BB3-A6E5-744002F34FE3}" dt="2023-11-10T11:57:57.316" v="7"/>
+        <pc:sldMasterMkLst>
+          <pc:docMk/>
+          <pc:sldMasterMk cId="2326436275" sldId="2147483648"/>
+        </pc:sldMasterMkLst>
+        <pc:spChg chg="mod">
+          <ac:chgData name="GUIRAUD Mael" userId="9698d85c-f986-4704-b8b8-8b96bbf4c9e7" providerId="ADAL" clId="{7231C165-2875-4BB3-A6E5-744002F34FE3}" dt="2023-11-10T11:57:57.316" v="7"/>
+          <ac:spMkLst>
+            <pc:docMk/>
+            <pc:sldMasterMk cId="2326436275" sldId="2147483648"/>
+            <ac:spMk id="2" creationId="{6A447C3B-1775-4157-3546-DF8053816B10}"/>
+          </ac:spMkLst>
+        </pc:spChg>
+        <pc:spChg chg="mod">
+          <ac:chgData name="GUIRAUD Mael" userId="9698d85c-f986-4704-b8b8-8b96bbf4c9e7" providerId="ADAL" clId="{7231C165-2875-4BB3-A6E5-744002F34FE3}" dt="2023-11-10T11:57:57.316" v="7"/>
+          <ac:spMkLst>
+            <pc:docMk/>
+            <pc:sldMasterMk cId="2326436275" sldId="2147483648"/>
+            <ac:spMk id="3" creationId="{996FE488-94DB-2980-D02B-FB178BCB1C2F}"/>
+          </ac:spMkLst>
+        </pc:spChg>
+        <pc:spChg chg="mod">
+          <ac:chgData name="GUIRAUD Mael" userId="9698d85c-f986-4704-b8b8-8b96bbf4c9e7" providerId="ADAL" clId="{7231C165-2875-4BB3-A6E5-744002F34FE3}" dt="2023-11-10T11:57:57.316" v="7"/>
+          <ac:spMkLst>
+            <pc:docMk/>
+            <pc:sldMasterMk cId="2326436275" sldId="2147483648"/>
+            <ac:spMk id="4" creationId="{3A9681DC-5B82-A3AE-260A-CD2778238E44}"/>
+          </ac:spMkLst>
+        </pc:spChg>
+        <pc:spChg chg="mod">
+          <ac:chgData name="GUIRAUD Mael" userId="9698d85c-f986-4704-b8b8-8b96bbf4c9e7" providerId="ADAL" clId="{7231C165-2875-4BB3-A6E5-744002F34FE3}" dt="2023-11-10T11:57:57.316" v="7"/>
+          <ac:spMkLst>
+            <pc:docMk/>
+            <pc:sldMasterMk cId="2326436275" sldId="2147483648"/>
+            <ac:spMk id="5" creationId="{880EBF43-30B2-CA35-E4F2-8B967D6E8DBE}"/>
+          </ac:spMkLst>
+        </pc:spChg>
+        <pc:spChg chg="mod">
+          <ac:chgData name="GUIRAUD Mael" userId="9698d85c-f986-4704-b8b8-8b96bbf4c9e7" providerId="ADAL" clId="{7231C165-2875-4BB3-A6E5-744002F34FE3}" dt="2023-11-10T11:57:57.316" v="7"/>
+          <ac:spMkLst>
+            <pc:docMk/>
+            <pc:sldMasterMk cId="2326436275" sldId="2147483648"/>
+            <ac:spMk id="6" creationId="{9F3EADA6-386F-C3AF-BFBB-1E30766FDDDB}"/>
+          </ac:spMkLst>
+        </pc:spChg>
+        <pc:sldLayoutChg chg="modSp">
+          <pc:chgData name="GUIRAUD Mael" userId="9698d85c-f986-4704-b8b8-8b96bbf4c9e7" providerId="ADAL" clId="{7231C165-2875-4BB3-A6E5-744002F34FE3}" dt="2023-11-10T11:57:57.316" v="7"/>
+          <pc:sldLayoutMkLst>
+            <pc:docMk/>
+            <pc:sldMasterMk cId="2326436275" sldId="2147483648"/>
+            <pc:sldLayoutMk cId="568117956" sldId="2147483649"/>
+          </pc:sldLayoutMkLst>
+          <pc:spChg chg="mod">
+            <ac:chgData name="GUIRAUD Mael" userId="9698d85c-f986-4704-b8b8-8b96bbf4c9e7" providerId="ADAL" clId="{7231C165-2875-4BB3-A6E5-744002F34FE3}" dt="2023-11-10T11:57:57.316" v="7"/>
+            <ac:spMkLst>
+              <pc:docMk/>
+              <pc:sldMasterMk cId="2326436275" sldId="2147483648"/>
+              <pc:sldLayoutMk cId="568117956" sldId="2147483649"/>
+              <ac:spMk id="2" creationId="{EAD8E234-7F30-C50A-431E-6D7BDF271D4B}"/>
+            </ac:spMkLst>
+          </pc:spChg>
+          <pc:spChg chg="mod">
+            <ac:chgData name="GUIRAUD Mael" userId="9698d85c-f986-4704-b8b8-8b96bbf4c9e7" providerId="ADAL" clId="{7231C165-2875-4BB3-A6E5-744002F34FE3}" dt="2023-11-10T11:57:57.316" v="7"/>
+            <ac:spMkLst>
+              <pc:docMk/>
+              <pc:sldMasterMk cId="2326436275" sldId="2147483648"/>
+              <pc:sldLayoutMk cId="568117956" sldId="2147483649"/>
+              <ac:spMk id="3" creationId="{6631DBD3-B8DB-EC76-6B26-73FD405BD70E}"/>
+            </ac:spMkLst>
+          </pc:spChg>
+        </pc:sldLayoutChg>
+        <pc:sldLayoutChg chg="modSp">
+          <pc:chgData name="GUIRAUD Mael" userId="9698d85c-f986-4704-b8b8-8b96bbf4c9e7" providerId="ADAL" clId="{7231C165-2875-4BB3-A6E5-744002F34FE3}" dt="2023-11-10T11:57:57.316" v="7"/>
+          <pc:sldLayoutMkLst>
+            <pc:docMk/>
+            <pc:sldMasterMk cId="2326436275" sldId="2147483648"/>
+            <pc:sldLayoutMk cId="1103888066" sldId="2147483651"/>
+          </pc:sldLayoutMkLst>
+          <pc:spChg chg="mod">
+            <ac:chgData name="GUIRAUD Mael" userId="9698d85c-f986-4704-b8b8-8b96bbf4c9e7" providerId="ADAL" clId="{7231C165-2875-4BB3-A6E5-744002F34FE3}" dt="2023-11-10T11:57:57.316" v="7"/>
+            <ac:spMkLst>
+              <pc:docMk/>
+              <pc:sldMasterMk cId="2326436275" sldId="2147483648"/>
+              <pc:sldLayoutMk cId="1103888066" sldId="2147483651"/>
+              <ac:spMk id="2" creationId="{B54E0D52-9720-BBF2-ACF4-8BB21604855B}"/>
+            </ac:spMkLst>
+          </pc:spChg>
+          <pc:spChg chg="mod">
+            <ac:chgData name="GUIRAUD Mael" userId="9698d85c-f986-4704-b8b8-8b96bbf4c9e7" providerId="ADAL" clId="{7231C165-2875-4BB3-A6E5-744002F34FE3}" dt="2023-11-10T11:57:57.316" v="7"/>
+            <ac:spMkLst>
+              <pc:docMk/>
+              <pc:sldMasterMk cId="2326436275" sldId="2147483648"/>
+              <pc:sldLayoutMk cId="1103888066" sldId="2147483651"/>
+              <ac:spMk id="3" creationId="{340299BE-C739-7F9B-08D8-F3243F2F09B5}"/>
+            </ac:spMkLst>
+          </pc:spChg>
+        </pc:sldLayoutChg>
+        <pc:sldLayoutChg chg="modSp">
+          <pc:chgData name="GUIRAUD Mael" userId="9698d85c-f986-4704-b8b8-8b96bbf4c9e7" providerId="ADAL" clId="{7231C165-2875-4BB3-A6E5-744002F34FE3}" dt="2023-11-10T11:57:57.316" v="7"/>
+          <pc:sldLayoutMkLst>
+            <pc:docMk/>
+            <pc:sldMasterMk cId="2326436275" sldId="2147483648"/>
+            <pc:sldLayoutMk cId="2773971632" sldId="2147483652"/>
+          </pc:sldLayoutMkLst>
+          <pc:spChg chg="mod">
+            <ac:chgData name="GUIRAUD Mael" userId="9698d85c-f986-4704-b8b8-8b96bbf4c9e7" providerId="ADAL" clId="{7231C165-2875-4BB3-A6E5-744002F34FE3}" dt="2023-11-10T11:57:57.316" v="7"/>
+            <ac:spMkLst>
+              <pc:docMk/>
+              <pc:sldMasterMk cId="2326436275" sldId="2147483648"/>
+              <pc:sldLayoutMk cId="2773971632" sldId="2147483652"/>
+              <ac:spMk id="3" creationId="{528E7FE8-10B4-4EBE-5B20-CBBE6971C9EC}"/>
+            </ac:spMkLst>
+          </pc:spChg>
+          <pc:spChg chg="mod">
+            <ac:chgData name="GUIRAUD Mael" userId="9698d85c-f986-4704-b8b8-8b96bbf4c9e7" providerId="ADAL" clId="{7231C165-2875-4BB3-A6E5-744002F34FE3}" dt="2023-11-10T11:57:57.316" v="7"/>
+            <ac:spMkLst>
+              <pc:docMk/>
+              <pc:sldMasterMk cId="2326436275" sldId="2147483648"/>
+              <pc:sldLayoutMk cId="2773971632" sldId="2147483652"/>
+              <ac:spMk id="4" creationId="{C7F9F4A8-2FAB-267B-7F16-D76290D25FC9}"/>
+            </ac:spMkLst>
+          </pc:spChg>
+        </pc:sldLayoutChg>
+        <pc:sldLayoutChg chg="modSp">
+          <pc:chgData name="GUIRAUD Mael" userId="9698d85c-f986-4704-b8b8-8b96bbf4c9e7" providerId="ADAL" clId="{7231C165-2875-4BB3-A6E5-744002F34FE3}" dt="2023-11-10T11:57:57.316" v="7"/>
+          <pc:sldLayoutMkLst>
+            <pc:docMk/>
+            <pc:sldMasterMk cId="2326436275" sldId="2147483648"/>
+            <pc:sldLayoutMk cId="2511264409" sldId="2147483653"/>
+          </pc:sldLayoutMkLst>
+          <pc:spChg chg="mod">
+            <ac:chgData name="GUIRAUD Mael" userId="9698d85c-f986-4704-b8b8-8b96bbf4c9e7" providerId="ADAL" clId="{7231C165-2875-4BB3-A6E5-744002F34FE3}" dt="2023-11-10T11:57:57.316" v="7"/>
+            <ac:spMkLst>
+              <pc:docMk/>
+              <pc:sldMasterMk cId="2326436275" sldId="2147483648"/>
+              <pc:sldLayoutMk cId="2511264409" sldId="2147483653"/>
+              <ac:spMk id="2" creationId="{4A889341-FE9F-7AC8-839A-5A50DC289598}"/>
+            </ac:spMkLst>
+          </pc:spChg>
+          <pc:spChg chg="mod">
+            <ac:chgData name="GUIRAUD Mael" userId="9698d85c-f986-4704-b8b8-8b96bbf4c9e7" providerId="ADAL" clId="{7231C165-2875-4BB3-A6E5-744002F34FE3}" dt="2023-11-10T11:57:57.316" v="7"/>
+            <ac:spMkLst>
+              <pc:docMk/>
+              <pc:sldMasterMk cId="2326436275" sldId="2147483648"/>
+              <pc:sldLayoutMk cId="2511264409" sldId="2147483653"/>
+              <ac:spMk id="3" creationId="{0CD4F394-6033-6564-1750-795A376C9C9A}"/>
+            </ac:spMkLst>
+          </pc:spChg>
+          <pc:spChg chg="mod">
+            <ac:chgData name="GUIRAUD Mael" userId="9698d85c-f986-4704-b8b8-8b96bbf4c9e7" providerId="ADAL" clId="{7231C165-2875-4BB3-A6E5-744002F34FE3}" dt="2023-11-10T11:57:57.316" v="7"/>
+            <ac:spMkLst>
+              <pc:docMk/>
+              <pc:sldMasterMk cId="2326436275" sldId="2147483648"/>
+              <pc:sldLayoutMk cId="2511264409" sldId="2147483653"/>
+              <ac:spMk id="4" creationId="{08D53A7F-00BC-B014-8117-552507D958C7}"/>
+            </ac:spMkLst>
+          </pc:spChg>
+          <pc:spChg chg="mod">
+            <ac:chgData name="GUIRAUD Mael" userId="9698d85c-f986-4704-b8b8-8b96bbf4c9e7" providerId="ADAL" clId="{7231C165-2875-4BB3-A6E5-744002F34FE3}" dt="2023-11-10T11:57:57.316" v="7"/>
+            <ac:spMkLst>
+              <pc:docMk/>
+              <pc:sldMasterMk cId="2326436275" sldId="2147483648"/>
+              <pc:sldLayoutMk cId="2511264409" sldId="2147483653"/>
+              <ac:spMk id="5" creationId="{77F4C781-DEDC-D77B-4F36-C558E2517BCB}"/>
+            </ac:spMkLst>
+          </pc:spChg>
+          <pc:spChg chg="mod">
+            <ac:chgData name="GUIRAUD Mael" userId="9698d85c-f986-4704-b8b8-8b96bbf4c9e7" providerId="ADAL" clId="{7231C165-2875-4BB3-A6E5-744002F34FE3}" dt="2023-11-10T11:57:57.316" v="7"/>
+            <ac:spMkLst>
+              <pc:docMk/>
+              <pc:sldMasterMk cId="2326436275" sldId="2147483648"/>
+              <pc:sldLayoutMk cId="2511264409" sldId="2147483653"/>
+              <ac:spMk id="6" creationId="{2D5E695D-CE76-3354-EC1E-893D9D82A830}"/>
+            </ac:spMkLst>
+          </pc:spChg>
+        </pc:sldLayoutChg>
+        <pc:sldLayoutChg chg="modSp">
+          <pc:chgData name="GUIRAUD Mael" userId="9698d85c-f986-4704-b8b8-8b96bbf4c9e7" providerId="ADAL" clId="{7231C165-2875-4BB3-A6E5-744002F34FE3}" dt="2023-11-10T11:57:57.316" v="7"/>
+          <pc:sldLayoutMkLst>
+            <pc:docMk/>
+            <pc:sldMasterMk cId="2326436275" sldId="2147483648"/>
+            <pc:sldLayoutMk cId="2103334020" sldId="2147483656"/>
+          </pc:sldLayoutMkLst>
+          <pc:spChg chg="mod">
+            <ac:chgData name="GUIRAUD Mael" userId="9698d85c-f986-4704-b8b8-8b96bbf4c9e7" providerId="ADAL" clId="{7231C165-2875-4BB3-A6E5-744002F34FE3}" dt="2023-11-10T11:57:57.316" v="7"/>
+            <ac:spMkLst>
+              <pc:docMk/>
+              <pc:sldMasterMk cId="2326436275" sldId="2147483648"/>
+              <pc:sldLayoutMk cId="2103334020" sldId="2147483656"/>
+              <ac:spMk id="2" creationId="{BEA5AF05-0630-52C3-603A-A3C45FF590F3}"/>
+            </ac:spMkLst>
+          </pc:spChg>
+          <pc:spChg chg="mod">
+            <ac:chgData name="GUIRAUD Mael" userId="9698d85c-f986-4704-b8b8-8b96bbf4c9e7" providerId="ADAL" clId="{7231C165-2875-4BB3-A6E5-744002F34FE3}" dt="2023-11-10T11:57:57.316" v="7"/>
+            <ac:spMkLst>
+              <pc:docMk/>
+              <pc:sldMasterMk cId="2326436275" sldId="2147483648"/>
+              <pc:sldLayoutMk cId="2103334020" sldId="2147483656"/>
+              <ac:spMk id="3" creationId="{12E00C22-ECA0-51F1-3093-FC9EE33DA552}"/>
+            </ac:spMkLst>
+          </pc:spChg>
+          <pc:spChg chg="mod">
+            <ac:chgData name="GUIRAUD Mael" userId="9698d85c-f986-4704-b8b8-8b96bbf4c9e7" providerId="ADAL" clId="{7231C165-2875-4BB3-A6E5-744002F34FE3}" dt="2023-11-10T11:57:57.316" v="7"/>
+            <ac:spMkLst>
+              <pc:docMk/>
+              <pc:sldMasterMk cId="2326436275" sldId="2147483648"/>
+              <pc:sldLayoutMk cId="2103334020" sldId="2147483656"/>
+              <ac:spMk id="4" creationId="{0872F31C-20B4-4CF4-2EB8-F9D7E4FBEF06}"/>
+            </ac:spMkLst>
+          </pc:spChg>
+        </pc:sldLayoutChg>
+        <pc:sldLayoutChg chg="modSp">
+          <pc:chgData name="GUIRAUD Mael" userId="9698d85c-f986-4704-b8b8-8b96bbf4c9e7" providerId="ADAL" clId="{7231C165-2875-4BB3-A6E5-744002F34FE3}" dt="2023-11-10T11:57:57.316" v="7"/>
+          <pc:sldLayoutMkLst>
+            <pc:docMk/>
+            <pc:sldMasterMk cId="2326436275" sldId="2147483648"/>
+            <pc:sldLayoutMk cId="936880743" sldId="2147483657"/>
+          </pc:sldLayoutMkLst>
+          <pc:spChg chg="mod">
+            <ac:chgData name="GUIRAUD Mael" userId="9698d85c-f986-4704-b8b8-8b96bbf4c9e7" providerId="ADAL" clId="{7231C165-2875-4BB3-A6E5-744002F34FE3}" dt="2023-11-10T11:57:57.316" v="7"/>
+            <ac:spMkLst>
+              <pc:docMk/>
+              <pc:sldMasterMk cId="2326436275" sldId="2147483648"/>
+              <pc:sldLayoutMk cId="936880743" sldId="2147483657"/>
+              <ac:spMk id="2" creationId="{0F81DF38-56F4-422E-B480-A5A22C6D20A5}"/>
+            </ac:spMkLst>
+          </pc:spChg>
+          <pc:spChg chg="mod">
+            <ac:chgData name="GUIRAUD Mael" userId="9698d85c-f986-4704-b8b8-8b96bbf4c9e7" providerId="ADAL" clId="{7231C165-2875-4BB3-A6E5-744002F34FE3}" dt="2023-11-10T11:57:57.316" v="7"/>
+            <ac:spMkLst>
+              <pc:docMk/>
+              <pc:sldMasterMk cId="2326436275" sldId="2147483648"/>
+              <pc:sldLayoutMk cId="936880743" sldId="2147483657"/>
+              <ac:spMk id="3" creationId="{DBCC518A-3493-7FAA-E168-8FAAD78F081F}"/>
+            </ac:spMkLst>
+          </pc:spChg>
+          <pc:spChg chg="mod">
+            <ac:chgData name="GUIRAUD Mael" userId="9698d85c-f986-4704-b8b8-8b96bbf4c9e7" providerId="ADAL" clId="{7231C165-2875-4BB3-A6E5-744002F34FE3}" dt="2023-11-10T11:57:57.316" v="7"/>
+            <ac:spMkLst>
+              <pc:docMk/>
+              <pc:sldMasterMk cId="2326436275" sldId="2147483648"/>
+              <pc:sldLayoutMk cId="936880743" sldId="2147483657"/>
+              <ac:spMk id="4" creationId="{42EEB097-711B-88BF-AEF2-70258103AB98}"/>
+            </ac:spMkLst>
+          </pc:spChg>
+        </pc:sldLayoutChg>
+        <pc:sldLayoutChg chg="modSp">
+          <pc:chgData name="GUIRAUD Mael" userId="9698d85c-f986-4704-b8b8-8b96bbf4c9e7" providerId="ADAL" clId="{7231C165-2875-4BB3-A6E5-744002F34FE3}" dt="2023-11-10T11:57:57.316" v="7"/>
+          <pc:sldLayoutMkLst>
+            <pc:docMk/>
+            <pc:sldMasterMk cId="2326436275" sldId="2147483648"/>
+            <pc:sldLayoutMk cId="1291606282" sldId="2147483659"/>
+          </pc:sldLayoutMkLst>
+          <pc:spChg chg="mod">
+            <ac:chgData name="GUIRAUD Mael" userId="9698d85c-f986-4704-b8b8-8b96bbf4c9e7" providerId="ADAL" clId="{7231C165-2875-4BB3-A6E5-744002F34FE3}" dt="2023-11-10T11:57:57.316" v="7"/>
+            <ac:spMkLst>
+              <pc:docMk/>
+              <pc:sldMasterMk cId="2326436275" sldId="2147483648"/>
+              <pc:sldLayoutMk cId="1291606282" sldId="2147483659"/>
+              <ac:spMk id="2" creationId="{60E0DA6F-AEF9-52E9-2808-4A12DA6DE13D}"/>
+            </ac:spMkLst>
+          </pc:spChg>
+          <pc:spChg chg="mod">
+            <ac:chgData name="GUIRAUD Mael" userId="9698d85c-f986-4704-b8b8-8b96bbf4c9e7" providerId="ADAL" clId="{7231C165-2875-4BB3-A6E5-744002F34FE3}" dt="2023-11-10T11:57:57.316" v="7"/>
+            <ac:spMkLst>
+              <pc:docMk/>
+              <pc:sldMasterMk cId="2326436275" sldId="2147483648"/>
+              <pc:sldLayoutMk cId="1291606282" sldId="2147483659"/>
+              <ac:spMk id="3" creationId="{62E2827B-5ADC-338A-AD59-E14D2D2714C3}"/>
+            </ac:spMkLst>
+          </pc:spChg>
+        </pc:sldLayoutChg>
+      </pc:sldMasterChg>
+      <pc:sldMasterChg chg="modSp modSldLayout">
+        <pc:chgData name="GUIRAUD Mael" userId="9698d85c-f986-4704-b8b8-8b96bbf4c9e7" providerId="ADAL" clId="{7231C165-2875-4BB3-A6E5-744002F34FE3}" dt="2023-11-10T11:57:46.795" v="5"/>
+        <pc:sldMasterMkLst>
+          <pc:docMk/>
+          <pc:sldMasterMk cId="1362589588" sldId="2147483660"/>
+        </pc:sldMasterMkLst>
+        <pc:spChg chg="mod">
+          <ac:chgData name="GUIRAUD Mael" userId="9698d85c-f986-4704-b8b8-8b96bbf4c9e7" providerId="ADAL" clId="{7231C165-2875-4BB3-A6E5-744002F34FE3}" dt="2023-11-10T11:57:46.795" v="5"/>
+          <ac:spMkLst>
+            <pc:docMk/>
+            <pc:sldMasterMk cId="1362589588" sldId="2147483660"/>
+            <ac:spMk id="2" creationId="{00000000-0000-0000-0000-000000000000}"/>
+          </ac:spMkLst>
+        </pc:spChg>
+        <pc:spChg chg="mod">
+          <ac:chgData name="GUIRAUD Mael" userId="9698d85c-f986-4704-b8b8-8b96bbf4c9e7" providerId="ADAL" clId="{7231C165-2875-4BB3-A6E5-744002F34FE3}" dt="2023-11-10T11:57:46.795" v="5"/>
+          <ac:spMkLst>
+            <pc:docMk/>
+            <pc:sldMasterMk cId="1362589588" sldId="2147483660"/>
+            <ac:spMk id="3" creationId="{00000000-0000-0000-0000-000000000000}"/>
+          </ac:spMkLst>
+        </pc:spChg>
+        <pc:spChg chg="mod">
+          <ac:chgData name="GUIRAUD Mael" userId="9698d85c-f986-4704-b8b8-8b96bbf4c9e7" providerId="ADAL" clId="{7231C165-2875-4BB3-A6E5-744002F34FE3}" dt="2023-11-10T11:57:46.795" v="5"/>
+          <ac:spMkLst>
+            <pc:docMk/>
+            <pc:sldMasterMk cId="1362589588" sldId="2147483660"/>
+            <ac:spMk id="4" creationId="{00000000-0000-0000-0000-000000000000}"/>
+          </ac:spMkLst>
+        </pc:spChg>
+        <pc:spChg chg="mod">
+          <ac:chgData name="GUIRAUD Mael" userId="9698d85c-f986-4704-b8b8-8b96bbf4c9e7" providerId="ADAL" clId="{7231C165-2875-4BB3-A6E5-744002F34FE3}" dt="2023-11-10T11:57:46.795" v="5"/>
+          <ac:spMkLst>
+            <pc:docMk/>
+            <pc:sldMasterMk cId="1362589588" sldId="2147483660"/>
+            <ac:spMk id="5" creationId="{00000000-0000-0000-0000-000000000000}"/>
+          </ac:spMkLst>
+        </pc:spChg>
+        <pc:spChg chg="mod">
+          <ac:chgData name="GUIRAUD Mael" userId="9698d85c-f986-4704-b8b8-8b96bbf4c9e7" providerId="ADAL" clId="{7231C165-2875-4BB3-A6E5-744002F34FE3}" dt="2023-11-10T11:57:46.795" v="5"/>
+          <ac:spMkLst>
+            <pc:docMk/>
+            <pc:sldMasterMk cId="1362589588" sldId="2147483660"/>
+            <ac:spMk id="6" creationId="{00000000-0000-0000-0000-000000000000}"/>
+          </ac:spMkLst>
+        </pc:spChg>
+        <pc:sldLayoutChg chg="modSp">
+          <pc:chgData name="GUIRAUD Mael" userId="9698d85c-f986-4704-b8b8-8b96bbf4c9e7" providerId="ADAL" clId="{7231C165-2875-4BB3-A6E5-744002F34FE3}" dt="2023-11-10T11:57:46.795" v="5"/>
+          <pc:sldLayoutMkLst>
+            <pc:docMk/>
+            <pc:sldMasterMk cId="1362589588" sldId="2147483660"/>
+            <pc:sldLayoutMk cId="3564718499" sldId="2147483661"/>
+          </pc:sldLayoutMkLst>
+          <pc:spChg chg="mod">
+            <ac:chgData name="GUIRAUD Mael" userId="9698d85c-f986-4704-b8b8-8b96bbf4c9e7" providerId="ADAL" clId="{7231C165-2875-4BB3-A6E5-744002F34FE3}" dt="2023-11-10T11:57:46.795" v="5"/>
+            <ac:spMkLst>
+              <pc:docMk/>
+              <pc:sldMasterMk cId="1362589588" sldId="2147483660"/>
+              <pc:sldLayoutMk cId="3564718499" sldId="2147483661"/>
+              <ac:spMk id="2" creationId="{00000000-0000-0000-0000-000000000000}"/>
+            </ac:spMkLst>
+          </pc:spChg>
+          <pc:spChg chg="mod">
+            <ac:chgData name="GUIRAUD Mael" userId="9698d85c-f986-4704-b8b8-8b96bbf4c9e7" providerId="ADAL" clId="{7231C165-2875-4BB3-A6E5-744002F34FE3}" dt="2023-11-10T11:57:46.795" v="5"/>
+            <ac:spMkLst>
+              <pc:docMk/>
+              <pc:sldMasterMk cId="1362589588" sldId="2147483660"/>
+              <pc:sldLayoutMk cId="3564718499" sldId="2147483661"/>
+              <ac:spMk id="3" creationId="{00000000-0000-0000-0000-000000000000}"/>
+            </ac:spMkLst>
+          </pc:spChg>
+        </pc:sldLayoutChg>
+        <pc:sldLayoutChg chg="modSp">
+          <pc:chgData name="GUIRAUD Mael" userId="9698d85c-f986-4704-b8b8-8b96bbf4c9e7" providerId="ADAL" clId="{7231C165-2875-4BB3-A6E5-744002F34FE3}" dt="2023-11-10T11:57:46.795" v="5"/>
+          <pc:sldLayoutMkLst>
+            <pc:docMk/>
+            <pc:sldMasterMk cId="1362589588" sldId="2147483660"/>
+            <pc:sldLayoutMk cId="3942898493" sldId="2147483663"/>
+          </pc:sldLayoutMkLst>
+          <pc:spChg chg="mod">
+            <ac:chgData name="GUIRAUD Mael" userId="9698d85c-f986-4704-b8b8-8b96bbf4c9e7" providerId="ADAL" clId="{7231C165-2875-4BB3-A6E5-744002F34FE3}" dt="2023-11-10T11:57:46.795" v="5"/>
+            <ac:spMkLst>
+              <pc:docMk/>
+              <pc:sldMasterMk cId="1362589588" sldId="2147483660"/>
+              <pc:sldLayoutMk cId="3942898493" sldId="2147483663"/>
+              <ac:spMk id="2" creationId="{00000000-0000-0000-0000-000000000000}"/>
+            </ac:spMkLst>
+          </pc:spChg>
+          <pc:spChg chg="mod">
+            <ac:chgData name="GUIRAUD Mael" userId="9698d85c-f986-4704-b8b8-8b96bbf4c9e7" providerId="ADAL" clId="{7231C165-2875-4BB3-A6E5-744002F34FE3}" dt="2023-11-10T11:57:46.795" v="5"/>
+            <ac:spMkLst>
+              <pc:docMk/>
+              <pc:sldMasterMk cId="1362589588" sldId="2147483660"/>
+              <pc:sldLayoutMk cId="3942898493" sldId="2147483663"/>
+              <ac:spMk id="3" creationId="{00000000-0000-0000-0000-000000000000}"/>
+            </ac:spMkLst>
+          </pc:spChg>
+        </pc:sldLayoutChg>
+        <pc:sldLayoutChg chg="modSp">
+          <pc:chgData name="GUIRAUD Mael" userId="9698d85c-f986-4704-b8b8-8b96bbf4c9e7" providerId="ADAL" clId="{7231C165-2875-4BB3-A6E5-744002F34FE3}" dt="2023-11-10T11:57:46.795" v="5"/>
+          <pc:sldLayoutMkLst>
+            <pc:docMk/>
+            <pc:sldMasterMk cId="1362589588" sldId="2147483660"/>
+            <pc:sldLayoutMk cId="1777345699" sldId="2147483664"/>
+          </pc:sldLayoutMkLst>
+          <pc:spChg chg="mod">
+            <ac:chgData name="GUIRAUD Mael" userId="9698d85c-f986-4704-b8b8-8b96bbf4c9e7" providerId="ADAL" clId="{7231C165-2875-4BB3-A6E5-744002F34FE3}" dt="2023-11-10T11:57:46.795" v="5"/>
+            <ac:spMkLst>
+              <pc:docMk/>
+              <pc:sldMasterMk cId="1362589588" sldId="2147483660"/>
+              <pc:sldLayoutMk cId="1777345699" sldId="2147483664"/>
+              <ac:spMk id="3" creationId="{00000000-0000-0000-0000-000000000000}"/>
+            </ac:spMkLst>
+          </pc:spChg>
+          <pc:spChg chg="mod">
+            <ac:chgData name="GUIRAUD Mael" userId="9698d85c-f986-4704-b8b8-8b96bbf4c9e7" providerId="ADAL" clId="{7231C165-2875-4BB3-A6E5-744002F34FE3}" dt="2023-11-10T11:57:46.795" v="5"/>
+            <ac:spMkLst>
+              <pc:docMk/>
+              <pc:sldMasterMk cId="1362589588" sldId="2147483660"/>
+              <pc:sldLayoutMk cId="1777345699" sldId="2147483664"/>
+              <ac:spMk id="4" creationId="{00000000-0000-0000-0000-000000000000}"/>
+            </ac:spMkLst>
+          </pc:spChg>
+        </pc:sldLayoutChg>
+        <pc:sldLayoutChg chg="modSp">
+          <pc:chgData name="GUIRAUD Mael" userId="9698d85c-f986-4704-b8b8-8b96bbf4c9e7" providerId="ADAL" clId="{7231C165-2875-4BB3-A6E5-744002F34FE3}" dt="2023-11-10T11:57:46.795" v="5"/>
+          <pc:sldLayoutMkLst>
+            <pc:docMk/>
+            <pc:sldMasterMk cId="1362589588" sldId="2147483660"/>
+            <pc:sldLayoutMk cId="3380696550" sldId="2147483665"/>
+          </pc:sldLayoutMkLst>
+          <pc:spChg chg="mod">
+            <ac:chgData name="GUIRAUD Mael" userId="9698d85c-f986-4704-b8b8-8b96bbf4c9e7" providerId="ADAL" clId="{7231C165-2875-4BB3-A6E5-744002F34FE3}" dt="2023-11-10T11:57:46.795" v="5"/>
+            <ac:spMkLst>
+              <pc:docMk/>
+              <pc:sldMasterMk cId="1362589588" sldId="2147483660"/>
+              <pc:sldLayoutMk cId="3380696550" sldId="2147483665"/>
+              <ac:spMk id="2" creationId="{00000000-0000-0000-0000-000000000000}"/>
+            </ac:spMkLst>
+          </pc:spChg>
+          <pc:spChg chg="mod">
+            <ac:chgData name="GUIRAUD Mael" userId="9698d85c-f986-4704-b8b8-8b96bbf4c9e7" providerId="ADAL" clId="{7231C165-2875-4BB3-A6E5-744002F34FE3}" dt="2023-11-10T11:57:46.795" v="5"/>
+            <ac:spMkLst>
+              <pc:docMk/>
+              <pc:sldMasterMk cId="1362589588" sldId="2147483660"/>
+              <pc:sldLayoutMk cId="3380696550" sldId="2147483665"/>
+              <ac:spMk id="3" creationId="{00000000-0000-0000-0000-000000000000}"/>
+            </ac:spMkLst>
+          </pc:spChg>
+          <pc:spChg chg="mod">
+            <ac:chgData name="GUIRAUD Mael" userId="9698d85c-f986-4704-b8b8-8b96bbf4c9e7" providerId="ADAL" clId="{7231C165-2875-4BB3-A6E5-744002F34FE3}" dt="2023-11-10T11:57:46.795" v="5"/>
+            <ac:spMkLst>
+              <pc:docMk/>
+              <pc:sldMasterMk cId="1362589588" sldId="2147483660"/>
+              <pc:sldLayoutMk cId="3380696550" sldId="2147483665"/>
+              <ac:spMk id="4" creationId="{00000000-0000-0000-0000-000000000000}"/>
+            </ac:spMkLst>
+          </pc:spChg>
+          <pc:spChg chg="mod">
+            <ac:chgData name="GUIRAUD Mael" userId="9698d85c-f986-4704-b8b8-8b96bbf4c9e7" providerId="ADAL" clId="{7231C165-2875-4BB3-A6E5-744002F34FE3}" dt="2023-11-10T11:57:46.795" v="5"/>
+            <ac:spMkLst>
+              <pc:docMk/>
+              <pc:sldMasterMk cId="1362589588" sldId="2147483660"/>
+              <pc:sldLayoutMk cId="3380696550" sldId="2147483665"/>
+              <ac:spMk id="5" creationId="{00000000-0000-0000-0000-000000000000}"/>
+            </ac:spMkLst>
+          </pc:spChg>
+          <pc:spChg chg="mod">
+            <ac:chgData name="GUIRAUD Mael" userId="9698d85c-f986-4704-b8b8-8b96bbf4c9e7" providerId="ADAL" clId="{7231C165-2875-4BB3-A6E5-744002F34FE3}" dt="2023-11-10T11:57:46.795" v="5"/>
+            <ac:spMkLst>
+              <pc:docMk/>
+              <pc:sldMasterMk cId="1362589588" sldId="2147483660"/>
+              <pc:sldLayoutMk cId="3380696550" sldId="2147483665"/>
+              <ac:spMk id="6" creationId="{00000000-0000-0000-0000-000000000000}"/>
+            </ac:spMkLst>
+          </pc:spChg>
+        </pc:sldLayoutChg>
+        <pc:sldLayoutChg chg="modSp">
+          <pc:chgData name="GUIRAUD Mael" userId="9698d85c-f986-4704-b8b8-8b96bbf4c9e7" providerId="ADAL" clId="{7231C165-2875-4BB3-A6E5-744002F34FE3}" dt="2023-11-10T11:57:46.795" v="5"/>
+          <pc:sldLayoutMkLst>
+            <pc:docMk/>
+            <pc:sldMasterMk cId="1362589588" sldId="2147483660"/>
+            <pc:sldLayoutMk cId="1139606412" sldId="2147483668"/>
+          </pc:sldLayoutMkLst>
+          <pc:spChg chg="mod">
+            <ac:chgData name="GUIRAUD Mael" userId="9698d85c-f986-4704-b8b8-8b96bbf4c9e7" providerId="ADAL" clId="{7231C165-2875-4BB3-A6E5-744002F34FE3}" dt="2023-11-10T11:57:46.795" v="5"/>
+            <ac:spMkLst>
+              <pc:docMk/>
+              <pc:sldMasterMk cId="1362589588" sldId="2147483660"/>
+              <pc:sldLayoutMk cId="1139606412" sldId="2147483668"/>
+              <ac:spMk id="2" creationId="{00000000-0000-0000-0000-000000000000}"/>
+            </ac:spMkLst>
+          </pc:spChg>
+          <pc:spChg chg="mod">
+            <ac:chgData name="GUIRAUD Mael" userId="9698d85c-f986-4704-b8b8-8b96bbf4c9e7" providerId="ADAL" clId="{7231C165-2875-4BB3-A6E5-744002F34FE3}" dt="2023-11-10T11:57:46.795" v="5"/>
+            <ac:spMkLst>
+              <pc:docMk/>
+              <pc:sldMasterMk cId="1362589588" sldId="2147483660"/>
+              <pc:sldLayoutMk cId="1139606412" sldId="2147483668"/>
+              <ac:spMk id="3" creationId="{00000000-0000-0000-0000-000000000000}"/>
+            </ac:spMkLst>
+          </pc:spChg>
+          <pc:spChg chg="mod">
+            <ac:chgData name="GUIRAUD Mael" userId="9698d85c-f986-4704-b8b8-8b96bbf4c9e7" providerId="ADAL" clId="{7231C165-2875-4BB3-A6E5-744002F34FE3}" dt="2023-11-10T11:57:46.795" v="5"/>
+            <ac:spMkLst>
+              <pc:docMk/>
+              <pc:sldMasterMk cId="1362589588" sldId="2147483660"/>
+              <pc:sldLayoutMk cId="1139606412" sldId="2147483668"/>
+              <ac:spMk id="4" creationId="{00000000-0000-0000-0000-000000000000}"/>
+            </ac:spMkLst>
+          </pc:spChg>
+        </pc:sldLayoutChg>
+        <pc:sldLayoutChg chg="modSp">
+          <pc:chgData name="GUIRAUD Mael" userId="9698d85c-f986-4704-b8b8-8b96bbf4c9e7" providerId="ADAL" clId="{7231C165-2875-4BB3-A6E5-744002F34FE3}" dt="2023-11-10T11:57:46.795" v="5"/>
+          <pc:sldLayoutMkLst>
+            <pc:docMk/>
+            <pc:sldMasterMk cId="1362589588" sldId="2147483660"/>
+            <pc:sldLayoutMk cId="3847656216" sldId="2147483669"/>
+          </pc:sldLayoutMkLst>
+          <pc:spChg chg="mod">
+            <ac:chgData name="GUIRAUD Mael" userId="9698d85c-f986-4704-b8b8-8b96bbf4c9e7" providerId="ADAL" clId="{7231C165-2875-4BB3-A6E5-744002F34FE3}" dt="2023-11-10T11:57:46.795" v="5"/>
+            <ac:spMkLst>
+              <pc:docMk/>
+              <pc:sldMasterMk cId="1362589588" sldId="2147483660"/>
+              <pc:sldLayoutMk cId="3847656216" sldId="2147483669"/>
+              <ac:spMk id="2" creationId="{00000000-0000-0000-0000-000000000000}"/>
+            </ac:spMkLst>
+          </pc:spChg>
+          <pc:spChg chg="mod">
+            <ac:chgData name="GUIRAUD Mael" userId="9698d85c-f986-4704-b8b8-8b96bbf4c9e7" providerId="ADAL" clId="{7231C165-2875-4BB3-A6E5-744002F34FE3}" dt="2023-11-10T11:57:46.795" v="5"/>
+            <ac:spMkLst>
+              <pc:docMk/>
+              <pc:sldMasterMk cId="1362589588" sldId="2147483660"/>
+              <pc:sldLayoutMk cId="3847656216" sldId="2147483669"/>
+              <ac:spMk id="3" creationId="{00000000-0000-0000-0000-000000000000}"/>
+            </ac:spMkLst>
+          </pc:spChg>
+          <pc:spChg chg="mod">
+            <ac:chgData name="GUIRAUD Mael" userId="9698d85c-f986-4704-b8b8-8b96bbf4c9e7" providerId="ADAL" clId="{7231C165-2875-4BB3-A6E5-744002F34FE3}" dt="2023-11-10T11:57:46.795" v="5"/>
+            <ac:spMkLst>
+              <pc:docMk/>
+              <pc:sldMasterMk cId="1362589588" sldId="2147483660"/>
+              <pc:sldLayoutMk cId="3847656216" sldId="2147483669"/>
+              <ac:spMk id="4" creationId="{00000000-0000-0000-0000-000000000000}"/>
+            </ac:spMkLst>
+          </pc:spChg>
+        </pc:sldLayoutChg>
+        <pc:sldLayoutChg chg="modSp">
+          <pc:chgData name="GUIRAUD Mael" userId="9698d85c-f986-4704-b8b8-8b96bbf4c9e7" providerId="ADAL" clId="{7231C165-2875-4BB3-A6E5-744002F34FE3}" dt="2023-11-10T11:57:46.795" v="5"/>
+          <pc:sldLayoutMkLst>
+            <pc:docMk/>
+            <pc:sldMasterMk cId="1362589588" sldId="2147483660"/>
+            <pc:sldLayoutMk cId="3109722938" sldId="2147483671"/>
+          </pc:sldLayoutMkLst>
+          <pc:spChg chg="mod">
+            <ac:chgData name="GUIRAUD Mael" userId="9698d85c-f986-4704-b8b8-8b96bbf4c9e7" providerId="ADAL" clId="{7231C165-2875-4BB3-A6E5-744002F34FE3}" dt="2023-11-10T11:57:46.795" v="5"/>
+            <ac:spMkLst>
+              <pc:docMk/>
+              <pc:sldMasterMk cId="1362589588" sldId="2147483660"/>
+              <pc:sldLayoutMk cId="3109722938" sldId="2147483671"/>
+              <ac:spMk id="2" creationId="{00000000-0000-0000-0000-000000000000}"/>
+            </ac:spMkLst>
+          </pc:spChg>
+          <pc:spChg chg="mod">
+            <ac:chgData name="GUIRAUD Mael" userId="9698d85c-f986-4704-b8b8-8b96bbf4c9e7" providerId="ADAL" clId="{7231C165-2875-4BB3-A6E5-744002F34FE3}" dt="2023-11-10T11:57:46.795" v="5"/>
+            <ac:spMkLst>
+              <pc:docMk/>
+              <pc:sldMasterMk cId="1362589588" sldId="2147483660"/>
+              <pc:sldLayoutMk cId="3109722938" sldId="2147483671"/>
+              <ac:spMk id="3" creationId="{00000000-0000-0000-0000-000000000000}"/>
+            </ac:spMkLst>
+          </pc:spChg>
+        </pc:sldLayoutChg>
+      </pc:sldMasterChg>
+    </pc:docChg>
+  </pc:docChgLst>
+</pc:chgInfo>
 </file>
 
 <file path=ppt/slideLayouts/slideLayout1.xml><?xml version="1.0" encoding="utf-8"?>
@@ -126,13 +804,7 @@
       </p:grpSpPr>
       <p:sp>
         <p:nvSpPr>
-          <p:cNvPr id="2" name="Titre 1">
-            <a:extLst>
-              <a:ext uri="{FF2B5EF4-FFF2-40B4-BE49-F238E27FC236}">
-                <a16:creationId xmlns:a16="http://schemas.microsoft.com/office/drawing/2014/main" id="{EAD8E234-7F30-C50A-431E-6D7BDF271D4B}"/>
-              </a:ext>
-            </a:extLst>
-          </p:cNvPr>
+          <p:cNvPr id="2" name="Title 1"/>
           <p:cNvSpPr>
             <a:spLocks noGrp="1"/>
           </p:cNvSpPr>
@@ -142,15 +814,15 @@
         </p:nvSpPr>
         <p:spPr>
           <a:xfrm>
-            <a:off x="1524000" y="1122363"/>
-            <a:ext cx="9144000" cy="2387600"/>
+            <a:off x="1300361" y="607947"/>
+            <a:ext cx="7802166" cy="1293283"/>
           </a:xfrm>
         </p:spPr>
         <p:txBody>
           <a:bodyPr anchor="b"/>
           <a:lstStyle>
             <a:lvl1pPr algn="ctr">
-              <a:defRPr sz="6000"/>
+              <a:defRPr sz="3250"/>
             </a:lvl1pPr>
           </a:lstStyle>
           <a:p>
@@ -158,18 +830,13 @@
               <a:rPr lang="fr-FR"/>
               <a:t>Modifiez le style du titre</a:t>
             </a:r>
+            <a:endParaRPr lang="en-US" dirty="0"/>
           </a:p>
         </p:txBody>
       </p:sp>
       <p:sp>
         <p:nvSpPr>
-          <p:cNvPr id="3" name="Sous-titre 2">
-            <a:extLst>
-              <a:ext uri="{FF2B5EF4-FFF2-40B4-BE49-F238E27FC236}">
-                <a16:creationId xmlns:a16="http://schemas.microsoft.com/office/drawing/2014/main" id="{6631DBD3-B8DB-EC76-6B26-73FD405BD70E}"/>
-              </a:ext>
-            </a:extLst>
-          </p:cNvPr>
+          <p:cNvPr id="3" name="Subtitle 2"/>
           <p:cNvSpPr>
             <a:spLocks noGrp="1"/>
           </p:cNvSpPr>
@@ -179,8 +846,8 @@
         </p:nvSpPr>
         <p:spPr>
           <a:xfrm>
-            <a:off x="1524000" y="3602038"/>
-            <a:ext cx="9144000" cy="1655762"/>
+            <a:off x="1300361" y="1951104"/>
+            <a:ext cx="7802166" cy="896871"/>
           </a:xfrm>
         </p:spPr>
         <p:txBody>
@@ -188,39 +855,39 @@
           <a:lstStyle>
             <a:lvl1pPr marL="0" indent="0" algn="ctr">
               <a:buNone/>
-              <a:defRPr sz="2400"/>
+              <a:defRPr sz="1300"/>
             </a:lvl1pPr>
-            <a:lvl2pPr marL="457200" indent="0" algn="ctr">
+            <a:lvl2pPr marL="247665" indent="0" algn="ctr">
               <a:buNone/>
-              <a:defRPr sz="2000"/>
+              <a:defRPr sz="1083"/>
             </a:lvl2pPr>
-            <a:lvl3pPr marL="914400" indent="0" algn="ctr">
+            <a:lvl3pPr marL="495330" indent="0" algn="ctr">
               <a:buNone/>
-              <a:defRPr sz="1800"/>
+              <a:defRPr sz="975"/>
             </a:lvl3pPr>
-            <a:lvl4pPr marL="1371600" indent="0" algn="ctr">
+            <a:lvl4pPr marL="742996" indent="0" algn="ctr">
               <a:buNone/>
-              <a:defRPr sz="1600"/>
+              <a:defRPr sz="867"/>
             </a:lvl4pPr>
-            <a:lvl5pPr marL="1828800" indent="0" algn="ctr">
+            <a:lvl5pPr marL="990661" indent="0" algn="ctr">
               <a:buNone/>
-              <a:defRPr sz="1600"/>
+              <a:defRPr sz="867"/>
             </a:lvl5pPr>
-            <a:lvl6pPr marL="2286000" indent="0" algn="ctr">
+            <a:lvl6pPr marL="1238326" indent="0" algn="ctr">
               <a:buNone/>
-              <a:defRPr sz="1600"/>
+              <a:defRPr sz="867"/>
             </a:lvl6pPr>
-            <a:lvl7pPr marL="2743200" indent="0" algn="ctr">
+            <a:lvl7pPr marL="1485991" indent="0" algn="ctr">
               <a:buNone/>
-              <a:defRPr sz="1600"/>
+              <a:defRPr sz="867"/>
             </a:lvl7pPr>
-            <a:lvl8pPr marL="3200400" indent="0" algn="ctr">
+            <a:lvl8pPr marL="1733657" indent="0" algn="ctr">
               <a:buNone/>
-              <a:defRPr sz="1600"/>
+              <a:defRPr sz="867"/>
             </a:lvl8pPr>
-            <a:lvl9pPr marL="3657600" indent="0" algn="ctr">
+            <a:lvl9pPr marL="1981322" indent="0" algn="ctr">
               <a:buNone/>
-              <a:defRPr sz="1600"/>
+              <a:defRPr sz="867"/>
             </a:lvl9pPr>
           </a:lstStyle>
           <a:p>
@@ -228,18 +895,13 @@
               <a:rPr lang="fr-FR"/>
               <a:t>Modifiez le style des sous-titres du masque</a:t>
             </a:r>
+            <a:endParaRPr lang="en-US" dirty="0"/>
           </a:p>
         </p:txBody>
       </p:sp>
       <p:sp>
         <p:nvSpPr>
-          <p:cNvPr id="4" name="Espace réservé de la date 3">
-            <a:extLst>
-              <a:ext uri="{FF2B5EF4-FFF2-40B4-BE49-F238E27FC236}">
-                <a16:creationId xmlns:a16="http://schemas.microsoft.com/office/drawing/2014/main" id="{5DEB6D96-998F-5318-A51A-65EB1E23B412}"/>
-              </a:ext>
-            </a:extLst>
-          </p:cNvPr>
+          <p:cNvPr id="4" name="Date Placeholder 3"/>
           <p:cNvSpPr>
             <a:spLocks noGrp="1"/>
           </p:cNvSpPr>
@@ -254,7 +916,7 @@
           <a:p>
             <a:fld id="{4F9D0EE7-5FFA-4A88-B51D-A0F9CB847ED6}" type="datetimeFigureOut">
               <a:rPr lang="fr-FR" smtClean="0"/>
-              <a:t>08/11/2023</a:t>
+              <a:t>10/11/2023</a:t>
             </a:fld>
             <a:endParaRPr lang="fr-FR"/>
           </a:p>
@@ -262,13 +924,7 @@
       </p:sp>
       <p:sp>
         <p:nvSpPr>
-          <p:cNvPr id="5" name="Espace réservé du pied de page 4">
-            <a:extLst>
-              <a:ext uri="{FF2B5EF4-FFF2-40B4-BE49-F238E27FC236}">
-                <a16:creationId xmlns:a16="http://schemas.microsoft.com/office/drawing/2014/main" id="{623A3787-5482-88C0-B711-40CC9B24809B}"/>
-              </a:ext>
-            </a:extLst>
-          </p:cNvPr>
+          <p:cNvPr id="5" name="Footer Placeholder 4"/>
           <p:cNvSpPr>
             <a:spLocks noGrp="1"/>
           </p:cNvSpPr>
@@ -287,13 +943,7 @@
       </p:sp>
       <p:sp>
         <p:nvSpPr>
-          <p:cNvPr id="6" name="Espace réservé du numéro de diapositive 5">
-            <a:extLst>
-              <a:ext uri="{FF2B5EF4-FFF2-40B4-BE49-F238E27FC236}">
-                <a16:creationId xmlns:a16="http://schemas.microsoft.com/office/drawing/2014/main" id="{B6EC0E19-2D7B-8843-9954-C9A00DE1E07D}"/>
-              </a:ext>
-            </a:extLst>
-          </p:cNvPr>
+          <p:cNvPr id="6" name="Slide Number Placeholder 5"/>
           <p:cNvSpPr>
             <a:spLocks noGrp="1"/>
           </p:cNvSpPr>
@@ -317,7 +967,7 @@
     </p:spTree>
     <p:extLst>
       <p:ext uri="{BB962C8B-B14F-4D97-AF65-F5344CB8AC3E}">
-        <p14:creationId xmlns:p14="http://schemas.microsoft.com/office/powerpoint/2010/main" val="568117956"/>
+        <p14:creationId xmlns:p14="http://schemas.microsoft.com/office/powerpoint/2010/main" val="2977201623"/>
       </p:ext>
     </p:extLst>
   </p:cSld>
@@ -346,13 +996,7 @@
       </p:grpSpPr>
       <p:sp>
         <p:nvSpPr>
-          <p:cNvPr id="2" name="Titre 1">
-            <a:extLst>
-              <a:ext uri="{FF2B5EF4-FFF2-40B4-BE49-F238E27FC236}">
-                <a16:creationId xmlns:a16="http://schemas.microsoft.com/office/drawing/2014/main" id="{E044802B-DE3F-D4AD-7A8B-A66411A91D95}"/>
-              </a:ext>
-            </a:extLst>
-          </p:cNvPr>
+          <p:cNvPr id="2" name="Title 1"/>
           <p:cNvSpPr>
             <a:spLocks noGrp="1"/>
           </p:cNvSpPr>
@@ -369,18 +1013,13 @@
               <a:rPr lang="fr-FR"/>
               <a:t>Modifiez le style du titre</a:t>
             </a:r>
+            <a:endParaRPr lang="en-US" dirty="0"/>
           </a:p>
         </p:txBody>
       </p:sp>
       <p:sp>
         <p:nvSpPr>
-          <p:cNvPr id="3" name="Espace réservé du texte vertical 2">
-            <a:extLst>
-              <a:ext uri="{FF2B5EF4-FFF2-40B4-BE49-F238E27FC236}">
-                <a16:creationId xmlns:a16="http://schemas.microsoft.com/office/drawing/2014/main" id="{5E3992A0-F86D-553D-3386-AD921A9C2EEF}"/>
-              </a:ext>
-            </a:extLst>
-          </p:cNvPr>
+          <p:cNvPr id="3" name="Vertical Text Placeholder 2"/>
           <p:cNvSpPr>
             <a:spLocks noGrp="1"/>
           </p:cNvSpPr>
@@ -426,18 +1065,13 @@
               <a:rPr lang="fr-FR"/>
               <a:t>Cinquième niveau</a:t>
             </a:r>
+            <a:endParaRPr lang="en-US" dirty="0"/>
           </a:p>
         </p:txBody>
       </p:sp>
       <p:sp>
         <p:nvSpPr>
-          <p:cNvPr id="4" name="Espace réservé de la date 3">
-            <a:extLst>
-              <a:ext uri="{FF2B5EF4-FFF2-40B4-BE49-F238E27FC236}">
-                <a16:creationId xmlns:a16="http://schemas.microsoft.com/office/drawing/2014/main" id="{FB6E01D2-B056-5753-496B-06DDACB0A2D3}"/>
-              </a:ext>
-            </a:extLst>
-          </p:cNvPr>
+          <p:cNvPr id="4" name="Date Placeholder 3"/>
           <p:cNvSpPr>
             <a:spLocks noGrp="1"/>
           </p:cNvSpPr>
@@ -452,7 +1086,7 @@
           <a:p>
             <a:fld id="{4F9D0EE7-5FFA-4A88-B51D-A0F9CB847ED6}" type="datetimeFigureOut">
               <a:rPr lang="fr-FR" smtClean="0"/>
-              <a:t>08/11/2023</a:t>
+              <a:t>10/11/2023</a:t>
             </a:fld>
             <a:endParaRPr lang="fr-FR"/>
           </a:p>
@@ -460,13 +1094,7 @@
       </p:sp>
       <p:sp>
         <p:nvSpPr>
-          <p:cNvPr id="5" name="Espace réservé du pied de page 4">
-            <a:extLst>
-              <a:ext uri="{FF2B5EF4-FFF2-40B4-BE49-F238E27FC236}">
-                <a16:creationId xmlns:a16="http://schemas.microsoft.com/office/drawing/2014/main" id="{4F2076F6-E6B4-607F-1889-A68CD58BAA9A}"/>
-              </a:ext>
-            </a:extLst>
-          </p:cNvPr>
+          <p:cNvPr id="5" name="Footer Placeholder 4"/>
           <p:cNvSpPr>
             <a:spLocks noGrp="1"/>
           </p:cNvSpPr>
@@ -485,13 +1113,7 @@
       </p:sp>
       <p:sp>
         <p:nvSpPr>
-          <p:cNvPr id="6" name="Espace réservé du numéro de diapositive 5">
-            <a:extLst>
-              <a:ext uri="{FF2B5EF4-FFF2-40B4-BE49-F238E27FC236}">
-                <a16:creationId xmlns:a16="http://schemas.microsoft.com/office/drawing/2014/main" id="{1645CC39-267E-31EB-ED8B-42FB3472E1B1}"/>
-              </a:ext>
-            </a:extLst>
-          </p:cNvPr>
+          <p:cNvPr id="6" name="Slide Number Placeholder 5"/>
           <p:cNvSpPr>
             <a:spLocks noGrp="1"/>
           </p:cNvSpPr>
@@ -515,7 +1137,7 @@
     </p:spTree>
     <p:extLst>
       <p:ext uri="{BB962C8B-B14F-4D97-AF65-F5344CB8AC3E}">
-        <p14:creationId xmlns:p14="http://schemas.microsoft.com/office/powerpoint/2010/main" val="3331257873"/>
+        <p14:creationId xmlns:p14="http://schemas.microsoft.com/office/powerpoint/2010/main" val="1271883517"/>
       </p:ext>
     </p:extLst>
   </p:cSld>
@@ -544,13 +1166,7 @@
       </p:grpSpPr>
       <p:sp>
         <p:nvSpPr>
-          <p:cNvPr id="2" name="Titre vertical 1">
-            <a:extLst>
-              <a:ext uri="{FF2B5EF4-FFF2-40B4-BE49-F238E27FC236}">
-                <a16:creationId xmlns:a16="http://schemas.microsoft.com/office/drawing/2014/main" id="{60E0DA6F-AEF9-52E9-2808-4A12DA6DE13D}"/>
-              </a:ext>
-            </a:extLst>
-          </p:cNvPr>
+          <p:cNvPr id="2" name="Vertical Title 1"/>
           <p:cNvSpPr>
             <a:spLocks noGrp="1"/>
           </p:cNvSpPr>
@@ -560,8 +1176,8 @@
         </p:nvSpPr>
         <p:spPr>
           <a:xfrm>
-            <a:off x="8724900" y="365125"/>
-            <a:ext cx="2628900" cy="5811838"/>
+            <a:off x="7444567" y="197776"/>
+            <a:ext cx="2243123" cy="3148079"/>
           </a:xfrm>
         </p:spPr>
         <p:txBody>
@@ -572,18 +1188,13 @@
               <a:rPr lang="fr-FR"/>
               <a:t>Modifiez le style du titre</a:t>
             </a:r>
+            <a:endParaRPr lang="en-US" dirty="0"/>
           </a:p>
         </p:txBody>
       </p:sp>
       <p:sp>
         <p:nvSpPr>
-          <p:cNvPr id="3" name="Espace réservé du texte vertical 2">
-            <a:extLst>
-              <a:ext uri="{FF2B5EF4-FFF2-40B4-BE49-F238E27FC236}">
-                <a16:creationId xmlns:a16="http://schemas.microsoft.com/office/drawing/2014/main" id="{62E2827B-5ADC-338A-AD59-E14D2D2714C3}"/>
-              </a:ext>
-            </a:extLst>
-          </p:cNvPr>
+          <p:cNvPr id="3" name="Vertical Text Placeholder 2"/>
           <p:cNvSpPr>
             <a:spLocks noGrp="1"/>
           </p:cNvSpPr>
@@ -593,8 +1204,8 @@
         </p:nvSpPr>
         <p:spPr>
           <a:xfrm>
-            <a:off x="838200" y="365125"/>
-            <a:ext cx="7734300" cy="5811838"/>
+            <a:off x="715199" y="197776"/>
+            <a:ext cx="6599332" cy="3148079"/>
           </a:xfrm>
         </p:spPr>
         <p:txBody>
@@ -634,18 +1245,13 @@
               <a:rPr lang="fr-FR"/>
               <a:t>Cinquième niveau</a:t>
             </a:r>
+            <a:endParaRPr lang="en-US" dirty="0"/>
           </a:p>
         </p:txBody>
       </p:sp>
       <p:sp>
         <p:nvSpPr>
-          <p:cNvPr id="4" name="Espace réservé de la date 3">
-            <a:extLst>
-              <a:ext uri="{FF2B5EF4-FFF2-40B4-BE49-F238E27FC236}">
-                <a16:creationId xmlns:a16="http://schemas.microsoft.com/office/drawing/2014/main" id="{F473C23A-20E3-D875-96A9-F55D4C905A21}"/>
-              </a:ext>
-            </a:extLst>
-          </p:cNvPr>
+          <p:cNvPr id="4" name="Date Placeholder 3"/>
           <p:cNvSpPr>
             <a:spLocks noGrp="1"/>
           </p:cNvSpPr>
@@ -660,7 +1266,7 @@
           <a:p>
             <a:fld id="{4F9D0EE7-5FFA-4A88-B51D-A0F9CB847ED6}" type="datetimeFigureOut">
               <a:rPr lang="fr-FR" smtClean="0"/>
-              <a:t>08/11/2023</a:t>
+              <a:t>10/11/2023</a:t>
             </a:fld>
             <a:endParaRPr lang="fr-FR"/>
           </a:p>
@@ -668,13 +1274,7 @@
       </p:sp>
       <p:sp>
         <p:nvSpPr>
-          <p:cNvPr id="5" name="Espace réservé du pied de page 4">
-            <a:extLst>
-              <a:ext uri="{FF2B5EF4-FFF2-40B4-BE49-F238E27FC236}">
-                <a16:creationId xmlns:a16="http://schemas.microsoft.com/office/drawing/2014/main" id="{45DAA6DB-8444-946C-BDE5-B2FE34B6A9B7}"/>
-              </a:ext>
-            </a:extLst>
-          </p:cNvPr>
+          <p:cNvPr id="5" name="Footer Placeholder 4"/>
           <p:cNvSpPr>
             <a:spLocks noGrp="1"/>
           </p:cNvSpPr>
@@ -693,13 +1293,7 @@
       </p:sp>
       <p:sp>
         <p:nvSpPr>
-          <p:cNvPr id="6" name="Espace réservé du numéro de diapositive 5">
-            <a:extLst>
-              <a:ext uri="{FF2B5EF4-FFF2-40B4-BE49-F238E27FC236}">
-                <a16:creationId xmlns:a16="http://schemas.microsoft.com/office/drawing/2014/main" id="{CF9E4B0F-0FE1-30EB-C837-634C92F96DA9}"/>
-              </a:ext>
-            </a:extLst>
-          </p:cNvPr>
+          <p:cNvPr id="6" name="Slide Number Placeholder 5"/>
           <p:cNvSpPr>
             <a:spLocks noGrp="1"/>
           </p:cNvSpPr>
@@ -723,7 +1317,7 @@
     </p:spTree>
     <p:extLst>
       <p:ext uri="{BB962C8B-B14F-4D97-AF65-F5344CB8AC3E}">
-        <p14:creationId xmlns:p14="http://schemas.microsoft.com/office/powerpoint/2010/main" val="1291606282"/>
+        <p14:creationId xmlns:p14="http://schemas.microsoft.com/office/powerpoint/2010/main" val="2312762293"/>
       </p:ext>
     </p:extLst>
   </p:cSld>
@@ -752,13 +1346,7 @@
       </p:grpSpPr>
       <p:sp>
         <p:nvSpPr>
-          <p:cNvPr id="2" name="Titre 1">
-            <a:extLst>
-              <a:ext uri="{FF2B5EF4-FFF2-40B4-BE49-F238E27FC236}">
-                <a16:creationId xmlns:a16="http://schemas.microsoft.com/office/drawing/2014/main" id="{CA50B68D-AF84-D546-DF07-9B4369784A0F}"/>
-              </a:ext>
-            </a:extLst>
-          </p:cNvPr>
+          <p:cNvPr id="2" name="Title 1"/>
           <p:cNvSpPr>
             <a:spLocks noGrp="1"/>
           </p:cNvSpPr>
@@ -775,18 +1363,13 @@
               <a:rPr lang="fr-FR"/>
               <a:t>Modifiez le style du titre</a:t>
             </a:r>
+            <a:endParaRPr lang="en-US" dirty="0"/>
           </a:p>
         </p:txBody>
       </p:sp>
       <p:sp>
         <p:nvSpPr>
-          <p:cNvPr id="3" name="Espace réservé du contenu 2">
-            <a:extLst>
-              <a:ext uri="{FF2B5EF4-FFF2-40B4-BE49-F238E27FC236}">
-                <a16:creationId xmlns:a16="http://schemas.microsoft.com/office/drawing/2014/main" id="{7DB08120-E102-C16B-2C67-BCF9CDE734DE}"/>
-              </a:ext>
-            </a:extLst>
-          </p:cNvPr>
+          <p:cNvPr id="3" name="Content Placeholder 2"/>
           <p:cNvSpPr>
             <a:spLocks noGrp="1"/>
           </p:cNvSpPr>
@@ -832,18 +1415,13 @@
               <a:rPr lang="fr-FR"/>
               <a:t>Cinquième niveau</a:t>
             </a:r>
+            <a:endParaRPr lang="en-US" dirty="0"/>
           </a:p>
         </p:txBody>
       </p:sp>
       <p:sp>
         <p:nvSpPr>
-          <p:cNvPr id="4" name="Espace réservé de la date 3">
-            <a:extLst>
-              <a:ext uri="{FF2B5EF4-FFF2-40B4-BE49-F238E27FC236}">
-                <a16:creationId xmlns:a16="http://schemas.microsoft.com/office/drawing/2014/main" id="{F26EE2F2-0339-53E8-099A-F64C6DA21A66}"/>
-              </a:ext>
-            </a:extLst>
-          </p:cNvPr>
+          <p:cNvPr id="4" name="Date Placeholder 3"/>
           <p:cNvSpPr>
             <a:spLocks noGrp="1"/>
           </p:cNvSpPr>
@@ -858,7 +1436,7 @@
           <a:p>
             <a:fld id="{4F9D0EE7-5FFA-4A88-B51D-A0F9CB847ED6}" type="datetimeFigureOut">
               <a:rPr lang="fr-FR" smtClean="0"/>
-              <a:t>08/11/2023</a:t>
+              <a:t>10/11/2023</a:t>
             </a:fld>
             <a:endParaRPr lang="fr-FR"/>
           </a:p>
@@ -866,13 +1444,7 @@
       </p:sp>
       <p:sp>
         <p:nvSpPr>
-          <p:cNvPr id="5" name="Espace réservé du pied de page 4">
-            <a:extLst>
-              <a:ext uri="{FF2B5EF4-FFF2-40B4-BE49-F238E27FC236}">
-                <a16:creationId xmlns:a16="http://schemas.microsoft.com/office/drawing/2014/main" id="{19627450-7FD3-D974-F1F5-B99A74AB7ADE}"/>
-              </a:ext>
-            </a:extLst>
-          </p:cNvPr>
+          <p:cNvPr id="5" name="Footer Placeholder 4"/>
           <p:cNvSpPr>
             <a:spLocks noGrp="1"/>
           </p:cNvSpPr>
@@ -891,13 +1463,7 @@
       </p:sp>
       <p:sp>
         <p:nvSpPr>
-          <p:cNvPr id="6" name="Espace réservé du numéro de diapositive 5">
-            <a:extLst>
-              <a:ext uri="{FF2B5EF4-FFF2-40B4-BE49-F238E27FC236}">
-                <a16:creationId xmlns:a16="http://schemas.microsoft.com/office/drawing/2014/main" id="{BF49F5F5-7A3C-D055-1A58-3683F7B79146}"/>
-              </a:ext>
-            </a:extLst>
-          </p:cNvPr>
+          <p:cNvPr id="6" name="Slide Number Placeholder 5"/>
           <p:cNvSpPr>
             <a:spLocks noGrp="1"/>
           </p:cNvSpPr>
@@ -921,7 +1487,7 @@
     </p:spTree>
     <p:extLst>
       <p:ext uri="{BB962C8B-B14F-4D97-AF65-F5344CB8AC3E}">
-        <p14:creationId xmlns:p14="http://schemas.microsoft.com/office/powerpoint/2010/main" val="1836820998"/>
+        <p14:creationId xmlns:p14="http://schemas.microsoft.com/office/powerpoint/2010/main" val="3906376249"/>
       </p:ext>
     </p:extLst>
   </p:cSld>
@@ -950,13 +1516,7 @@
       </p:grpSpPr>
       <p:sp>
         <p:nvSpPr>
-          <p:cNvPr id="2" name="Titre 1">
-            <a:extLst>
-              <a:ext uri="{FF2B5EF4-FFF2-40B4-BE49-F238E27FC236}">
-                <a16:creationId xmlns:a16="http://schemas.microsoft.com/office/drawing/2014/main" id="{B54E0D52-9720-BBF2-ACF4-8BB21604855B}"/>
-              </a:ext>
-            </a:extLst>
-          </p:cNvPr>
+          <p:cNvPr id="2" name="Title 1"/>
           <p:cNvSpPr>
             <a:spLocks noGrp="1"/>
           </p:cNvSpPr>
@@ -966,15 +1526,15 @@
         </p:nvSpPr>
         <p:spPr>
           <a:xfrm>
-            <a:off x="831850" y="1709738"/>
-            <a:ext cx="10515600" cy="2852737"/>
+            <a:off x="709780" y="926108"/>
+            <a:ext cx="8972491" cy="1545233"/>
           </a:xfrm>
         </p:spPr>
         <p:txBody>
           <a:bodyPr anchor="b"/>
           <a:lstStyle>
             <a:lvl1pPr>
-              <a:defRPr sz="6000"/>
+              <a:defRPr sz="3250"/>
             </a:lvl1pPr>
           </a:lstStyle>
           <a:p>
@@ -982,18 +1542,13 @@
               <a:rPr lang="fr-FR"/>
               <a:t>Modifiez le style du titre</a:t>
             </a:r>
+            <a:endParaRPr lang="en-US" dirty="0"/>
           </a:p>
         </p:txBody>
       </p:sp>
       <p:sp>
         <p:nvSpPr>
-          <p:cNvPr id="3" name="Espace réservé du texte 2">
-            <a:extLst>
-              <a:ext uri="{FF2B5EF4-FFF2-40B4-BE49-F238E27FC236}">
-                <a16:creationId xmlns:a16="http://schemas.microsoft.com/office/drawing/2014/main" id="{340299BE-C739-7F9B-08D8-F3243F2F09B5}"/>
-              </a:ext>
-            </a:extLst>
-          </p:cNvPr>
+          <p:cNvPr id="3" name="Text Placeholder 2"/>
           <p:cNvSpPr>
             <a:spLocks noGrp="1"/>
           </p:cNvSpPr>
@@ -1003,8 +1558,8 @@
         </p:nvSpPr>
         <p:spPr>
           <a:xfrm>
-            <a:off x="831850" y="4589463"/>
-            <a:ext cx="10515600" cy="1500187"/>
+            <a:off x="709780" y="2485960"/>
+            <a:ext cx="8972491" cy="812601"/>
           </a:xfrm>
         </p:spPr>
         <p:txBody>
@@ -1012,7 +1567,7 @@
           <a:lstStyle>
             <a:lvl1pPr marL="0" indent="0">
               <a:buNone/>
-              <a:defRPr sz="2400">
+              <a:defRPr sz="1300">
                 <a:solidFill>
                   <a:schemeClr val="tx1">
                     <a:tint val="75000"/>
@@ -1020,9 +1575,9 @@
                 </a:solidFill>
               </a:defRPr>
             </a:lvl1pPr>
-            <a:lvl2pPr marL="457200" indent="0">
+            <a:lvl2pPr marL="247665" indent="0">
               <a:buNone/>
-              <a:defRPr sz="2000">
+              <a:defRPr sz="1083">
                 <a:solidFill>
                   <a:schemeClr val="tx1">
                     <a:tint val="75000"/>
@@ -1030,9 +1585,9 @@
                 </a:solidFill>
               </a:defRPr>
             </a:lvl2pPr>
-            <a:lvl3pPr marL="914400" indent="0">
+            <a:lvl3pPr marL="495330" indent="0">
               <a:buNone/>
-              <a:defRPr sz="1800">
+              <a:defRPr sz="975">
                 <a:solidFill>
                   <a:schemeClr val="tx1">
                     <a:tint val="75000"/>
@@ -1040,9 +1595,9 @@
                 </a:solidFill>
               </a:defRPr>
             </a:lvl3pPr>
-            <a:lvl4pPr marL="1371600" indent="0">
+            <a:lvl4pPr marL="742996" indent="0">
               <a:buNone/>
-              <a:defRPr sz="1600">
+              <a:defRPr sz="867">
                 <a:solidFill>
                   <a:schemeClr val="tx1">
                     <a:tint val="75000"/>
@@ -1050,9 +1605,9 @@
                 </a:solidFill>
               </a:defRPr>
             </a:lvl4pPr>
-            <a:lvl5pPr marL="1828800" indent="0">
+            <a:lvl5pPr marL="990661" indent="0">
               <a:buNone/>
-              <a:defRPr sz="1600">
+              <a:defRPr sz="867">
                 <a:solidFill>
                   <a:schemeClr val="tx1">
                     <a:tint val="75000"/>
@@ -1060,9 +1615,9 @@
                 </a:solidFill>
               </a:defRPr>
             </a:lvl5pPr>
-            <a:lvl6pPr marL="2286000" indent="0">
+            <a:lvl6pPr marL="1238326" indent="0">
               <a:buNone/>
-              <a:defRPr sz="1600">
+              <a:defRPr sz="867">
                 <a:solidFill>
                   <a:schemeClr val="tx1">
                     <a:tint val="75000"/>
@@ -1070,9 +1625,9 @@
                 </a:solidFill>
               </a:defRPr>
             </a:lvl6pPr>
-            <a:lvl7pPr marL="2743200" indent="0">
+            <a:lvl7pPr marL="1485991" indent="0">
               <a:buNone/>
-              <a:defRPr sz="1600">
+              <a:defRPr sz="867">
                 <a:solidFill>
                   <a:schemeClr val="tx1">
                     <a:tint val="75000"/>
@@ -1080,9 +1635,9 @@
                 </a:solidFill>
               </a:defRPr>
             </a:lvl7pPr>
-            <a:lvl8pPr marL="3200400" indent="0">
+            <a:lvl8pPr marL="1733657" indent="0">
               <a:buNone/>
-              <a:defRPr sz="1600">
+              <a:defRPr sz="867">
                 <a:solidFill>
                   <a:schemeClr val="tx1">
                     <a:tint val="75000"/>
@@ -1090,9 +1645,9 @@
                 </a:solidFill>
               </a:defRPr>
             </a:lvl8pPr>
-            <a:lvl9pPr marL="3657600" indent="0">
+            <a:lvl9pPr marL="1981322" indent="0">
               <a:buNone/>
-              <a:defRPr sz="1600">
+              <a:defRPr sz="867">
                 <a:solidFill>
                   <a:schemeClr val="tx1">
                     <a:tint val="75000"/>
@@ -1112,13 +1667,7 @@
       </p:sp>
       <p:sp>
         <p:nvSpPr>
-          <p:cNvPr id="4" name="Espace réservé de la date 3">
-            <a:extLst>
-              <a:ext uri="{FF2B5EF4-FFF2-40B4-BE49-F238E27FC236}">
-                <a16:creationId xmlns:a16="http://schemas.microsoft.com/office/drawing/2014/main" id="{889297B8-B7E2-C3BB-1D65-E4F638FBB102}"/>
-              </a:ext>
-            </a:extLst>
-          </p:cNvPr>
+          <p:cNvPr id="4" name="Date Placeholder 3"/>
           <p:cNvSpPr>
             <a:spLocks noGrp="1"/>
           </p:cNvSpPr>
@@ -1133,7 +1682,7 @@
           <a:p>
             <a:fld id="{4F9D0EE7-5FFA-4A88-B51D-A0F9CB847ED6}" type="datetimeFigureOut">
               <a:rPr lang="fr-FR" smtClean="0"/>
-              <a:t>08/11/2023</a:t>
+              <a:t>10/11/2023</a:t>
             </a:fld>
             <a:endParaRPr lang="fr-FR"/>
           </a:p>
@@ -1141,13 +1690,7 @@
       </p:sp>
       <p:sp>
         <p:nvSpPr>
-          <p:cNvPr id="5" name="Espace réservé du pied de page 4">
-            <a:extLst>
-              <a:ext uri="{FF2B5EF4-FFF2-40B4-BE49-F238E27FC236}">
-                <a16:creationId xmlns:a16="http://schemas.microsoft.com/office/drawing/2014/main" id="{476F1E1E-69F4-0E1A-EA71-FE1E62C409CA}"/>
-              </a:ext>
-            </a:extLst>
-          </p:cNvPr>
+          <p:cNvPr id="5" name="Footer Placeholder 4"/>
           <p:cNvSpPr>
             <a:spLocks noGrp="1"/>
           </p:cNvSpPr>
@@ -1166,13 +1709,7 @@
       </p:sp>
       <p:sp>
         <p:nvSpPr>
-          <p:cNvPr id="6" name="Espace réservé du numéro de diapositive 5">
-            <a:extLst>
-              <a:ext uri="{FF2B5EF4-FFF2-40B4-BE49-F238E27FC236}">
-                <a16:creationId xmlns:a16="http://schemas.microsoft.com/office/drawing/2014/main" id="{F6D000E9-C782-8CBE-8956-ABDE5B878B48}"/>
-              </a:ext>
-            </a:extLst>
-          </p:cNvPr>
+          <p:cNvPr id="6" name="Slide Number Placeholder 5"/>
           <p:cNvSpPr>
             <a:spLocks noGrp="1"/>
           </p:cNvSpPr>
@@ -1196,7 +1733,7 @@
     </p:spTree>
     <p:extLst>
       <p:ext uri="{BB962C8B-B14F-4D97-AF65-F5344CB8AC3E}">
-        <p14:creationId xmlns:p14="http://schemas.microsoft.com/office/powerpoint/2010/main" val="1103888066"/>
+        <p14:creationId xmlns:p14="http://schemas.microsoft.com/office/powerpoint/2010/main" val="3497555902"/>
       </p:ext>
     </p:extLst>
   </p:cSld>
@@ -1225,13 +1762,7 @@
       </p:grpSpPr>
       <p:sp>
         <p:nvSpPr>
-          <p:cNvPr id="2" name="Titre 1">
-            <a:extLst>
-              <a:ext uri="{FF2B5EF4-FFF2-40B4-BE49-F238E27FC236}">
-                <a16:creationId xmlns:a16="http://schemas.microsoft.com/office/drawing/2014/main" id="{C5B83313-43A2-B18D-766F-FE5BE207020F}"/>
-              </a:ext>
-            </a:extLst>
-          </p:cNvPr>
+          <p:cNvPr id="2" name="Title 1"/>
           <p:cNvSpPr>
             <a:spLocks noGrp="1"/>
           </p:cNvSpPr>
@@ -1248,18 +1779,13 @@
               <a:rPr lang="fr-FR"/>
               <a:t>Modifiez le style du titre</a:t>
             </a:r>
+            <a:endParaRPr lang="en-US" dirty="0"/>
           </a:p>
         </p:txBody>
       </p:sp>
       <p:sp>
         <p:nvSpPr>
-          <p:cNvPr id="3" name="Espace réservé du contenu 2">
-            <a:extLst>
-              <a:ext uri="{FF2B5EF4-FFF2-40B4-BE49-F238E27FC236}">
-                <a16:creationId xmlns:a16="http://schemas.microsoft.com/office/drawing/2014/main" id="{528E7FE8-10B4-4EBE-5B20-CBBE6971C9EC}"/>
-              </a:ext>
-            </a:extLst>
-          </p:cNvPr>
+          <p:cNvPr id="3" name="Content Placeholder 2"/>
           <p:cNvSpPr>
             <a:spLocks noGrp="1"/>
           </p:cNvSpPr>
@@ -1269,8 +1795,8 @@
         </p:nvSpPr>
         <p:spPr>
           <a:xfrm>
-            <a:off x="838200" y="1825625"/>
-            <a:ext cx="5181600" cy="4351338"/>
+            <a:off x="715199" y="988880"/>
+            <a:ext cx="4421227" cy="2356975"/>
           </a:xfrm>
         </p:spPr>
         <p:txBody>
@@ -1310,18 +1836,13 @@
               <a:rPr lang="fr-FR"/>
               <a:t>Cinquième niveau</a:t>
             </a:r>
+            <a:endParaRPr lang="en-US" dirty="0"/>
           </a:p>
         </p:txBody>
       </p:sp>
       <p:sp>
         <p:nvSpPr>
-          <p:cNvPr id="4" name="Espace réservé du contenu 3">
-            <a:extLst>
-              <a:ext uri="{FF2B5EF4-FFF2-40B4-BE49-F238E27FC236}">
-                <a16:creationId xmlns:a16="http://schemas.microsoft.com/office/drawing/2014/main" id="{C7F9F4A8-2FAB-267B-7F16-D76290D25FC9}"/>
-              </a:ext>
-            </a:extLst>
-          </p:cNvPr>
+          <p:cNvPr id="4" name="Content Placeholder 3"/>
           <p:cNvSpPr>
             <a:spLocks noGrp="1"/>
           </p:cNvSpPr>
@@ -1331,8 +1852,8 @@
         </p:nvSpPr>
         <p:spPr>
           <a:xfrm>
-            <a:off x="6172200" y="1825625"/>
-            <a:ext cx="5181600" cy="4351338"/>
+            <a:off x="5266462" y="988880"/>
+            <a:ext cx="4421227" cy="2356975"/>
           </a:xfrm>
         </p:spPr>
         <p:txBody>
@@ -1372,18 +1893,13 @@
               <a:rPr lang="fr-FR"/>
               <a:t>Cinquième niveau</a:t>
             </a:r>
+            <a:endParaRPr lang="en-US" dirty="0"/>
           </a:p>
         </p:txBody>
       </p:sp>
       <p:sp>
         <p:nvSpPr>
-          <p:cNvPr id="5" name="Espace réservé de la date 4">
-            <a:extLst>
-              <a:ext uri="{FF2B5EF4-FFF2-40B4-BE49-F238E27FC236}">
-                <a16:creationId xmlns:a16="http://schemas.microsoft.com/office/drawing/2014/main" id="{8A998A37-799D-1A8A-A7E4-E28B761DC35F}"/>
-              </a:ext>
-            </a:extLst>
-          </p:cNvPr>
+          <p:cNvPr id="5" name="Date Placeholder 4"/>
           <p:cNvSpPr>
             <a:spLocks noGrp="1"/>
           </p:cNvSpPr>
@@ -1398,7 +1914,7 @@
           <a:p>
             <a:fld id="{4F9D0EE7-5FFA-4A88-B51D-A0F9CB847ED6}" type="datetimeFigureOut">
               <a:rPr lang="fr-FR" smtClean="0"/>
-              <a:t>08/11/2023</a:t>
+              <a:t>10/11/2023</a:t>
             </a:fld>
             <a:endParaRPr lang="fr-FR"/>
           </a:p>
@@ -1406,13 +1922,7 @@
       </p:sp>
       <p:sp>
         <p:nvSpPr>
-          <p:cNvPr id="6" name="Espace réservé du pied de page 5">
-            <a:extLst>
-              <a:ext uri="{FF2B5EF4-FFF2-40B4-BE49-F238E27FC236}">
-                <a16:creationId xmlns:a16="http://schemas.microsoft.com/office/drawing/2014/main" id="{A3FBBCC5-38BC-D53D-42D5-43EFFCBF35BA}"/>
-              </a:ext>
-            </a:extLst>
-          </p:cNvPr>
+          <p:cNvPr id="6" name="Footer Placeholder 5"/>
           <p:cNvSpPr>
             <a:spLocks noGrp="1"/>
           </p:cNvSpPr>
@@ -1431,13 +1941,7 @@
       </p:sp>
       <p:sp>
         <p:nvSpPr>
-          <p:cNvPr id="7" name="Espace réservé du numéro de diapositive 6">
-            <a:extLst>
-              <a:ext uri="{FF2B5EF4-FFF2-40B4-BE49-F238E27FC236}">
-                <a16:creationId xmlns:a16="http://schemas.microsoft.com/office/drawing/2014/main" id="{7DE24E95-AA1D-FACA-3641-55C2C089E923}"/>
-              </a:ext>
-            </a:extLst>
-          </p:cNvPr>
+          <p:cNvPr id="7" name="Slide Number Placeholder 6"/>
           <p:cNvSpPr>
             <a:spLocks noGrp="1"/>
           </p:cNvSpPr>
@@ -1461,7 +1965,7 @@
     </p:spTree>
     <p:extLst>
       <p:ext uri="{BB962C8B-B14F-4D97-AF65-F5344CB8AC3E}">
-        <p14:creationId xmlns:p14="http://schemas.microsoft.com/office/powerpoint/2010/main" val="2773971632"/>
+        <p14:creationId xmlns:p14="http://schemas.microsoft.com/office/powerpoint/2010/main" val="1239318455"/>
       </p:ext>
     </p:extLst>
   </p:cSld>
@@ -1490,13 +1994,7 @@
       </p:grpSpPr>
       <p:sp>
         <p:nvSpPr>
-          <p:cNvPr id="2" name="Titre 1">
-            <a:extLst>
-              <a:ext uri="{FF2B5EF4-FFF2-40B4-BE49-F238E27FC236}">
-                <a16:creationId xmlns:a16="http://schemas.microsoft.com/office/drawing/2014/main" id="{4A889341-FE9F-7AC8-839A-5A50DC289598}"/>
-              </a:ext>
-            </a:extLst>
-          </p:cNvPr>
+          <p:cNvPr id="2" name="Title 1"/>
           <p:cNvSpPr>
             <a:spLocks noGrp="1"/>
           </p:cNvSpPr>
@@ -1506,8 +2004,8 @@
         </p:nvSpPr>
         <p:spPr>
           <a:xfrm>
-            <a:off x="839788" y="365125"/>
-            <a:ext cx="10515600" cy="1325563"/>
+            <a:off x="716553" y="197776"/>
+            <a:ext cx="8972491" cy="718013"/>
           </a:xfrm>
         </p:spPr>
         <p:txBody>
@@ -1518,18 +2016,13 @@
               <a:rPr lang="fr-FR"/>
               <a:t>Modifiez le style du titre</a:t>
             </a:r>
+            <a:endParaRPr lang="en-US" dirty="0"/>
           </a:p>
         </p:txBody>
       </p:sp>
       <p:sp>
         <p:nvSpPr>
-          <p:cNvPr id="3" name="Espace réservé du texte 2">
-            <a:extLst>
-              <a:ext uri="{FF2B5EF4-FFF2-40B4-BE49-F238E27FC236}">
-                <a16:creationId xmlns:a16="http://schemas.microsoft.com/office/drawing/2014/main" id="{0CD4F394-6033-6564-1750-795A376C9C9A}"/>
-              </a:ext>
-            </a:extLst>
-          </p:cNvPr>
+          <p:cNvPr id="3" name="Text Placeholder 2"/>
           <p:cNvSpPr>
             <a:spLocks noGrp="1"/>
           </p:cNvSpPr>
@@ -1539,8 +2032,8 @@
         </p:nvSpPr>
         <p:spPr>
           <a:xfrm>
-            <a:off x="839788" y="1681163"/>
-            <a:ext cx="5157787" cy="823912"/>
+            <a:off x="716554" y="910630"/>
+            <a:ext cx="4400909" cy="446286"/>
           </a:xfrm>
         </p:spPr>
         <p:txBody>
@@ -1548,39 +2041,39 @@
           <a:lstStyle>
             <a:lvl1pPr marL="0" indent="0">
               <a:buNone/>
-              <a:defRPr sz="2400" b="1"/>
+              <a:defRPr sz="1300" b="1"/>
             </a:lvl1pPr>
-            <a:lvl2pPr marL="457200" indent="0">
+            <a:lvl2pPr marL="247665" indent="0">
               <a:buNone/>
-              <a:defRPr sz="2000" b="1"/>
+              <a:defRPr sz="1083" b="1"/>
             </a:lvl2pPr>
-            <a:lvl3pPr marL="914400" indent="0">
+            <a:lvl3pPr marL="495330" indent="0">
               <a:buNone/>
-              <a:defRPr sz="1800" b="1"/>
+              <a:defRPr sz="975" b="1"/>
             </a:lvl3pPr>
-            <a:lvl4pPr marL="1371600" indent="0">
+            <a:lvl4pPr marL="742996" indent="0">
               <a:buNone/>
-              <a:defRPr sz="1600" b="1"/>
+              <a:defRPr sz="867" b="1"/>
             </a:lvl4pPr>
-            <a:lvl5pPr marL="1828800" indent="0">
+            <a:lvl5pPr marL="990661" indent="0">
               <a:buNone/>
-              <a:defRPr sz="1600" b="1"/>
+              <a:defRPr sz="867" b="1"/>
             </a:lvl5pPr>
-            <a:lvl6pPr marL="2286000" indent="0">
+            <a:lvl6pPr marL="1238326" indent="0">
               <a:buNone/>
-              <a:defRPr sz="1600" b="1"/>
+              <a:defRPr sz="867" b="1"/>
             </a:lvl6pPr>
-            <a:lvl7pPr marL="2743200" indent="0">
+            <a:lvl7pPr marL="1485991" indent="0">
               <a:buNone/>
-              <a:defRPr sz="1600" b="1"/>
+              <a:defRPr sz="867" b="1"/>
             </a:lvl7pPr>
-            <a:lvl8pPr marL="3200400" indent="0">
+            <a:lvl8pPr marL="1733657" indent="0">
               <a:buNone/>
-              <a:defRPr sz="1600" b="1"/>
+              <a:defRPr sz="867" b="1"/>
             </a:lvl8pPr>
-            <a:lvl9pPr marL="3657600" indent="0">
+            <a:lvl9pPr marL="1981322" indent="0">
               <a:buNone/>
-              <a:defRPr sz="1600" b="1"/>
+              <a:defRPr sz="867" b="1"/>
             </a:lvl9pPr>
           </a:lstStyle>
           <a:p>
@@ -1594,13 +2087,7 @@
       </p:sp>
       <p:sp>
         <p:nvSpPr>
-          <p:cNvPr id="4" name="Espace réservé du contenu 3">
-            <a:extLst>
-              <a:ext uri="{FF2B5EF4-FFF2-40B4-BE49-F238E27FC236}">
-                <a16:creationId xmlns:a16="http://schemas.microsoft.com/office/drawing/2014/main" id="{08D53A7F-00BC-B014-8117-552507D958C7}"/>
-              </a:ext>
-            </a:extLst>
-          </p:cNvPr>
+          <p:cNvPr id="4" name="Content Placeholder 3"/>
           <p:cNvSpPr>
             <a:spLocks noGrp="1"/>
           </p:cNvSpPr>
@@ -1610,8 +2097,8 @@
         </p:nvSpPr>
         <p:spPr>
           <a:xfrm>
-            <a:off x="839788" y="2505075"/>
-            <a:ext cx="5157787" cy="3684588"/>
+            <a:off x="716554" y="1356915"/>
+            <a:ext cx="4400909" cy="1995819"/>
           </a:xfrm>
         </p:spPr>
         <p:txBody>
@@ -1651,18 +2138,13 @@
               <a:rPr lang="fr-FR"/>
               <a:t>Cinquième niveau</a:t>
             </a:r>
+            <a:endParaRPr lang="en-US" dirty="0"/>
           </a:p>
         </p:txBody>
       </p:sp>
       <p:sp>
         <p:nvSpPr>
-          <p:cNvPr id="5" name="Espace réservé du texte 4">
-            <a:extLst>
-              <a:ext uri="{FF2B5EF4-FFF2-40B4-BE49-F238E27FC236}">
-                <a16:creationId xmlns:a16="http://schemas.microsoft.com/office/drawing/2014/main" id="{77F4C781-DEDC-D77B-4F36-C558E2517BCB}"/>
-              </a:ext>
-            </a:extLst>
-          </p:cNvPr>
+          <p:cNvPr id="5" name="Text Placeholder 4"/>
           <p:cNvSpPr>
             <a:spLocks noGrp="1"/>
           </p:cNvSpPr>
@@ -1672,8 +2154,8 @@
         </p:nvSpPr>
         <p:spPr>
           <a:xfrm>
-            <a:off x="6172200" y="1681163"/>
-            <a:ext cx="5183188" cy="823912"/>
+            <a:off x="5266462" y="910630"/>
+            <a:ext cx="4422582" cy="446286"/>
           </a:xfrm>
         </p:spPr>
         <p:txBody>
@@ -1681,39 +2163,39 @@
           <a:lstStyle>
             <a:lvl1pPr marL="0" indent="0">
               <a:buNone/>
-              <a:defRPr sz="2400" b="1"/>
+              <a:defRPr sz="1300" b="1"/>
             </a:lvl1pPr>
-            <a:lvl2pPr marL="457200" indent="0">
+            <a:lvl2pPr marL="247665" indent="0">
               <a:buNone/>
-              <a:defRPr sz="2000" b="1"/>
+              <a:defRPr sz="1083" b="1"/>
             </a:lvl2pPr>
-            <a:lvl3pPr marL="914400" indent="0">
+            <a:lvl3pPr marL="495330" indent="0">
               <a:buNone/>
-              <a:defRPr sz="1800" b="1"/>
+              <a:defRPr sz="975" b="1"/>
             </a:lvl3pPr>
-            <a:lvl4pPr marL="1371600" indent="0">
+            <a:lvl4pPr marL="742996" indent="0">
               <a:buNone/>
-              <a:defRPr sz="1600" b="1"/>
+              <a:defRPr sz="867" b="1"/>
             </a:lvl4pPr>
-            <a:lvl5pPr marL="1828800" indent="0">
+            <a:lvl5pPr marL="990661" indent="0">
               <a:buNone/>
-              <a:defRPr sz="1600" b="1"/>
+              <a:defRPr sz="867" b="1"/>
             </a:lvl5pPr>
-            <a:lvl6pPr marL="2286000" indent="0">
+            <a:lvl6pPr marL="1238326" indent="0">
               <a:buNone/>
-              <a:defRPr sz="1600" b="1"/>
+              <a:defRPr sz="867" b="1"/>
             </a:lvl6pPr>
-            <a:lvl7pPr marL="2743200" indent="0">
+            <a:lvl7pPr marL="1485991" indent="0">
               <a:buNone/>
-              <a:defRPr sz="1600" b="1"/>
+              <a:defRPr sz="867" b="1"/>
             </a:lvl7pPr>
-            <a:lvl8pPr marL="3200400" indent="0">
+            <a:lvl8pPr marL="1733657" indent="0">
               <a:buNone/>
-              <a:defRPr sz="1600" b="1"/>
+              <a:defRPr sz="867" b="1"/>
             </a:lvl8pPr>
-            <a:lvl9pPr marL="3657600" indent="0">
+            <a:lvl9pPr marL="1981322" indent="0">
               <a:buNone/>
-              <a:defRPr sz="1600" b="1"/>
+              <a:defRPr sz="867" b="1"/>
             </a:lvl9pPr>
           </a:lstStyle>
           <a:p>
@@ -1727,13 +2209,7 @@
       </p:sp>
       <p:sp>
         <p:nvSpPr>
-          <p:cNvPr id="6" name="Espace réservé du contenu 5">
-            <a:extLst>
-              <a:ext uri="{FF2B5EF4-FFF2-40B4-BE49-F238E27FC236}">
-                <a16:creationId xmlns:a16="http://schemas.microsoft.com/office/drawing/2014/main" id="{2D5E695D-CE76-3354-EC1E-893D9D82A830}"/>
-              </a:ext>
-            </a:extLst>
-          </p:cNvPr>
+          <p:cNvPr id="6" name="Content Placeholder 5"/>
           <p:cNvSpPr>
             <a:spLocks noGrp="1"/>
           </p:cNvSpPr>
@@ -1743,8 +2219,8 @@
         </p:nvSpPr>
         <p:spPr>
           <a:xfrm>
-            <a:off x="6172200" y="2505075"/>
-            <a:ext cx="5183188" cy="3684588"/>
+            <a:off x="5266462" y="1356915"/>
+            <a:ext cx="4422582" cy="1995819"/>
           </a:xfrm>
         </p:spPr>
         <p:txBody>
@@ -1784,18 +2260,13 @@
               <a:rPr lang="fr-FR"/>
               <a:t>Cinquième niveau</a:t>
             </a:r>
+            <a:endParaRPr lang="en-US" dirty="0"/>
           </a:p>
         </p:txBody>
       </p:sp>
       <p:sp>
         <p:nvSpPr>
-          <p:cNvPr id="7" name="Espace réservé de la date 6">
-            <a:extLst>
-              <a:ext uri="{FF2B5EF4-FFF2-40B4-BE49-F238E27FC236}">
-                <a16:creationId xmlns:a16="http://schemas.microsoft.com/office/drawing/2014/main" id="{D94DB94C-FE27-9A0D-3A8D-64D7247170FA}"/>
-              </a:ext>
-            </a:extLst>
-          </p:cNvPr>
+          <p:cNvPr id="7" name="Date Placeholder 6"/>
           <p:cNvSpPr>
             <a:spLocks noGrp="1"/>
           </p:cNvSpPr>
@@ -1810,7 +2281,7 @@
           <a:p>
             <a:fld id="{4F9D0EE7-5FFA-4A88-B51D-A0F9CB847ED6}" type="datetimeFigureOut">
               <a:rPr lang="fr-FR" smtClean="0"/>
-              <a:t>08/11/2023</a:t>
+              <a:t>10/11/2023</a:t>
             </a:fld>
             <a:endParaRPr lang="fr-FR"/>
           </a:p>
@@ -1818,13 +2289,7 @@
       </p:sp>
       <p:sp>
         <p:nvSpPr>
-          <p:cNvPr id="8" name="Espace réservé du pied de page 7">
-            <a:extLst>
-              <a:ext uri="{FF2B5EF4-FFF2-40B4-BE49-F238E27FC236}">
-                <a16:creationId xmlns:a16="http://schemas.microsoft.com/office/drawing/2014/main" id="{BB5445E6-6B73-B267-A99A-8D5130ECF3F0}"/>
-              </a:ext>
-            </a:extLst>
-          </p:cNvPr>
+          <p:cNvPr id="8" name="Footer Placeholder 7"/>
           <p:cNvSpPr>
             <a:spLocks noGrp="1"/>
           </p:cNvSpPr>
@@ -1843,13 +2308,7 @@
       </p:sp>
       <p:sp>
         <p:nvSpPr>
-          <p:cNvPr id="9" name="Espace réservé du numéro de diapositive 8">
-            <a:extLst>
-              <a:ext uri="{FF2B5EF4-FFF2-40B4-BE49-F238E27FC236}">
-                <a16:creationId xmlns:a16="http://schemas.microsoft.com/office/drawing/2014/main" id="{3B1D915A-FDA4-7146-F05E-0ECF73AFCFA7}"/>
-              </a:ext>
-            </a:extLst>
-          </p:cNvPr>
+          <p:cNvPr id="9" name="Slide Number Placeholder 8"/>
           <p:cNvSpPr>
             <a:spLocks noGrp="1"/>
           </p:cNvSpPr>
@@ -1873,7 +2332,7 @@
     </p:spTree>
     <p:extLst>
       <p:ext uri="{BB962C8B-B14F-4D97-AF65-F5344CB8AC3E}">
-        <p14:creationId xmlns:p14="http://schemas.microsoft.com/office/powerpoint/2010/main" val="2511264409"/>
+        <p14:creationId xmlns:p14="http://schemas.microsoft.com/office/powerpoint/2010/main" val="3878577189"/>
       </p:ext>
     </p:extLst>
   </p:cSld>
@@ -1902,13 +2361,7 @@
       </p:grpSpPr>
       <p:sp>
         <p:nvSpPr>
-          <p:cNvPr id="2" name="Titre 1">
-            <a:extLst>
-              <a:ext uri="{FF2B5EF4-FFF2-40B4-BE49-F238E27FC236}">
-                <a16:creationId xmlns:a16="http://schemas.microsoft.com/office/drawing/2014/main" id="{DB4543F2-F910-7D16-87EB-449FD7C5B89B}"/>
-              </a:ext>
-            </a:extLst>
-          </p:cNvPr>
+          <p:cNvPr id="2" name="Title 1"/>
           <p:cNvSpPr>
             <a:spLocks noGrp="1"/>
           </p:cNvSpPr>
@@ -1925,18 +2378,13 @@
               <a:rPr lang="fr-FR"/>
               <a:t>Modifiez le style du titre</a:t>
             </a:r>
+            <a:endParaRPr lang="en-US" dirty="0"/>
           </a:p>
         </p:txBody>
       </p:sp>
       <p:sp>
         <p:nvSpPr>
-          <p:cNvPr id="3" name="Espace réservé de la date 2">
-            <a:extLst>
-              <a:ext uri="{FF2B5EF4-FFF2-40B4-BE49-F238E27FC236}">
-                <a16:creationId xmlns:a16="http://schemas.microsoft.com/office/drawing/2014/main" id="{136C2C60-4730-DF60-0B55-6BED1600D214}"/>
-              </a:ext>
-            </a:extLst>
-          </p:cNvPr>
+          <p:cNvPr id="3" name="Date Placeholder 2"/>
           <p:cNvSpPr>
             <a:spLocks noGrp="1"/>
           </p:cNvSpPr>
@@ -1951,7 +2399,7 @@
           <a:p>
             <a:fld id="{4F9D0EE7-5FFA-4A88-B51D-A0F9CB847ED6}" type="datetimeFigureOut">
               <a:rPr lang="fr-FR" smtClean="0"/>
-              <a:t>08/11/2023</a:t>
+              <a:t>10/11/2023</a:t>
             </a:fld>
             <a:endParaRPr lang="fr-FR"/>
           </a:p>
@@ -1959,13 +2407,7 @@
       </p:sp>
       <p:sp>
         <p:nvSpPr>
-          <p:cNvPr id="4" name="Espace réservé du pied de page 3">
-            <a:extLst>
-              <a:ext uri="{FF2B5EF4-FFF2-40B4-BE49-F238E27FC236}">
-                <a16:creationId xmlns:a16="http://schemas.microsoft.com/office/drawing/2014/main" id="{E242F79C-137D-50F8-AD18-F504FF2C3AB7}"/>
-              </a:ext>
-            </a:extLst>
-          </p:cNvPr>
+          <p:cNvPr id="4" name="Footer Placeholder 3"/>
           <p:cNvSpPr>
             <a:spLocks noGrp="1"/>
           </p:cNvSpPr>
@@ -1984,13 +2426,7 @@
       </p:sp>
       <p:sp>
         <p:nvSpPr>
-          <p:cNvPr id="5" name="Espace réservé du numéro de diapositive 4">
-            <a:extLst>
-              <a:ext uri="{FF2B5EF4-FFF2-40B4-BE49-F238E27FC236}">
-                <a16:creationId xmlns:a16="http://schemas.microsoft.com/office/drawing/2014/main" id="{48E077A7-7181-BC92-28DE-7F6BE63C85B8}"/>
-              </a:ext>
-            </a:extLst>
-          </p:cNvPr>
+          <p:cNvPr id="5" name="Slide Number Placeholder 4"/>
           <p:cNvSpPr>
             <a:spLocks noGrp="1"/>
           </p:cNvSpPr>
@@ -2014,7 +2450,7 @@
     </p:spTree>
     <p:extLst>
       <p:ext uri="{BB962C8B-B14F-4D97-AF65-F5344CB8AC3E}">
-        <p14:creationId xmlns:p14="http://schemas.microsoft.com/office/powerpoint/2010/main" val="1580545929"/>
+        <p14:creationId xmlns:p14="http://schemas.microsoft.com/office/powerpoint/2010/main" val="3368533592"/>
       </p:ext>
     </p:extLst>
   </p:cSld>
@@ -2043,13 +2479,7 @@
       </p:grpSpPr>
       <p:sp>
         <p:nvSpPr>
-          <p:cNvPr id="2" name="Espace réservé de la date 1">
-            <a:extLst>
-              <a:ext uri="{FF2B5EF4-FFF2-40B4-BE49-F238E27FC236}">
-                <a16:creationId xmlns:a16="http://schemas.microsoft.com/office/drawing/2014/main" id="{70AD9FC4-93EC-F0F5-A3EB-520CD64651E4}"/>
-              </a:ext>
-            </a:extLst>
-          </p:cNvPr>
+          <p:cNvPr id="2" name="Date Placeholder 1"/>
           <p:cNvSpPr>
             <a:spLocks noGrp="1"/>
           </p:cNvSpPr>
@@ -2064,7 +2494,7 @@
           <a:p>
             <a:fld id="{4F9D0EE7-5FFA-4A88-B51D-A0F9CB847ED6}" type="datetimeFigureOut">
               <a:rPr lang="fr-FR" smtClean="0"/>
-              <a:t>08/11/2023</a:t>
+              <a:t>10/11/2023</a:t>
             </a:fld>
             <a:endParaRPr lang="fr-FR"/>
           </a:p>
@@ -2072,13 +2502,7 @@
       </p:sp>
       <p:sp>
         <p:nvSpPr>
-          <p:cNvPr id="3" name="Espace réservé du pied de page 2">
-            <a:extLst>
-              <a:ext uri="{FF2B5EF4-FFF2-40B4-BE49-F238E27FC236}">
-                <a16:creationId xmlns:a16="http://schemas.microsoft.com/office/drawing/2014/main" id="{C664144D-5C92-FC73-E2EA-7C12C37E6020}"/>
-              </a:ext>
-            </a:extLst>
-          </p:cNvPr>
+          <p:cNvPr id="3" name="Footer Placeholder 2"/>
           <p:cNvSpPr>
             <a:spLocks noGrp="1"/>
           </p:cNvSpPr>
@@ -2097,13 +2521,7 @@
       </p:sp>
       <p:sp>
         <p:nvSpPr>
-          <p:cNvPr id="4" name="Espace réservé du numéro de diapositive 3">
-            <a:extLst>
-              <a:ext uri="{FF2B5EF4-FFF2-40B4-BE49-F238E27FC236}">
-                <a16:creationId xmlns:a16="http://schemas.microsoft.com/office/drawing/2014/main" id="{03241FFE-0D4A-8A0C-A470-98701BBEF852}"/>
-              </a:ext>
-            </a:extLst>
-          </p:cNvPr>
+          <p:cNvPr id="4" name="Slide Number Placeholder 3"/>
           <p:cNvSpPr>
             <a:spLocks noGrp="1"/>
           </p:cNvSpPr>
@@ -2127,7 +2545,7 @@
     </p:spTree>
     <p:extLst>
       <p:ext uri="{BB962C8B-B14F-4D97-AF65-F5344CB8AC3E}">
-        <p14:creationId xmlns:p14="http://schemas.microsoft.com/office/powerpoint/2010/main" val="2826699075"/>
+        <p14:creationId xmlns:p14="http://schemas.microsoft.com/office/powerpoint/2010/main" val="2970411687"/>
       </p:ext>
     </p:extLst>
   </p:cSld>
@@ -2156,13 +2574,7 @@
       </p:grpSpPr>
       <p:sp>
         <p:nvSpPr>
-          <p:cNvPr id="2" name="Titre 1">
-            <a:extLst>
-              <a:ext uri="{FF2B5EF4-FFF2-40B4-BE49-F238E27FC236}">
-                <a16:creationId xmlns:a16="http://schemas.microsoft.com/office/drawing/2014/main" id="{BEA5AF05-0630-52C3-603A-A3C45FF590F3}"/>
-              </a:ext>
-            </a:extLst>
-          </p:cNvPr>
+          <p:cNvPr id="2" name="Title 1"/>
           <p:cNvSpPr>
             <a:spLocks noGrp="1"/>
           </p:cNvSpPr>
@@ -2172,15 +2584,15 @@
         </p:nvSpPr>
         <p:spPr>
           <a:xfrm>
-            <a:off x="839788" y="457200"/>
-            <a:ext cx="3932237" cy="1600200"/>
+            <a:off x="716554" y="247650"/>
+            <a:ext cx="3355202" cy="866775"/>
           </a:xfrm>
         </p:spPr>
         <p:txBody>
           <a:bodyPr anchor="b"/>
           <a:lstStyle>
             <a:lvl1pPr>
-              <a:defRPr sz="3200"/>
+              <a:defRPr sz="1733"/>
             </a:lvl1pPr>
           </a:lstStyle>
           <a:p>
@@ -2188,18 +2600,13 @@
               <a:rPr lang="fr-FR"/>
               <a:t>Modifiez le style du titre</a:t>
             </a:r>
+            <a:endParaRPr lang="en-US" dirty="0"/>
           </a:p>
         </p:txBody>
       </p:sp>
       <p:sp>
         <p:nvSpPr>
-          <p:cNvPr id="3" name="Espace réservé du contenu 2">
-            <a:extLst>
-              <a:ext uri="{FF2B5EF4-FFF2-40B4-BE49-F238E27FC236}">
-                <a16:creationId xmlns:a16="http://schemas.microsoft.com/office/drawing/2014/main" id="{12E00C22-ECA0-51F1-3093-FC9EE33DA552}"/>
-              </a:ext>
-            </a:extLst>
-          </p:cNvPr>
+          <p:cNvPr id="3" name="Content Placeholder 2"/>
           <p:cNvSpPr>
             <a:spLocks noGrp="1"/>
           </p:cNvSpPr>
@@ -2209,39 +2616,39 @@
         </p:nvSpPr>
         <p:spPr>
           <a:xfrm>
-            <a:off x="5183188" y="987425"/>
-            <a:ext cx="6172200" cy="4873625"/>
+            <a:off x="4422582" y="534856"/>
+            <a:ext cx="5266462" cy="2639880"/>
           </a:xfrm>
         </p:spPr>
         <p:txBody>
           <a:bodyPr/>
           <a:lstStyle>
             <a:lvl1pPr>
-              <a:defRPr sz="3200"/>
+              <a:defRPr sz="1733"/>
             </a:lvl1pPr>
             <a:lvl2pPr>
-              <a:defRPr sz="2800"/>
+              <a:defRPr sz="1517"/>
             </a:lvl2pPr>
             <a:lvl3pPr>
-              <a:defRPr sz="2400"/>
+              <a:defRPr sz="1300"/>
             </a:lvl3pPr>
             <a:lvl4pPr>
-              <a:defRPr sz="2000"/>
+              <a:defRPr sz="1083"/>
             </a:lvl4pPr>
             <a:lvl5pPr>
-              <a:defRPr sz="2000"/>
+              <a:defRPr sz="1083"/>
             </a:lvl5pPr>
             <a:lvl6pPr>
-              <a:defRPr sz="2000"/>
+              <a:defRPr sz="1083"/>
             </a:lvl6pPr>
             <a:lvl7pPr>
-              <a:defRPr sz="2000"/>
+              <a:defRPr sz="1083"/>
             </a:lvl7pPr>
             <a:lvl8pPr>
-              <a:defRPr sz="2000"/>
+              <a:defRPr sz="1083"/>
             </a:lvl8pPr>
             <a:lvl9pPr>
-              <a:defRPr sz="2000"/>
+              <a:defRPr sz="1083"/>
             </a:lvl9pPr>
           </a:lstStyle>
           <a:p>
@@ -2278,18 +2685,13 @@
               <a:rPr lang="fr-FR"/>
               <a:t>Cinquième niveau</a:t>
             </a:r>
+            <a:endParaRPr lang="en-US" dirty="0"/>
           </a:p>
         </p:txBody>
       </p:sp>
       <p:sp>
         <p:nvSpPr>
-          <p:cNvPr id="4" name="Espace réservé du texte 3">
-            <a:extLst>
-              <a:ext uri="{FF2B5EF4-FFF2-40B4-BE49-F238E27FC236}">
-                <a16:creationId xmlns:a16="http://schemas.microsoft.com/office/drawing/2014/main" id="{0872F31C-20B4-4CF4-2EB8-F9D7E4FBEF06}"/>
-              </a:ext>
-            </a:extLst>
-          </p:cNvPr>
+          <p:cNvPr id="4" name="Text Placeholder 3"/>
           <p:cNvSpPr>
             <a:spLocks noGrp="1"/>
           </p:cNvSpPr>
@@ -2299,8 +2701,8 @@
         </p:nvSpPr>
         <p:spPr>
           <a:xfrm>
-            <a:off x="839788" y="2057400"/>
-            <a:ext cx="3932237" cy="3811588"/>
+            <a:off x="716554" y="1114425"/>
+            <a:ext cx="3355202" cy="2064610"/>
           </a:xfrm>
         </p:spPr>
         <p:txBody>
@@ -2308,39 +2710,39 @@
           <a:lstStyle>
             <a:lvl1pPr marL="0" indent="0">
               <a:buNone/>
-              <a:defRPr sz="1600"/>
+              <a:defRPr sz="867"/>
             </a:lvl1pPr>
-            <a:lvl2pPr marL="457200" indent="0">
+            <a:lvl2pPr marL="247665" indent="0">
               <a:buNone/>
-              <a:defRPr sz="1400"/>
+              <a:defRPr sz="758"/>
             </a:lvl2pPr>
-            <a:lvl3pPr marL="914400" indent="0">
+            <a:lvl3pPr marL="495330" indent="0">
               <a:buNone/>
-              <a:defRPr sz="1200"/>
+              <a:defRPr sz="650"/>
             </a:lvl3pPr>
-            <a:lvl4pPr marL="1371600" indent="0">
+            <a:lvl4pPr marL="742996" indent="0">
               <a:buNone/>
-              <a:defRPr sz="1000"/>
+              <a:defRPr sz="542"/>
             </a:lvl4pPr>
-            <a:lvl5pPr marL="1828800" indent="0">
+            <a:lvl5pPr marL="990661" indent="0">
               <a:buNone/>
-              <a:defRPr sz="1000"/>
+              <a:defRPr sz="542"/>
             </a:lvl5pPr>
-            <a:lvl6pPr marL="2286000" indent="0">
+            <a:lvl6pPr marL="1238326" indent="0">
               <a:buNone/>
-              <a:defRPr sz="1000"/>
+              <a:defRPr sz="542"/>
             </a:lvl6pPr>
-            <a:lvl7pPr marL="2743200" indent="0">
+            <a:lvl7pPr marL="1485991" indent="0">
               <a:buNone/>
-              <a:defRPr sz="1000"/>
+              <a:defRPr sz="542"/>
             </a:lvl7pPr>
-            <a:lvl8pPr marL="3200400" indent="0">
+            <a:lvl8pPr marL="1733657" indent="0">
               <a:buNone/>
-              <a:defRPr sz="1000"/>
+              <a:defRPr sz="542"/>
             </a:lvl8pPr>
-            <a:lvl9pPr marL="3657600" indent="0">
+            <a:lvl9pPr marL="1981322" indent="0">
               <a:buNone/>
-              <a:defRPr sz="1000"/>
+              <a:defRPr sz="542"/>
             </a:lvl9pPr>
           </a:lstStyle>
           <a:p>
@@ -2354,13 +2756,7 @@
       </p:sp>
       <p:sp>
         <p:nvSpPr>
-          <p:cNvPr id="5" name="Espace réservé de la date 4">
-            <a:extLst>
-              <a:ext uri="{FF2B5EF4-FFF2-40B4-BE49-F238E27FC236}">
-                <a16:creationId xmlns:a16="http://schemas.microsoft.com/office/drawing/2014/main" id="{123732A0-34F7-74B3-9D54-0E1EAF82B2A1}"/>
-              </a:ext>
-            </a:extLst>
-          </p:cNvPr>
+          <p:cNvPr id="5" name="Date Placeholder 4"/>
           <p:cNvSpPr>
             <a:spLocks noGrp="1"/>
           </p:cNvSpPr>
@@ -2375,7 +2771,7 @@
           <a:p>
             <a:fld id="{4F9D0EE7-5FFA-4A88-B51D-A0F9CB847ED6}" type="datetimeFigureOut">
               <a:rPr lang="fr-FR" smtClean="0"/>
-              <a:t>08/11/2023</a:t>
+              <a:t>10/11/2023</a:t>
             </a:fld>
             <a:endParaRPr lang="fr-FR"/>
           </a:p>
@@ -2383,13 +2779,7 @@
       </p:sp>
       <p:sp>
         <p:nvSpPr>
-          <p:cNvPr id="6" name="Espace réservé du pied de page 5">
-            <a:extLst>
-              <a:ext uri="{FF2B5EF4-FFF2-40B4-BE49-F238E27FC236}">
-                <a16:creationId xmlns:a16="http://schemas.microsoft.com/office/drawing/2014/main" id="{BB87D51B-B886-301D-C608-96EC474FB43B}"/>
-              </a:ext>
-            </a:extLst>
-          </p:cNvPr>
+          <p:cNvPr id="6" name="Footer Placeholder 5"/>
           <p:cNvSpPr>
             <a:spLocks noGrp="1"/>
           </p:cNvSpPr>
@@ -2408,13 +2798,7 @@
       </p:sp>
       <p:sp>
         <p:nvSpPr>
-          <p:cNvPr id="7" name="Espace réservé du numéro de diapositive 6">
-            <a:extLst>
-              <a:ext uri="{FF2B5EF4-FFF2-40B4-BE49-F238E27FC236}">
-                <a16:creationId xmlns:a16="http://schemas.microsoft.com/office/drawing/2014/main" id="{90780483-A2FF-A5FA-0740-BB4EE4441DA6}"/>
-              </a:ext>
-            </a:extLst>
-          </p:cNvPr>
+          <p:cNvPr id="7" name="Slide Number Placeholder 6"/>
           <p:cNvSpPr>
             <a:spLocks noGrp="1"/>
           </p:cNvSpPr>
@@ -2438,7 +2822,7 @@
     </p:spTree>
     <p:extLst>
       <p:ext uri="{BB962C8B-B14F-4D97-AF65-F5344CB8AC3E}">
-        <p14:creationId xmlns:p14="http://schemas.microsoft.com/office/powerpoint/2010/main" val="2103334020"/>
+        <p14:creationId xmlns:p14="http://schemas.microsoft.com/office/powerpoint/2010/main" val="2628368941"/>
       </p:ext>
     </p:extLst>
   </p:cSld>
@@ -2467,13 +2851,7 @@
       </p:grpSpPr>
       <p:sp>
         <p:nvSpPr>
-          <p:cNvPr id="2" name="Titre 1">
-            <a:extLst>
-              <a:ext uri="{FF2B5EF4-FFF2-40B4-BE49-F238E27FC236}">
-                <a16:creationId xmlns:a16="http://schemas.microsoft.com/office/drawing/2014/main" id="{0F81DF38-56F4-422E-B480-A5A22C6D20A5}"/>
-              </a:ext>
-            </a:extLst>
-          </p:cNvPr>
+          <p:cNvPr id="2" name="Title 1"/>
           <p:cNvSpPr>
             <a:spLocks noGrp="1"/>
           </p:cNvSpPr>
@@ -2483,15 +2861,15 @@
         </p:nvSpPr>
         <p:spPr>
           <a:xfrm>
-            <a:off x="839788" y="457200"/>
-            <a:ext cx="3932237" cy="1600200"/>
+            <a:off x="716554" y="247650"/>
+            <a:ext cx="3355202" cy="866775"/>
           </a:xfrm>
         </p:spPr>
         <p:txBody>
           <a:bodyPr anchor="b"/>
           <a:lstStyle>
             <a:lvl1pPr>
-              <a:defRPr sz="3200"/>
+              <a:defRPr sz="1733"/>
             </a:lvl1pPr>
           </a:lstStyle>
           <a:p>
@@ -2499,20 +2877,15 @@
               <a:rPr lang="fr-FR"/>
               <a:t>Modifiez le style du titre</a:t>
             </a:r>
+            <a:endParaRPr lang="en-US" dirty="0"/>
           </a:p>
         </p:txBody>
       </p:sp>
       <p:sp>
         <p:nvSpPr>
-          <p:cNvPr id="3" name="Espace réservé pour une image  2">
-            <a:extLst>
-              <a:ext uri="{FF2B5EF4-FFF2-40B4-BE49-F238E27FC236}">
-                <a16:creationId xmlns:a16="http://schemas.microsoft.com/office/drawing/2014/main" id="{DBCC518A-3493-7FAA-E168-8FAAD78F081F}"/>
-              </a:ext>
-            </a:extLst>
-          </p:cNvPr>
+          <p:cNvPr id="3" name="Picture Placeholder 2"/>
           <p:cNvSpPr>
-            <a:spLocks noGrp="1"/>
+            <a:spLocks noGrp="1" noChangeAspect="1"/>
           </p:cNvSpPr>
           <p:nvPr>
             <p:ph type="pic" idx="1"/>
@@ -2520,64 +2893,62 @@
         </p:nvSpPr>
         <p:spPr>
           <a:xfrm>
-            <a:off x="5183188" y="987425"/>
-            <a:ext cx="6172200" cy="4873625"/>
+            <a:off x="4422582" y="534856"/>
+            <a:ext cx="5266462" cy="2639880"/>
           </a:xfrm>
         </p:spPr>
         <p:txBody>
-          <a:bodyPr/>
+          <a:bodyPr anchor="t"/>
           <a:lstStyle>
             <a:lvl1pPr marL="0" indent="0">
               <a:buNone/>
-              <a:defRPr sz="3200"/>
+              <a:defRPr sz="1733"/>
             </a:lvl1pPr>
-            <a:lvl2pPr marL="457200" indent="0">
+            <a:lvl2pPr marL="247665" indent="0">
               <a:buNone/>
-              <a:defRPr sz="2800"/>
+              <a:defRPr sz="1517"/>
             </a:lvl2pPr>
-            <a:lvl3pPr marL="914400" indent="0">
+            <a:lvl3pPr marL="495330" indent="0">
               <a:buNone/>
-              <a:defRPr sz="2400"/>
+              <a:defRPr sz="1300"/>
             </a:lvl3pPr>
-            <a:lvl4pPr marL="1371600" indent="0">
+            <a:lvl4pPr marL="742996" indent="0">
               <a:buNone/>
-              <a:defRPr sz="2000"/>
+              <a:defRPr sz="1083"/>
             </a:lvl4pPr>
-            <a:lvl5pPr marL="1828800" indent="0">
+            <a:lvl5pPr marL="990661" indent="0">
               <a:buNone/>
-              <a:defRPr sz="2000"/>
+              <a:defRPr sz="1083"/>
             </a:lvl5pPr>
-            <a:lvl6pPr marL="2286000" indent="0">
+            <a:lvl6pPr marL="1238326" indent="0">
               <a:buNone/>
-              <a:defRPr sz="2000"/>
+              <a:defRPr sz="1083"/>
             </a:lvl6pPr>
-            <a:lvl7pPr marL="2743200" indent="0">
+            <a:lvl7pPr marL="1485991" indent="0">
               <a:buNone/>
-              <a:defRPr sz="2000"/>
+              <a:defRPr sz="1083"/>
             </a:lvl7pPr>
-            <a:lvl8pPr marL="3200400" indent="0">
+            <a:lvl8pPr marL="1733657" indent="0">
               <a:buNone/>
-              <a:defRPr sz="2000"/>
+              <a:defRPr sz="1083"/>
             </a:lvl8pPr>
-            <a:lvl9pPr marL="3657600" indent="0">
+            <a:lvl9pPr marL="1981322" indent="0">
               <a:buNone/>
-              <a:defRPr sz="2000"/>
+              <a:defRPr sz="1083"/>
             </a:lvl9pPr>
           </a:lstStyle>
           <a:p>
-            <a:endParaRPr lang="fr-FR"/>
+            <a:r>
+              <a:rPr lang="fr-FR"/>
+              <a:t>Cliquez sur l'icône pour ajouter une image</a:t>
+            </a:r>
+            <a:endParaRPr lang="en-US" dirty="0"/>
           </a:p>
         </p:txBody>
       </p:sp>
       <p:sp>
         <p:nvSpPr>
-          <p:cNvPr id="4" name="Espace réservé du texte 3">
-            <a:extLst>
-              <a:ext uri="{FF2B5EF4-FFF2-40B4-BE49-F238E27FC236}">
-                <a16:creationId xmlns:a16="http://schemas.microsoft.com/office/drawing/2014/main" id="{42EEB097-711B-88BF-AEF2-70258103AB98}"/>
-              </a:ext>
-            </a:extLst>
-          </p:cNvPr>
+          <p:cNvPr id="4" name="Text Placeholder 3"/>
           <p:cNvSpPr>
             <a:spLocks noGrp="1"/>
           </p:cNvSpPr>
@@ -2587,8 +2958,8 @@
         </p:nvSpPr>
         <p:spPr>
           <a:xfrm>
-            <a:off x="839788" y="2057400"/>
-            <a:ext cx="3932237" cy="3811588"/>
+            <a:off x="716554" y="1114425"/>
+            <a:ext cx="3355202" cy="2064610"/>
           </a:xfrm>
         </p:spPr>
         <p:txBody>
@@ -2596,39 +2967,39 @@
           <a:lstStyle>
             <a:lvl1pPr marL="0" indent="0">
               <a:buNone/>
-              <a:defRPr sz="1600"/>
+              <a:defRPr sz="867"/>
             </a:lvl1pPr>
-            <a:lvl2pPr marL="457200" indent="0">
+            <a:lvl2pPr marL="247665" indent="0">
               <a:buNone/>
-              <a:defRPr sz="1400"/>
+              <a:defRPr sz="758"/>
             </a:lvl2pPr>
-            <a:lvl3pPr marL="914400" indent="0">
+            <a:lvl3pPr marL="495330" indent="0">
               <a:buNone/>
-              <a:defRPr sz="1200"/>
+              <a:defRPr sz="650"/>
             </a:lvl3pPr>
-            <a:lvl4pPr marL="1371600" indent="0">
+            <a:lvl4pPr marL="742996" indent="0">
               <a:buNone/>
-              <a:defRPr sz="1000"/>
+              <a:defRPr sz="542"/>
             </a:lvl4pPr>
-            <a:lvl5pPr marL="1828800" indent="0">
+            <a:lvl5pPr marL="990661" indent="0">
               <a:buNone/>
-              <a:defRPr sz="1000"/>
+              <a:defRPr sz="542"/>
             </a:lvl5pPr>
-            <a:lvl6pPr marL="2286000" indent="0">
+            <a:lvl6pPr marL="1238326" indent="0">
               <a:buNone/>
-              <a:defRPr sz="1000"/>
+              <a:defRPr sz="542"/>
             </a:lvl6pPr>
-            <a:lvl7pPr marL="2743200" indent="0">
+            <a:lvl7pPr marL="1485991" indent="0">
               <a:buNone/>
-              <a:defRPr sz="1000"/>
+              <a:defRPr sz="542"/>
             </a:lvl7pPr>
-            <a:lvl8pPr marL="3200400" indent="0">
+            <a:lvl8pPr marL="1733657" indent="0">
               <a:buNone/>
-              <a:defRPr sz="1000"/>
+              <a:defRPr sz="542"/>
             </a:lvl8pPr>
-            <a:lvl9pPr marL="3657600" indent="0">
+            <a:lvl9pPr marL="1981322" indent="0">
               <a:buNone/>
-              <a:defRPr sz="1000"/>
+              <a:defRPr sz="542"/>
             </a:lvl9pPr>
           </a:lstStyle>
           <a:p>
@@ -2642,13 +3013,7 @@
       </p:sp>
       <p:sp>
         <p:nvSpPr>
-          <p:cNvPr id="5" name="Espace réservé de la date 4">
-            <a:extLst>
-              <a:ext uri="{FF2B5EF4-FFF2-40B4-BE49-F238E27FC236}">
-                <a16:creationId xmlns:a16="http://schemas.microsoft.com/office/drawing/2014/main" id="{35A5691C-1369-9D50-5019-2566FC0F80AD}"/>
-              </a:ext>
-            </a:extLst>
-          </p:cNvPr>
+          <p:cNvPr id="5" name="Date Placeholder 4"/>
           <p:cNvSpPr>
             <a:spLocks noGrp="1"/>
           </p:cNvSpPr>
@@ -2663,7 +3028,7 @@
           <a:p>
             <a:fld id="{4F9D0EE7-5FFA-4A88-B51D-A0F9CB847ED6}" type="datetimeFigureOut">
               <a:rPr lang="fr-FR" smtClean="0"/>
-              <a:t>08/11/2023</a:t>
+              <a:t>10/11/2023</a:t>
             </a:fld>
             <a:endParaRPr lang="fr-FR"/>
           </a:p>
@@ -2671,13 +3036,7 @@
       </p:sp>
       <p:sp>
         <p:nvSpPr>
-          <p:cNvPr id="6" name="Espace réservé du pied de page 5">
-            <a:extLst>
-              <a:ext uri="{FF2B5EF4-FFF2-40B4-BE49-F238E27FC236}">
-                <a16:creationId xmlns:a16="http://schemas.microsoft.com/office/drawing/2014/main" id="{0F280869-B88E-77B7-42CC-74DC2AFD55EF}"/>
-              </a:ext>
-            </a:extLst>
-          </p:cNvPr>
+          <p:cNvPr id="6" name="Footer Placeholder 5"/>
           <p:cNvSpPr>
             <a:spLocks noGrp="1"/>
           </p:cNvSpPr>
@@ -2696,13 +3055,7 @@
       </p:sp>
       <p:sp>
         <p:nvSpPr>
-          <p:cNvPr id="7" name="Espace réservé du numéro de diapositive 6">
-            <a:extLst>
-              <a:ext uri="{FF2B5EF4-FFF2-40B4-BE49-F238E27FC236}">
-                <a16:creationId xmlns:a16="http://schemas.microsoft.com/office/drawing/2014/main" id="{1904E1B0-42B5-642D-3CE7-F177AC5DCC7B}"/>
-              </a:ext>
-            </a:extLst>
-          </p:cNvPr>
+          <p:cNvPr id="7" name="Slide Number Placeholder 6"/>
           <p:cNvSpPr>
             <a:spLocks noGrp="1"/>
           </p:cNvSpPr>
@@ -2726,7 +3079,7 @@
     </p:spTree>
     <p:extLst>
       <p:ext uri="{BB962C8B-B14F-4D97-AF65-F5344CB8AC3E}">
-        <p14:creationId xmlns:p14="http://schemas.microsoft.com/office/powerpoint/2010/main" val="936880743"/>
+        <p14:creationId xmlns:p14="http://schemas.microsoft.com/office/powerpoint/2010/main" val="2980897758"/>
       </p:ext>
     </p:extLst>
   </p:cSld>
@@ -2760,13 +3113,7 @@
       </p:grpSpPr>
       <p:sp>
         <p:nvSpPr>
-          <p:cNvPr id="2" name="Espace réservé du titre 1">
-            <a:extLst>
-              <a:ext uri="{FF2B5EF4-FFF2-40B4-BE49-F238E27FC236}">
-                <a16:creationId xmlns:a16="http://schemas.microsoft.com/office/drawing/2014/main" id="{6A447C3B-1775-4157-3546-DF8053816B10}"/>
-              </a:ext>
-            </a:extLst>
-          </p:cNvPr>
+          <p:cNvPr id="2" name="Title Placeholder 1"/>
           <p:cNvSpPr>
             <a:spLocks noGrp="1"/>
           </p:cNvSpPr>
@@ -2776,8 +3123,8 @@
         </p:nvSpPr>
         <p:spPr>
           <a:xfrm>
-            <a:off x="838200" y="365125"/>
-            <a:ext cx="10515600" cy="1325563"/>
+            <a:off x="715199" y="197776"/>
+            <a:ext cx="8972491" cy="718013"/>
           </a:xfrm>
           <a:prstGeom prst="rect">
             <a:avLst/>
@@ -2793,18 +3140,13 @@
               <a:rPr lang="fr-FR"/>
               <a:t>Modifiez le style du titre</a:t>
             </a:r>
+            <a:endParaRPr lang="en-US" dirty="0"/>
           </a:p>
         </p:txBody>
       </p:sp>
       <p:sp>
         <p:nvSpPr>
-          <p:cNvPr id="3" name="Espace réservé du texte 2">
-            <a:extLst>
-              <a:ext uri="{FF2B5EF4-FFF2-40B4-BE49-F238E27FC236}">
-                <a16:creationId xmlns:a16="http://schemas.microsoft.com/office/drawing/2014/main" id="{996FE488-94DB-2980-D02B-FB178BCB1C2F}"/>
-              </a:ext>
-            </a:extLst>
-          </p:cNvPr>
+          <p:cNvPr id="3" name="Text Placeholder 2"/>
           <p:cNvSpPr>
             <a:spLocks noGrp="1"/>
           </p:cNvSpPr>
@@ -2814,8 +3156,8 @@
         </p:nvSpPr>
         <p:spPr>
           <a:xfrm>
-            <a:off x="838200" y="1825625"/>
-            <a:ext cx="10515600" cy="4351338"/>
+            <a:off x="715199" y="988880"/>
+            <a:ext cx="8972491" cy="2356975"/>
           </a:xfrm>
           <a:prstGeom prst="rect">
             <a:avLst/>
@@ -2860,18 +3202,13 @@
               <a:rPr lang="fr-FR"/>
               <a:t>Cinquième niveau</a:t>
             </a:r>
+            <a:endParaRPr lang="en-US" dirty="0"/>
           </a:p>
         </p:txBody>
       </p:sp>
       <p:sp>
         <p:nvSpPr>
-          <p:cNvPr id="4" name="Espace réservé de la date 3">
-            <a:extLst>
-              <a:ext uri="{FF2B5EF4-FFF2-40B4-BE49-F238E27FC236}">
-                <a16:creationId xmlns:a16="http://schemas.microsoft.com/office/drawing/2014/main" id="{3A9681DC-5B82-A3AE-260A-CD2778238E44}"/>
-              </a:ext>
-            </a:extLst>
-          </p:cNvPr>
+          <p:cNvPr id="4" name="Date Placeholder 3"/>
           <p:cNvSpPr>
             <a:spLocks noGrp="1"/>
           </p:cNvSpPr>
@@ -2881,8 +3218,8 @@
         </p:nvSpPr>
         <p:spPr>
           <a:xfrm>
-            <a:off x="838200" y="6356350"/>
-            <a:ext cx="2743200" cy="365125"/>
+            <a:off x="715198" y="3443023"/>
+            <a:ext cx="2340650" cy="197776"/>
           </a:xfrm>
           <a:prstGeom prst="rect">
             <a:avLst/>
@@ -2892,7 +3229,7 @@
           <a:bodyPr vert="horz" lIns="91440" tIns="45720" rIns="91440" bIns="45720" rtlCol="0" anchor="ctr"/>
           <a:lstStyle>
             <a:lvl1pPr algn="l">
-              <a:defRPr sz="1200">
+              <a:defRPr sz="650">
                 <a:solidFill>
                   <a:schemeClr val="tx1">
                     <a:tint val="75000"/>
@@ -2904,7 +3241,7 @@
           <a:p>
             <a:fld id="{4F9D0EE7-5FFA-4A88-B51D-A0F9CB847ED6}" type="datetimeFigureOut">
               <a:rPr lang="fr-FR" smtClean="0"/>
-              <a:t>08/11/2023</a:t>
+              <a:t>10/11/2023</a:t>
             </a:fld>
             <a:endParaRPr lang="fr-FR"/>
           </a:p>
@@ -2912,13 +3249,7 @@
       </p:sp>
       <p:sp>
         <p:nvSpPr>
-          <p:cNvPr id="5" name="Espace réservé du pied de page 4">
-            <a:extLst>
-              <a:ext uri="{FF2B5EF4-FFF2-40B4-BE49-F238E27FC236}">
-                <a16:creationId xmlns:a16="http://schemas.microsoft.com/office/drawing/2014/main" id="{880EBF43-30B2-CA35-E4F2-8B967D6E8DBE}"/>
-              </a:ext>
-            </a:extLst>
-          </p:cNvPr>
+          <p:cNvPr id="5" name="Footer Placeholder 4"/>
           <p:cNvSpPr>
             <a:spLocks noGrp="1"/>
           </p:cNvSpPr>
@@ -2928,8 +3259,8 @@
         </p:nvSpPr>
         <p:spPr>
           <a:xfrm>
-            <a:off x="4038600" y="6356350"/>
-            <a:ext cx="4114800" cy="365125"/>
+            <a:off x="3445957" y="3443023"/>
+            <a:ext cx="3510975" cy="197776"/>
           </a:xfrm>
           <a:prstGeom prst="rect">
             <a:avLst/>
@@ -2939,7 +3270,7 @@
           <a:bodyPr vert="horz" lIns="91440" tIns="45720" rIns="91440" bIns="45720" rtlCol="0" anchor="ctr"/>
           <a:lstStyle>
             <a:lvl1pPr algn="ctr">
-              <a:defRPr sz="1200">
+              <a:defRPr sz="650">
                 <a:solidFill>
                   <a:schemeClr val="tx1">
                     <a:tint val="75000"/>
@@ -2955,13 +3286,7 @@
       </p:sp>
       <p:sp>
         <p:nvSpPr>
-          <p:cNvPr id="6" name="Espace réservé du numéro de diapositive 5">
-            <a:extLst>
-              <a:ext uri="{FF2B5EF4-FFF2-40B4-BE49-F238E27FC236}">
-                <a16:creationId xmlns:a16="http://schemas.microsoft.com/office/drawing/2014/main" id="{9F3EADA6-386F-C3AF-BFBB-1E30766FDDDB}"/>
-              </a:ext>
-            </a:extLst>
-          </p:cNvPr>
+          <p:cNvPr id="6" name="Slide Number Placeholder 5"/>
           <p:cNvSpPr>
             <a:spLocks noGrp="1"/>
           </p:cNvSpPr>
@@ -2971,8 +3296,8 @@
         </p:nvSpPr>
         <p:spPr>
           <a:xfrm>
-            <a:off x="8610600" y="6356350"/>
-            <a:ext cx="2743200" cy="365125"/>
+            <a:off x="7347040" y="3443023"/>
+            <a:ext cx="2340650" cy="197776"/>
           </a:xfrm>
           <a:prstGeom prst="rect">
             <a:avLst/>
@@ -2982,7 +3307,7 @@
           <a:bodyPr vert="horz" lIns="91440" tIns="45720" rIns="91440" bIns="45720" rtlCol="0" anchor="ctr"/>
           <a:lstStyle>
             <a:lvl1pPr algn="r">
-              <a:defRPr sz="1200">
+              <a:defRPr sz="650">
                 <a:solidFill>
                   <a:schemeClr val="tx1">
                     <a:tint val="75000"/>
@@ -3003,27 +3328,27 @@
     </p:spTree>
     <p:extLst>
       <p:ext uri="{BB962C8B-B14F-4D97-AF65-F5344CB8AC3E}">
-        <p14:creationId xmlns:p14="http://schemas.microsoft.com/office/powerpoint/2010/main" val="2326436275"/>
+        <p14:creationId xmlns:p14="http://schemas.microsoft.com/office/powerpoint/2010/main" val="2468202964"/>
       </p:ext>
     </p:extLst>
   </p:cSld>
   <p:clrMap bg1="lt1" tx1="dk1" bg2="lt2" tx2="dk2" accent1="accent1" accent2="accent2" accent3="accent3" accent4="accent4" accent5="accent5" accent6="accent6" hlink="hlink" folHlink="folHlink"/>
   <p:sldLayoutIdLst>
-    <p:sldLayoutId id="2147483649" r:id="rId1"/>
-    <p:sldLayoutId id="2147483650" r:id="rId2"/>
-    <p:sldLayoutId id="2147483651" r:id="rId3"/>
-    <p:sldLayoutId id="2147483652" r:id="rId4"/>
-    <p:sldLayoutId id="2147483653" r:id="rId5"/>
-    <p:sldLayoutId id="2147483654" r:id="rId6"/>
-    <p:sldLayoutId id="2147483655" r:id="rId7"/>
-    <p:sldLayoutId id="2147483656" r:id="rId8"/>
-    <p:sldLayoutId id="2147483657" r:id="rId9"/>
-    <p:sldLayoutId id="2147483658" r:id="rId10"/>
-    <p:sldLayoutId id="2147483659" r:id="rId11"/>
+    <p:sldLayoutId id="2147483661" r:id="rId1"/>
+    <p:sldLayoutId id="2147483662" r:id="rId2"/>
+    <p:sldLayoutId id="2147483663" r:id="rId3"/>
+    <p:sldLayoutId id="2147483664" r:id="rId4"/>
+    <p:sldLayoutId id="2147483665" r:id="rId5"/>
+    <p:sldLayoutId id="2147483666" r:id="rId6"/>
+    <p:sldLayoutId id="2147483667" r:id="rId7"/>
+    <p:sldLayoutId id="2147483668" r:id="rId8"/>
+    <p:sldLayoutId id="2147483669" r:id="rId9"/>
+    <p:sldLayoutId id="2147483670" r:id="rId10"/>
+    <p:sldLayoutId id="2147483671" r:id="rId11"/>
   </p:sldLayoutIdLst>
   <p:txStyles>
     <p:titleStyle>
-      <a:lvl1pPr algn="l" defTabSz="914400" rtl="0" eaLnBrk="1" latinLnBrk="0" hangingPunct="1">
+      <a:lvl1pPr algn="l" defTabSz="495330" rtl="0" eaLnBrk="1" latinLnBrk="0" hangingPunct="1">
         <a:lnSpc>
           <a:spcPct val="90000"/>
         </a:lnSpc>
@@ -3031,7 +3356,7 @@
           <a:spcPct val="0"/>
         </a:spcBef>
         <a:buNone/>
-        <a:defRPr sz="4400" kern="1200">
+        <a:defRPr sz="2383" kern="1200">
           <a:solidFill>
             <a:schemeClr val="tx1"/>
           </a:solidFill>
@@ -3042,16 +3367,16 @@
       </a:lvl1pPr>
     </p:titleStyle>
     <p:bodyStyle>
-      <a:lvl1pPr marL="228600" indent="-228600" algn="l" defTabSz="914400" rtl="0" eaLnBrk="1" latinLnBrk="0" hangingPunct="1">
+      <a:lvl1pPr marL="123833" indent="-123833" algn="l" defTabSz="495330" rtl="0" eaLnBrk="1" latinLnBrk="0" hangingPunct="1">
         <a:lnSpc>
           <a:spcPct val="90000"/>
         </a:lnSpc>
         <a:spcBef>
-          <a:spcPts val="1000"/>
+          <a:spcPts val="542"/>
         </a:spcBef>
         <a:buFont typeface="Arial" panose="020B0604020202020204" pitchFamily="34" charset="0"/>
         <a:buChar char="•"/>
-        <a:defRPr sz="2800" kern="1200">
+        <a:defRPr sz="1517" kern="1200">
           <a:solidFill>
             <a:schemeClr val="tx1"/>
           </a:solidFill>
@@ -3060,16 +3385,16 @@
           <a:cs typeface="+mn-cs"/>
         </a:defRPr>
       </a:lvl1pPr>
-      <a:lvl2pPr marL="685800" indent="-228600" algn="l" defTabSz="914400" rtl="0" eaLnBrk="1" latinLnBrk="0" hangingPunct="1">
+      <a:lvl2pPr marL="371498" indent="-123833" algn="l" defTabSz="495330" rtl="0" eaLnBrk="1" latinLnBrk="0" hangingPunct="1">
         <a:lnSpc>
           <a:spcPct val="90000"/>
         </a:lnSpc>
         <a:spcBef>
-          <a:spcPts val="500"/>
+          <a:spcPts val="271"/>
         </a:spcBef>
         <a:buFont typeface="Arial" panose="020B0604020202020204" pitchFamily="34" charset="0"/>
         <a:buChar char="•"/>
-        <a:defRPr sz="2400" kern="1200">
+        <a:defRPr sz="1300" kern="1200">
           <a:solidFill>
             <a:schemeClr val="tx1"/>
           </a:solidFill>
@@ -3078,16 +3403,16 @@
           <a:cs typeface="+mn-cs"/>
         </a:defRPr>
       </a:lvl2pPr>
-      <a:lvl3pPr marL="1143000" indent="-228600" algn="l" defTabSz="914400" rtl="0" eaLnBrk="1" latinLnBrk="0" hangingPunct="1">
+      <a:lvl3pPr marL="619163" indent="-123833" algn="l" defTabSz="495330" rtl="0" eaLnBrk="1" latinLnBrk="0" hangingPunct="1">
         <a:lnSpc>
           <a:spcPct val="90000"/>
         </a:lnSpc>
         <a:spcBef>
-          <a:spcPts val="500"/>
+          <a:spcPts val="271"/>
         </a:spcBef>
         <a:buFont typeface="Arial" panose="020B0604020202020204" pitchFamily="34" charset="0"/>
         <a:buChar char="•"/>
-        <a:defRPr sz="2000" kern="1200">
+        <a:defRPr sz="1083" kern="1200">
           <a:solidFill>
             <a:schemeClr val="tx1"/>
           </a:solidFill>
@@ -3096,16 +3421,16 @@
           <a:cs typeface="+mn-cs"/>
         </a:defRPr>
       </a:lvl3pPr>
-      <a:lvl4pPr marL="1600200" indent="-228600" algn="l" defTabSz="914400" rtl="0" eaLnBrk="1" latinLnBrk="0" hangingPunct="1">
+      <a:lvl4pPr marL="866828" indent="-123833" algn="l" defTabSz="495330" rtl="0" eaLnBrk="1" latinLnBrk="0" hangingPunct="1">
         <a:lnSpc>
           <a:spcPct val="90000"/>
         </a:lnSpc>
         <a:spcBef>
-          <a:spcPts val="500"/>
+          <a:spcPts val="271"/>
         </a:spcBef>
         <a:buFont typeface="Arial" panose="020B0604020202020204" pitchFamily="34" charset="0"/>
         <a:buChar char="•"/>
-        <a:defRPr sz="1800" kern="1200">
+        <a:defRPr sz="975" kern="1200">
           <a:solidFill>
             <a:schemeClr val="tx1"/>
           </a:solidFill>
@@ -3114,16 +3439,16 @@
           <a:cs typeface="+mn-cs"/>
         </a:defRPr>
       </a:lvl4pPr>
-      <a:lvl5pPr marL="2057400" indent="-228600" algn="l" defTabSz="914400" rtl="0" eaLnBrk="1" latinLnBrk="0" hangingPunct="1">
+      <a:lvl5pPr marL="1114494" indent="-123833" algn="l" defTabSz="495330" rtl="0" eaLnBrk="1" latinLnBrk="0" hangingPunct="1">
         <a:lnSpc>
           <a:spcPct val="90000"/>
         </a:lnSpc>
         <a:spcBef>
-          <a:spcPts val="500"/>
+          <a:spcPts val="271"/>
         </a:spcBef>
         <a:buFont typeface="Arial" panose="020B0604020202020204" pitchFamily="34" charset="0"/>
         <a:buChar char="•"/>
-        <a:defRPr sz="1800" kern="1200">
+        <a:defRPr sz="975" kern="1200">
           <a:solidFill>
             <a:schemeClr val="tx1"/>
           </a:solidFill>
@@ -3132,16 +3457,16 @@
           <a:cs typeface="+mn-cs"/>
         </a:defRPr>
       </a:lvl5pPr>
-      <a:lvl6pPr marL="2514600" indent="-228600" algn="l" defTabSz="914400" rtl="0" eaLnBrk="1" latinLnBrk="0" hangingPunct="1">
+      <a:lvl6pPr marL="1362159" indent="-123833" algn="l" defTabSz="495330" rtl="0" eaLnBrk="1" latinLnBrk="0" hangingPunct="1">
         <a:lnSpc>
           <a:spcPct val="90000"/>
         </a:lnSpc>
         <a:spcBef>
-          <a:spcPts val="500"/>
+          <a:spcPts val="271"/>
         </a:spcBef>
         <a:buFont typeface="Arial" panose="020B0604020202020204" pitchFamily="34" charset="0"/>
         <a:buChar char="•"/>
-        <a:defRPr sz="1800" kern="1200">
+        <a:defRPr sz="975" kern="1200">
           <a:solidFill>
             <a:schemeClr val="tx1"/>
           </a:solidFill>
@@ -3150,16 +3475,16 @@
           <a:cs typeface="+mn-cs"/>
         </a:defRPr>
       </a:lvl6pPr>
-      <a:lvl7pPr marL="2971800" indent="-228600" algn="l" defTabSz="914400" rtl="0" eaLnBrk="1" latinLnBrk="0" hangingPunct="1">
+      <a:lvl7pPr marL="1609824" indent="-123833" algn="l" defTabSz="495330" rtl="0" eaLnBrk="1" latinLnBrk="0" hangingPunct="1">
         <a:lnSpc>
           <a:spcPct val="90000"/>
         </a:lnSpc>
         <a:spcBef>
-          <a:spcPts val="500"/>
+          <a:spcPts val="271"/>
         </a:spcBef>
         <a:buFont typeface="Arial" panose="020B0604020202020204" pitchFamily="34" charset="0"/>
         <a:buChar char="•"/>
-        <a:defRPr sz="1800" kern="1200">
+        <a:defRPr sz="975" kern="1200">
           <a:solidFill>
             <a:schemeClr val="tx1"/>
           </a:solidFill>
@@ -3168,16 +3493,16 @@
           <a:cs typeface="+mn-cs"/>
         </a:defRPr>
       </a:lvl7pPr>
-      <a:lvl8pPr marL="3429000" indent="-228600" algn="l" defTabSz="914400" rtl="0" eaLnBrk="1" latinLnBrk="0" hangingPunct="1">
+      <a:lvl8pPr marL="1857489" indent="-123833" algn="l" defTabSz="495330" rtl="0" eaLnBrk="1" latinLnBrk="0" hangingPunct="1">
         <a:lnSpc>
           <a:spcPct val="90000"/>
         </a:lnSpc>
         <a:spcBef>
-          <a:spcPts val="500"/>
+          <a:spcPts val="271"/>
         </a:spcBef>
         <a:buFont typeface="Arial" panose="020B0604020202020204" pitchFamily="34" charset="0"/>
         <a:buChar char="•"/>
-        <a:defRPr sz="1800" kern="1200">
+        <a:defRPr sz="975" kern="1200">
           <a:solidFill>
             <a:schemeClr val="tx1"/>
           </a:solidFill>
@@ -3186,16 +3511,16 @@
           <a:cs typeface="+mn-cs"/>
         </a:defRPr>
       </a:lvl8pPr>
-      <a:lvl9pPr marL="3886200" indent="-228600" algn="l" defTabSz="914400" rtl="0" eaLnBrk="1" latinLnBrk="0" hangingPunct="1">
+      <a:lvl9pPr marL="2105155" indent="-123833" algn="l" defTabSz="495330" rtl="0" eaLnBrk="1" latinLnBrk="0" hangingPunct="1">
         <a:lnSpc>
           <a:spcPct val="90000"/>
         </a:lnSpc>
         <a:spcBef>
-          <a:spcPts val="500"/>
+          <a:spcPts val="271"/>
         </a:spcBef>
         <a:buFont typeface="Arial" panose="020B0604020202020204" pitchFamily="34" charset="0"/>
         <a:buChar char="•"/>
-        <a:defRPr sz="1800" kern="1200">
+        <a:defRPr sz="975" kern="1200">
           <a:solidFill>
             <a:schemeClr val="tx1"/>
           </a:solidFill>
@@ -3207,10 +3532,10 @@
     </p:bodyStyle>
     <p:otherStyle>
       <a:defPPr>
-        <a:defRPr lang="fr-FR"/>
+        <a:defRPr lang="en-US"/>
       </a:defPPr>
-      <a:lvl1pPr marL="0" algn="l" defTabSz="914400" rtl="0" eaLnBrk="1" latinLnBrk="0" hangingPunct="1">
-        <a:defRPr sz="1800" kern="1200">
+      <a:lvl1pPr marL="0" algn="l" defTabSz="495330" rtl="0" eaLnBrk="1" latinLnBrk="0" hangingPunct="1">
+        <a:defRPr sz="975" kern="1200">
           <a:solidFill>
             <a:schemeClr val="tx1"/>
           </a:solidFill>
@@ -3219,8 +3544,8 @@
           <a:cs typeface="+mn-cs"/>
         </a:defRPr>
       </a:lvl1pPr>
-      <a:lvl2pPr marL="457200" algn="l" defTabSz="914400" rtl="0" eaLnBrk="1" latinLnBrk="0" hangingPunct="1">
-        <a:defRPr sz="1800" kern="1200">
+      <a:lvl2pPr marL="247665" algn="l" defTabSz="495330" rtl="0" eaLnBrk="1" latinLnBrk="0" hangingPunct="1">
+        <a:defRPr sz="975" kern="1200">
           <a:solidFill>
             <a:schemeClr val="tx1"/>
           </a:solidFill>
@@ -3229,8 +3554,8 @@
           <a:cs typeface="+mn-cs"/>
         </a:defRPr>
       </a:lvl2pPr>
-      <a:lvl3pPr marL="914400" algn="l" defTabSz="914400" rtl="0" eaLnBrk="1" latinLnBrk="0" hangingPunct="1">
-        <a:defRPr sz="1800" kern="1200">
+      <a:lvl3pPr marL="495330" algn="l" defTabSz="495330" rtl="0" eaLnBrk="1" latinLnBrk="0" hangingPunct="1">
+        <a:defRPr sz="975" kern="1200">
           <a:solidFill>
             <a:schemeClr val="tx1"/>
           </a:solidFill>
@@ -3239,8 +3564,8 @@
           <a:cs typeface="+mn-cs"/>
         </a:defRPr>
       </a:lvl3pPr>
-      <a:lvl4pPr marL="1371600" algn="l" defTabSz="914400" rtl="0" eaLnBrk="1" latinLnBrk="0" hangingPunct="1">
-        <a:defRPr sz="1800" kern="1200">
+      <a:lvl4pPr marL="742996" algn="l" defTabSz="495330" rtl="0" eaLnBrk="1" latinLnBrk="0" hangingPunct="1">
+        <a:defRPr sz="975" kern="1200">
           <a:solidFill>
             <a:schemeClr val="tx1"/>
           </a:solidFill>
@@ -3249,8 +3574,8 @@
           <a:cs typeface="+mn-cs"/>
         </a:defRPr>
       </a:lvl4pPr>
-      <a:lvl5pPr marL="1828800" algn="l" defTabSz="914400" rtl="0" eaLnBrk="1" latinLnBrk="0" hangingPunct="1">
-        <a:defRPr sz="1800" kern="1200">
+      <a:lvl5pPr marL="990661" algn="l" defTabSz="495330" rtl="0" eaLnBrk="1" latinLnBrk="0" hangingPunct="1">
+        <a:defRPr sz="975" kern="1200">
           <a:solidFill>
             <a:schemeClr val="tx1"/>
           </a:solidFill>
@@ -3259,8 +3584,8 @@
           <a:cs typeface="+mn-cs"/>
         </a:defRPr>
       </a:lvl5pPr>
-      <a:lvl6pPr marL="2286000" algn="l" defTabSz="914400" rtl="0" eaLnBrk="1" latinLnBrk="0" hangingPunct="1">
-        <a:defRPr sz="1800" kern="1200">
+      <a:lvl6pPr marL="1238326" algn="l" defTabSz="495330" rtl="0" eaLnBrk="1" latinLnBrk="0" hangingPunct="1">
+        <a:defRPr sz="975" kern="1200">
           <a:solidFill>
             <a:schemeClr val="tx1"/>
           </a:solidFill>
@@ -3269,8 +3594,8 @@
           <a:cs typeface="+mn-cs"/>
         </a:defRPr>
       </a:lvl6pPr>
-      <a:lvl7pPr marL="2743200" algn="l" defTabSz="914400" rtl="0" eaLnBrk="1" latinLnBrk="0" hangingPunct="1">
-        <a:defRPr sz="1800" kern="1200">
+      <a:lvl7pPr marL="1485991" algn="l" defTabSz="495330" rtl="0" eaLnBrk="1" latinLnBrk="0" hangingPunct="1">
+        <a:defRPr sz="975" kern="1200">
           <a:solidFill>
             <a:schemeClr val="tx1"/>
           </a:solidFill>
@@ -3279,8 +3604,8 @@
           <a:cs typeface="+mn-cs"/>
         </a:defRPr>
       </a:lvl7pPr>
-      <a:lvl8pPr marL="3200400" algn="l" defTabSz="914400" rtl="0" eaLnBrk="1" latinLnBrk="0" hangingPunct="1">
-        <a:defRPr sz="1800" kern="1200">
+      <a:lvl8pPr marL="1733657" algn="l" defTabSz="495330" rtl="0" eaLnBrk="1" latinLnBrk="0" hangingPunct="1">
+        <a:defRPr sz="975" kern="1200">
           <a:solidFill>
             <a:schemeClr val="tx1"/>
           </a:solidFill>
@@ -3289,8 +3614,8 @@
           <a:cs typeface="+mn-cs"/>
         </a:defRPr>
       </a:lvl8pPr>
-      <a:lvl9pPr marL="3657600" algn="l" defTabSz="914400" rtl="0" eaLnBrk="1" latinLnBrk="0" hangingPunct="1">
-        <a:defRPr sz="1800" kern="1200">
+      <a:lvl9pPr marL="1981322" algn="l" defTabSz="495330" rtl="0" eaLnBrk="1" latinLnBrk="0" hangingPunct="1">
+        <a:defRPr sz="975" kern="1200">
           <a:solidFill>
             <a:schemeClr val="tx1"/>
           </a:solidFill>
@@ -3336,14 +3661,14 @@
           <p:nvPr>
             <p:extLst>
               <p:ext uri="{D42A27DB-BD31-4B8C-83A1-F6EECF244321}">
-                <p14:modId xmlns:p14="http://schemas.microsoft.com/office/powerpoint/2010/main" val="3887841238"/>
+                <p14:modId xmlns:p14="http://schemas.microsoft.com/office/powerpoint/2010/main" val="1838703691"/>
               </p:ext>
             </p:extLst>
           </p:nvPr>
         </p:nvGraphicFramePr>
         <p:xfrm>
-          <a:off x="1763552" y="3246120"/>
-          <a:ext cx="8128000" cy="365760"/>
+          <a:off x="1531728" y="1120824"/>
+          <a:ext cx="8128000" cy="365759"/>
         </p:xfrm>
         <a:graphic>
           <a:graphicData uri="http://schemas.openxmlformats.org/drawingml/2006/table">
@@ -3493,20 +3818,20 @@
                   </a:extLst>
                 </a:gridCol>
               </a:tblGrid>
-              <a:tr h="0">
+              <a:tr h="365759">
                 <a:tc>
                   <a:txBody>
                     <a:bodyPr/>
                     <a:lstStyle/>
                     <a:p>
-                      <a:endParaRPr lang="fr-FR" dirty="0">
+                      <a:endParaRPr lang="fr-FR" sz="1700" dirty="0">
                         <a:solidFill>
                           <a:schemeClr val="tx1"/>
                         </a:solidFill>
                       </a:endParaRPr>
                     </a:p>
                   </a:txBody>
-                  <a:tcPr>
+                  <a:tcPr marT="45719" marB="45719">
                     <a:lnL w="12700" cap="flat" cmpd="sng" algn="ctr">
                       <a:solidFill>
                         <a:schemeClr val="tx1"/>
@@ -3553,14 +3878,14 @@
                     <a:bodyPr/>
                     <a:lstStyle/>
                     <a:p>
-                      <a:endParaRPr lang="fr-FR">
+                      <a:endParaRPr lang="fr-FR" sz="1700">
                         <a:solidFill>
                           <a:schemeClr val="tx1"/>
                         </a:solidFill>
                       </a:endParaRPr>
                     </a:p>
                   </a:txBody>
-                  <a:tcPr>
+                  <a:tcPr marT="45719" marB="45719">
                     <a:lnL w="12700" cap="flat" cmpd="sng" algn="ctr">
                       <a:solidFill>
                         <a:schemeClr val="tx1"/>
@@ -3607,14 +3932,14 @@
                     <a:bodyPr/>
                     <a:lstStyle/>
                     <a:p>
-                      <a:endParaRPr lang="fr-FR">
+                      <a:endParaRPr lang="fr-FR" sz="1700">
                         <a:solidFill>
                           <a:schemeClr val="tx1"/>
                         </a:solidFill>
                       </a:endParaRPr>
                     </a:p>
                   </a:txBody>
-                  <a:tcPr>
+                  <a:tcPr marT="45719" marB="45719">
                     <a:lnL w="12700" cap="flat" cmpd="sng" algn="ctr">
                       <a:solidFill>
                         <a:schemeClr val="tx1"/>
@@ -3661,14 +3986,14 @@
                     <a:bodyPr/>
                     <a:lstStyle/>
                     <a:p>
-                      <a:endParaRPr lang="fr-FR" dirty="0">
+                      <a:endParaRPr lang="fr-FR" sz="1700" dirty="0">
                         <a:solidFill>
                           <a:schemeClr val="tx1"/>
                         </a:solidFill>
                       </a:endParaRPr>
                     </a:p>
                   </a:txBody>
-                  <a:tcPr>
+                  <a:tcPr marT="45719" marB="45719">
                     <a:lnL w="12700" cap="flat" cmpd="sng" algn="ctr">
                       <a:solidFill>
                         <a:schemeClr val="tx1"/>
@@ -3715,14 +4040,14 @@
                     <a:bodyPr/>
                     <a:lstStyle/>
                     <a:p>
-                      <a:endParaRPr lang="fr-FR">
+                      <a:endParaRPr lang="fr-FR" sz="1700">
                         <a:solidFill>
                           <a:schemeClr val="tx1"/>
                         </a:solidFill>
                       </a:endParaRPr>
                     </a:p>
                   </a:txBody>
-                  <a:tcPr>
+                  <a:tcPr marT="45719" marB="45719">
                     <a:lnL w="12700" cap="flat" cmpd="sng" algn="ctr">
                       <a:solidFill>
                         <a:schemeClr val="tx1"/>
@@ -3769,14 +4094,14 @@
                     <a:bodyPr/>
                     <a:lstStyle/>
                     <a:p>
-                      <a:endParaRPr lang="fr-FR" dirty="0">
+                      <a:endParaRPr lang="fr-FR" sz="1700" dirty="0">
                         <a:solidFill>
                           <a:schemeClr val="tx1"/>
                         </a:solidFill>
                       </a:endParaRPr>
                     </a:p>
                   </a:txBody>
-                  <a:tcPr>
+                  <a:tcPr marT="45719" marB="45719">
                     <a:lnL w="12700" cap="flat" cmpd="sng" algn="ctr">
                       <a:solidFill>
                         <a:schemeClr val="tx1"/>
@@ -3823,14 +4148,14 @@
                     <a:bodyPr/>
                     <a:lstStyle/>
                     <a:p>
-                      <a:endParaRPr lang="fr-FR">
+                      <a:endParaRPr lang="fr-FR" sz="1700">
                         <a:solidFill>
                           <a:schemeClr val="tx1"/>
                         </a:solidFill>
                       </a:endParaRPr>
                     </a:p>
                   </a:txBody>
-                  <a:tcPr>
+                  <a:tcPr marT="45719" marB="45719">
                     <a:lnL w="12700" cap="flat" cmpd="sng" algn="ctr">
                       <a:solidFill>
                         <a:schemeClr val="tx1"/>
@@ -3877,14 +4202,14 @@
                     <a:bodyPr/>
                     <a:lstStyle/>
                     <a:p>
-                      <a:endParaRPr lang="fr-FR" dirty="0">
+                      <a:endParaRPr lang="fr-FR" sz="1700" dirty="0">
                         <a:solidFill>
                           <a:schemeClr val="tx1"/>
                         </a:solidFill>
                       </a:endParaRPr>
                     </a:p>
                   </a:txBody>
-                  <a:tcPr>
+                  <a:tcPr marT="45719" marB="45719">
                     <a:lnL w="12700" cap="flat" cmpd="sng" algn="ctr">
                       <a:solidFill>
                         <a:schemeClr val="tx1"/>
@@ -3931,14 +4256,14 @@
                     <a:bodyPr/>
                     <a:lstStyle/>
                     <a:p>
-                      <a:endParaRPr lang="fr-FR" dirty="0">
+                      <a:endParaRPr lang="fr-FR" sz="1700" dirty="0">
                         <a:solidFill>
                           <a:schemeClr val="tx1"/>
                         </a:solidFill>
                       </a:endParaRPr>
                     </a:p>
                   </a:txBody>
-                  <a:tcPr>
+                  <a:tcPr marT="45719" marB="45719">
                     <a:lnL w="12700" cap="flat" cmpd="sng" algn="ctr">
                       <a:solidFill>
                         <a:schemeClr val="tx1"/>
@@ -3985,14 +4310,14 @@
                     <a:bodyPr/>
                     <a:lstStyle/>
                     <a:p>
-                      <a:endParaRPr lang="fr-FR" dirty="0">
+                      <a:endParaRPr lang="fr-FR" sz="1700" dirty="0">
                         <a:solidFill>
                           <a:schemeClr val="tx1"/>
                         </a:solidFill>
                       </a:endParaRPr>
                     </a:p>
                   </a:txBody>
-                  <a:tcPr>
+                  <a:tcPr marT="45719" marB="45719">
                     <a:lnL w="12700" cap="flat" cmpd="sng" algn="ctr">
                       <a:solidFill>
                         <a:schemeClr val="tx1"/>
@@ -4039,14 +4364,14 @@
                     <a:bodyPr/>
                     <a:lstStyle/>
                     <a:p>
-                      <a:endParaRPr lang="fr-FR">
+                      <a:endParaRPr lang="fr-FR" sz="1700">
                         <a:solidFill>
                           <a:schemeClr val="tx1"/>
                         </a:solidFill>
                       </a:endParaRPr>
                     </a:p>
                   </a:txBody>
-                  <a:tcPr>
+                  <a:tcPr marT="45719" marB="45719">
                     <a:lnL w="12700" cap="flat" cmpd="sng" algn="ctr">
                       <a:solidFill>
                         <a:schemeClr val="tx1"/>
@@ -4093,14 +4418,14 @@
                     <a:bodyPr/>
                     <a:lstStyle/>
                     <a:p>
-                      <a:endParaRPr lang="fr-FR" dirty="0">
+                      <a:endParaRPr lang="fr-FR" sz="1700" dirty="0">
                         <a:solidFill>
                           <a:schemeClr val="tx1"/>
                         </a:solidFill>
                       </a:endParaRPr>
                     </a:p>
                   </a:txBody>
-                  <a:tcPr>
+                  <a:tcPr marT="45719" marB="45719">
                     <a:lnL w="12700" cap="flat" cmpd="sng" algn="ctr">
                       <a:solidFill>
                         <a:schemeClr val="tx1"/>
@@ -4147,14 +4472,14 @@
                     <a:bodyPr/>
                     <a:lstStyle/>
                     <a:p>
-                      <a:endParaRPr lang="fr-FR">
+                      <a:endParaRPr lang="fr-FR" sz="1700">
                         <a:solidFill>
                           <a:schemeClr val="tx1"/>
                         </a:solidFill>
                       </a:endParaRPr>
                     </a:p>
                   </a:txBody>
-                  <a:tcPr>
+                  <a:tcPr marT="45719" marB="45719">
                     <a:lnL w="12700" cap="flat" cmpd="sng" algn="ctr">
                       <a:solidFill>
                         <a:schemeClr val="tx1"/>
@@ -4201,14 +4526,14 @@
                     <a:bodyPr/>
                     <a:lstStyle/>
                     <a:p>
-                      <a:endParaRPr lang="fr-FR">
+                      <a:endParaRPr lang="fr-FR" sz="1700">
                         <a:solidFill>
                           <a:schemeClr val="tx1"/>
                         </a:solidFill>
                       </a:endParaRPr>
                     </a:p>
                   </a:txBody>
-                  <a:tcPr>
+                  <a:tcPr marT="45719" marB="45719">
                     <a:lnL w="12700" cap="flat" cmpd="sng" algn="ctr">
                       <a:solidFill>
                         <a:schemeClr val="tx1"/>
@@ -4255,14 +4580,14 @@
                     <a:bodyPr/>
                     <a:lstStyle/>
                     <a:p>
-                      <a:endParaRPr lang="fr-FR">
+                      <a:endParaRPr lang="fr-FR" sz="1700">
                         <a:solidFill>
                           <a:schemeClr val="tx1"/>
                         </a:solidFill>
                       </a:endParaRPr>
                     </a:p>
                   </a:txBody>
-                  <a:tcPr>
+                  <a:tcPr marT="45719" marB="45719">
                     <a:lnL w="12700" cap="flat" cmpd="sng" algn="ctr">
                       <a:solidFill>
                         <a:schemeClr val="tx1"/>
@@ -4309,14 +4634,14 @@
                     <a:bodyPr/>
                     <a:lstStyle/>
                     <a:p>
-                      <a:endParaRPr lang="fr-FR" dirty="0">
+                      <a:endParaRPr lang="fr-FR" sz="1700" dirty="0">
                         <a:solidFill>
                           <a:schemeClr val="tx1"/>
                         </a:solidFill>
                       </a:endParaRPr>
                     </a:p>
                   </a:txBody>
-                  <a:tcPr>
+                  <a:tcPr marT="45719" marB="45719">
                     <a:lnL w="12700" cap="flat" cmpd="sng" algn="ctr">
                       <a:solidFill>
                         <a:schemeClr val="tx1"/>
@@ -4363,14 +4688,14 @@
                     <a:bodyPr/>
                     <a:lstStyle/>
                     <a:p>
-                      <a:endParaRPr lang="fr-FR">
+                      <a:endParaRPr lang="fr-FR" sz="1700">
                         <a:solidFill>
                           <a:schemeClr val="tx1"/>
                         </a:solidFill>
                       </a:endParaRPr>
                     </a:p>
                   </a:txBody>
-                  <a:tcPr>
+                  <a:tcPr marT="45719" marB="45719">
                     <a:lnL w="12700" cap="flat" cmpd="sng" algn="ctr">
                       <a:solidFill>
                         <a:schemeClr val="tx1"/>
@@ -4417,14 +4742,14 @@
                     <a:bodyPr/>
                     <a:lstStyle/>
                     <a:p>
-                      <a:endParaRPr lang="fr-FR">
+                      <a:endParaRPr lang="fr-FR" sz="1700">
                         <a:solidFill>
                           <a:schemeClr val="tx1"/>
                         </a:solidFill>
                       </a:endParaRPr>
                     </a:p>
                   </a:txBody>
-                  <a:tcPr>
+                  <a:tcPr marT="45719" marB="45719">
                     <a:lnL w="12700" cap="flat" cmpd="sng" algn="ctr">
                       <a:solidFill>
                         <a:schemeClr val="tx1"/>
@@ -4471,14 +4796,14 @@
                     <a:bodyPr/>
                     <a:lstStyle/>
                     <a:p>
-                      <a:endParaRPr lang="fr-FR">
+                      <a:endParaRPr lang="fr-FR" sz="1700">
                         <a:solidFill>
                           <a:schemeClr val="tx1"/>
                         </a:solidFill>
                       </a:endParaRPr>
                     </a:p>
                   </a:txBody>
-                  <a:tcPr>
+                  <a:tcPr marT="45719" marB="45719">
                     <a:lnL w="12700" cap="flat" cmpd="sng" algn="ctr">
                       <a:solidFill>
                         <a:schemeClr val="tx1"/>
@@ -4525,14 +4850,14 @@
                     <a:bodyPr/>
                     <a:lstStyle/>
                     <a:p>
-                      <a:endParaRPr lang="fr-FR" dirty="0">
+                      <a:endParaRPr lang="fr-FR" sz="1700" dirty="0">
                         <a:solidFill>
                           <a:schemeClr val="tx1"/>
                         </a:solidFill>
                       </a:endParaRPr>
                     </a:p>
                   </a:txBody>
-                  <a:tcPr>
+                  <a:tcPr marT="45719" marB="45719">
                     <a:lnL w="12700" cap="flat" cmpd="sng" algn="ctr">
                       <a:solidFill>
                         <a:schemeClr val="tx1"/>
@@ -4599,14 +4924,14 @@
           <p:nvPr>
             <p:extLst>
               <p:ext uri="{D42A27DB-BD31-4B8C-83A1-F6EECF244321}">
-                <p14:modId xmlns:p14="http://schemas.microsoft.com/office/powerpoint/2010/main" val="2419321544"/>
+                <p14:modId xmlns:p14="http://schemas.microsoft.com/office/powerpoint/2010/main" val="4052549685"/>
               </p:ext>
             </p:extLst>
           </p:nvPr>
         </p:nvGraphicFramePr>
         <p:xfrm>
-          <a:off x="1761688" y="3246120"/>
-          <a:ext cx="2038525" cy="365760"/>
+          <a:off x="1529874" y="1120824"/>
+          <a:ext cx="2038525" cy="365759"/>
         </p:xfrm>
         <a:graphic>
           <a:graphicData uri="http://schemas.openxmlformats.org/drawingml/2006/table">
@@ -4651,16 +4976,16 @@
                   </a:extLst>
                 </a:gridCol>
               </a:tblGrid>
-              <a:tr h="0">
+              <a:tr h="365759">
                 <a:tc>
                   <a:txBody>
                     <a:bodyPr/>
                     <a:lstStyle/>
                     <a:p>
-                      <a:endParaRPr lang="fr-FR" dirty="0"/>
+                      <a:endParaRPr lang="fr-FR" sz="1700" dirty="0"/>
                     </a:p>
                   </a:txBody>
-                  <a:tcPr>
+                  <a:tcPr marT="45719" marB="45719">
                     <a:lnL w="12700" cap="flat" cmpd="sng" algn="ctr">
                       <a:solidFill>
                         <a:schemeClr val="tx1"/>
@@ -4704,10 +5029,10 @@
                     <a:bodyPr/>
                     <a:lstStyle/>
                     <a:p>
-                      <a:endParaRPr lang="fr-FR" dirty="0"/>
+                      <a:endParaRPr lang="fr-FR" sz="1700" dirty="0"/>
                     </a:p>
                   </a:txBody>
-                  <a:tcPr>
+                  <a:tcPr marT="45719" marB="45719">
                     <a:lnL w="12700" cap="flat" cmpd="sng" algn="ctr">
                       <a:solidFill>
                         <a:schemeClr val="tx1"/>
@@ -4751,10 +5076,10 @@
                     <a:bodyPr/>
                     <a:lstStyle/>
                     <a:p>
-                      <a:endParaRPr lang="fr-FR" dirty="0"/>
+                      <a:endParaRPr lang="fr-FR" sz="1700" dirty="0"/>
                     </a:p>
                   </a:txBody>
-                  <a:tcPr>
+                  <a:tcPr marT="45719" marB="45719">
                     <a:lnL w="12700" cap="flat" cmpd="sng" algn="ctr">
                       <a:solidFill>
                         <a:schemeClr val="tx1"/>
@@ -4798,10 +5123,10 @@
                     <a:bodyPr/>
                     <a:lstStyle/>
                     <a:p>
-                      <a:endParaRPr lang="fr-FR" dirty="0"/>
+                      <a:endParaRPr lang="fr-FR" sz="1700" dirty="0"/>
                     </a:p>
                   </a:txBody>
-                  <a:tcPr>
+                  <a:tcPr marT="45719" marB="45719">
                     <a:lnL w="12700" cap="flat" cmpd="sng" algn="ctr">
                       <a:solidFill>
                         <a:schemeClr val="tx1"/>
@@ -4845,10 +5170,10 @@
                     <a:bodyPr/>
                     <a:lstStyle/>
                     <a:p>
-                      <a:endParaRPr lang="fr-FR" dirty="0"/>
+                      <a:endParaRPr lang="fr-FR" sz="1700" dirty="0"/>
                     </a:p>
                   </a:txBody>
-                  <a:tcPr>
+                  <a:tcPr marT="45719" marB="45719">
                     <a:lnL w="12700" cap="flat" cmpd="sng" algn="ctr">
                       <a:solidFill>
                         <a:schemeClr val="tx1"/>
@@ -4920,14 +5245,14 @@
           <p:nvPr>
             <p:extLst>
               <p:ext uri="{D42A27DB-BD31-4B8C-83A1-F6EECF244321}">
-                <p14:modId xmlns:p14="http://schemas.microsoft.com/office/powerpoint/2010/main" val="1623365494"/>
+                <p14:modId xmlns:p14="http://schemas.microsoft.com/office/powerpoint/2010/main" val="773106391"/>
               </p:ext>
             </p:extLst>
           </p:nvPr>
         </p:nvGraphicFramePr>
         <p:xfrm>
-          <a:off x="2987834" y="3076632"/>
-          <a:ext cx="2021370" cy="365760"/>
+          <a:off x="2756010" y="951335"/>
+          <a:ext cx="2021370" cy="365759"/>
         </p:xfrm>
         <a:graphic>
           <a:graphicData uri="http://schemas.openxmlformats.org/drawingml/2006/table">
@@ -4972,16 +5297,16 @@
                   </a:extLst>
                 </a:gridCol>
               </a:tblGrid>
-              <a:tr h="0">
+              <a:tr h="365759">
                 <a:tc>
                   <a:txBody>
                     <a:bodyPr/>
                     <a:lstStyle/>
                     <a:p>
-                      <a:endParaRPr lang="fr-FR" dirty="0"/>
+                      <a:endParaRPr lang="fr-FR" sz="1700" dirty="0"/>
                     </a:p>
                   </a:txBody>
-                  <a:tcPr>
+                  <a:tcPr marT="45719" marB="45719">
                     <a:lnL w="12700" cap="flat" cmpd="sng" algn="ctr">
                       <a:solidFill>
                         <a:schemeClr val="tx1"/>
@@ -5028,10 +5353,10 @@
                     <a:bodyPr/>
                     <a:lstStyle/>
                     <a:p>
-                      <a:endParaRPr lang="fr-FR" dirty="0"/>
+                      <a:endParaRPr lang="fr-FR" sz="1700" dirty="0"/>
                     </a:p>
                   </a:txBody>
-                  <a:tcPr>
+                  <a:tcPr marT="45719" marB="45719">
                     <a:lnL w="12700" cap="flat" cmpd="sng" algn="ctr">
                       <a:solidFill>
                         <a:schemeClr val="tx1"/>
@@ -5078,10 +5403,10 @@
                     <a:bodyPr/>
                     <a:lstStyle/>
                     <a:p>
-                      <a:endParaRPr lang="fr-FR" dirty="0"/>
+                      <a:endParaRPr lang="fr-FR" sz="1700" dirty="0"/>
                     </a:p>
                   </a:txBody>
-                  <a:tcPr>
+                  <a:tcPr marT="45719" marB="45719">
                     <a:lnL w="12700" cap="flat" cmpd="sng" algn="ctr">
                       <a:solidFill>
                         <a:schemeClr val="tx1"/>
@@ -5128,10 +5453,10 @@
                     <a:bodyPr/>
                     <a:lstStyle/>
                     <a:p>
-                      <a:endParaRPr lang="fr-FR" dirty="0"/>
+                      <a:endParaRPr lang="fr-FR" sz="1700" dirty="0"/>
                     </a:p>
                   </a:txBody>
-                  <a:tcPr>
+                  <a:tcPr marT="45719" marB="45719">
                     <a:lnL w="12700" cap="flat" cmpd="sng" algn="ctr">
                       <a:solidFill>
                         <a:schemeClr val="tx1"/>
@@ -5178,10 +5503,10 @@
                     <a:bodyPr/>
                     <a:lstStyle/>
                     <a:p>
-                      <a:endParaRPr lang="fr-FR" dirty="0"/>
+                      <a:endParaRPr lang="fr-FR" sz="1700" dirty="0"/>
                     </a:p>
                   </a:txBody>
-                  <a:tcPr>
+                  <a:tcPr marT="45719" marB="45719">
                     <a:lnL w="12700" cap="flat" cmpd="sng" algn="ctr">
                       <a:solidFill>
                         <a:schemeClr val="tx1"/>
@@ -5255,8 +5580,8 @@
         </p:nvSpPr>
         <p:spPr>
           <a:xfrm>
-            <a:off x="3881108" y="2604457"/>
-            <a:ext cx="274434" cy="369332"/>
+            <a:off x="3649283" y="479159"/>
+            <a:ext cx="274434" cy="369204"/>
           </a:xfrm>
           <a:prstGeom prst="rect">
             <a:avLst/>
@@ -5270,10 +5595,10 @@
           <a:lstStyle/>
           <a:p>
             <a:r>
-              <a:rPr lang="el-GR" dirty="0"/>
+              <a:rPr lang="el-GR" sz="1799" dirty="0"/>
               <a:t>τ</a:t>
             </a:r>
-            <a:endParaRPr lang="fr-FR" dirty="0"/>
+            <a:endParaRPr lang="fr-FR" sz="1799" dirty="0"/>
           </a:p>
         </p:txBody>
       </p:sp>
@@ -5291,8 +5616,8 @@
         </p:nvCxnSpPr>
         <p:spPr>
           <a:xfrm>
-            <a:off x="2979255" y="2973789"/>
-            <a:ext cx="2038525" cy="0"/>
+            <a:off x="2747440" y="848489"/>
+            <a:ext cx="2038524" cy="0"/>
           </a:xfrm>
           <a:prstGeom prst="straightConnector1">
             <a:avLst/>
@@ -5331,8 +5656,8 @@
         </p:nvSpPr>
         <p:spPr>
           <a:xfrm>
-            <a:off x="504574" y="3246120"/>
-            <a:ext cx="1250535" cy="369332"/>
+            <a:off x="272758" y="1120822"/>
+            <a:ext cx="1250599" cy="369204"/>
           </a:xfrm>
           <a:prstGeom prst="rect">
             <a:avLst/>
@@ -5346,14 +5671,14 @@
           <a:lstStyle/>
           <a:p>
             <a:r>
-              <a:rPr lang="fr-FR" dirty="0"/>
+              <a:rPr lang="fr-FR" sz="1799" dirty="0"/>
               <a:t>First </a:t>
             </a:r>
             <a:r>
-              <a:rPr lang="fr-FR" dirty="0" err="1"/>
+              <a:rPr lang="fr-FR" sz="1799" dirty="0" err="1"/>
               <a:t>period</a:t>
             </a:r>
-            <a:endParaRPr lang="fr-FR" dirty="0"/>
+            <a:endParaRPr lang="fr-FR" sz="1799" dirty="0"/>
           </a:p>
         </p:txBody>
       </p:sp>
@@ -5372,14 +5697,14 @@
           <p:nvPr>
             <p:extLst>
               <p:ext uri="{D42A27DB-BD31-4B8C-83A1-F6EECF244321}">
-                <p14:modId xmlns:p14="http://schemas.microsoft.com/office/powerpoint/2010/main" val="3275854881"/>
+                <p14:modId xmlns:p14="http://schemas.microsoft.com/office/powerpoint/2010/main" val="1084150210"/>
               </p:ext>
             </p:extLst>
           </p:nvPr>
         </p:nvGraphicFramePr>
         <p:xfrm>
-          <a:off x="1763552" y="4523342"/>
-          <a:ext cx="8128000" cy="365760"/>
+          <a:off x="1531728" y="2398046"/>
+          <a:ext cx="8128000" cy="365759"/>
         </p:xfrm>
         <a:graphic>
           <a:graphicData uri="http://schemas.openxmlformats.org/drawingml/2006/table">
@@ -5529,20 +5854,20 @@
                   </a:extLst>
                 </a:gridCol>
               </a:tblGrid>
-              <a:tr h="0">
+              <a:tr h="365759">
                 <a:tc>
                   <a:txBody>
                     <a:bodyPr/>
                     <a:lstStyle/>
                     <a:p>
-                      <a:endParaRPr lang="fr-FR" dirty="0">
+                      <a:endParaRPr lang="fr-FR" sz="1700" dirty="0">
                         <a:solidFill>
                           <a:schemeClr val="tx1"/>
                         </a:solidFill>
                       </a:endParaRPr>
                     </a:p>
                   </a:txBody>
-                  <a:tcPr>
+                  <a:tcPr marT="45719" marB="45719">
                     <a:lnL w="12700" cap="flat" cmpd="sng" algn="ctr">
                       <a:solidFill>
                         <a:schemeClr val="tx1"/>
@@ -5589,14 +5914,14 @@
                     <a:bodyPr/>
                     <a:lstStyle/>
                     <a:p>
-                      <a:endParaRPr lang="fr-FR">
+                      <a:endParaRPr lang="fr-FR" sz="1700">
                         <a:solidFill>
                           <a:schemeClr val="tx1"/>
                         </a:solidFill>
                       </a:endParaRPr>
                     </a:p>
                   </a:txBody>
-                  <a:tcPr>
+                  <a:tcPr marT="45719" marB="45719">
                     <a:lnL w="12700" cap="flat" cmpd="sng" algn="ctr">
                       <a:solidFill>
                         <a:schemeClr val="tx1"/>
@@ -5643,14 +5968,14 @@
                     <a:bodyPr/>
                     <a:lstStyle/>
                     <a:p>
-                      <a:endParaRPr lang="fr-FR">
+                      <a:endParaRPr lang="fr-FR" sz="1700">
                         <a:solidFill>
                           <a:schemeClr val="tx1"/>
                         </a:solidFill>
                       </a:endParaRPr>
                     </a:p>
                   </a:txBody>
-                  <a:tcPr>
+                  <a:tcPr marT="45719" marB="45719">
                     <a:lnL w="12700" cap="flat" cmpd="sng" algn="ctr">
                       <a:solidFill>
                         <a:schemeClr val="tx1"/>
@@ -5697,14 +6022,14 @@
                     <a:bodyPr/>
                     <a:lstStyle/>
                     <a:p>
-                      <a:endParaRPr lang="fr-FR" dirty="0">
+                      <a:endParaRPr lang="fr-FR" sz="1700" dirty="0">
                         <a:solidFill>
                           <a:schemeClr val="tx1"/>
                         </a:solidFill>
                       </a:endParaRPr>
                     </a:p>
                   </a:txBody>
-                  <a:tcPr>
+                  <a:tcPr marT="45719" marB="45719">
                     <a:lnL w="12700" cap="flat" cmpd="sng" algn="ctr">
                       <a:solidFill>
                         <a:schemeClr val="tx1"/>
@@ -5751,14 +6076,14 @@
                     <a:bodyPr/>
                     <a:lstStyle/>
                     <a:p>
-                      <a:endParaRPr lang="fr-FR" dirty="0">
+                      <a:endParaRPr lang="fr-FR" sz="1700" dirty="0">
                         <a:solidFill>
                           <a:schemeClr val="tx1"/>
                         </a:solidFill>
                       </a:endParaRPr>
                     </a:p>
                   </a:txBody>
-                  <a:tcPr>
+                  <a:tcPr marT="45719" marB="45719">
                     <a:lnL w="12700" cap="flat" cmpd="sng" algn="ctr">
                       <a:solidFill>
                         <a:schemeClr val="tx1"/>
@@ -5805,14 +6130,14 @@
                     <a:bodyPr/>
                     <a:lstStyle/>
                     <a:p>
-                      <a:endParaRPr lang="fr-FR" dirty="0">
+                      <a:endParaRPr lang="fr-FR" sz="1700" dirty="0">
                         <a:solidFill>
                           <a:schemeClr val="tx1"/>
                         </a:solidFill>
                       </a:endParaRPr>
                     </a:p>
                   </a:txBody>
-                  <a:tcPr>
+                  <a:tcPr marT="45719" marB="45719">
                     <a:lnL w="12700" cap="flat" cmpd="sng" algn="ctr">
                       <a:solidFill>
                         <a:schemeClr val="tx1"/>
@@ -5859,14 +6184,14 @@
                     <a:bodyPr/>
                     <a:lstStyle/>
                     <a:p>
-                      <a:endParaRPr lang="fr-FR">
+                      <a:endParaRPr lang="fr-FR" sz="1700">
                         <a:solidFill>
                           <a:schemeClr val="tx1"/>
                         </a:solidFill>
                       </a:endParaRPr>
                     </a:p>
                   </a:txBody>
-                  <a:tcPr>
+                  <a:tcPr marT="45719" marB="45719">
                     <a:lnL w="12700" cap="flat" cmpd="sng" algn="ctr">
                       <a:solidFill>
                         <a:schemeClr val="tx1"/>
@@ -5913,14 +6238,14 @@
                     <a:bodyPr/>
                     <a:lstStyle/>
                     <a:p>
-                      <a:endParaRPr lang="fr-FR">
+                      <a:endParaRPr lang="fr-FR" sz="1700">
                         <a:solidFill>
                           <a:schemeClr val="tx1"/>
                         </a:solidFill>
                       </a:endParaRPr>
                     </a:p>
                   </a:txBody>
-                  <a:tcPr>
+                  <a:tcPr marT="45719" marB="45719">
                     <a:lnL w="12700" cap="flat" cmpd="sng" algn="ctr">
                       <a:solidFill>
                         <a:schemeClr val="tx1"/>
@@ -5967,14 +6292,14 @@
                     <a:bodyPr/>
                     <a:lstStyle/>
                     <a:p>
-                      <a:endParaRPr lang="fr-FR">
+                      <a:endParaRPr lang="fr-FR" sz="1700">
                         <a:solidFill>
                           <a:schemeClr val="tx1"/>
                         </a:solidFill>
                       </a:endParaRPr>
                     </a:p>
                   </a:txBody>
-                  <a:tcPr>
+                  <a:tcPr marT="45719" marB="45719">
                     <a:lnL w="12700" cap="flat" cmpd="sng" algn="ctr">
                       <a:solidFill>
                         <a:schemeClr val="tx1"/>
@@ -6021,14 +6346,14 @@
                     <a:bodyPr/>
                     <a:lstStyle/>
                     <a:p>
-                      <a:endParaRPr lang="fr-FR" dirty="0">
+                      <a:endParaRPr lang="fr-FR" sz="1700" dirty="0">
                         <a:solidFill>
                           <a:schemeClr val="tx1"/>
                         </a:solidFill>
                       </a:endParaRPr>
                     </a:p>
                   </a:txBody>
-                  <a:tcPr>
+                  <a:tcPr marT="45719" marB="45719">
                     <a:lnL w="12700" cap="flat" cmpd="sng" algn="ctr">
                       <a:solidFill>
                         <a:schemeClr val="tx1"/>
@@ -6075,14 +6400,14 @@
                     <a:bodyPr/>
                     <a:lstStyle/>
                     <a:p>
-                      <a:endParaRPr lang="fr-FR">
+                      <a:endParaRPr lang="fr-FR" sz="1700">
                         <a:solidFill>
                           <a:schemeClr val="tx1"/>
                         </a:solidFill>
                       </a:endParaRPr>
                     </a:p>
                   </a:txBody>
-                  <a:tcPr>
+                  <a:tcPr marT="45719" marB="45719">
                     <a:lnL w="12700" cap="flat" cmpd="sng" algn="ctr">
                       <a:solidFill>
                         <a:schemeClr val="tx1"/>
@@ -6129,14 +6454,14 @@
                     <a:bodyPr/>
                     <a:lstStyle/>
                     <a:p>
-                      <a:endParaRPr lang="fr-FR" dirty="0">
+                      <a:endParaRPr lang="fr-FR" sz="1700" dirty="0">
                         <a:solidFill>
                           <a:schemeClr val="tx1"/>
                         </a:solidFill>
                       </a:endParaRPr>
                     </a:p>
                   </a:txBody>
-                  <a:tcPr>
+                  <a:tcPr marT="45719" marB="45719">
                     <a:lnL w="12700" cap="flat" cmpd="sng" algn="ctr">
                       <a:solidFill>
                         <a:schemeClr val="tx1"/>
@@ -6183,14 +6508,14 @@
                     <a:bodyPr/>
                     <a:lstStyle/>
                     <a:p>
-                      <a:endParaRPr lang="fr-FR">
+                      <a:endParaRPr lang="fr-FR" sz="1700">
                         <a:solidFill>
                           <a:schemeClr val="tx1"/>
                         </a:solidFill>
                       </a:endParaRPr>
                     </a:p>
                   </a:txBody>
-                  <a:tcPr>
+                  <a:tcPr marT="45719" marB="45719">
                     <a:lnL w="12700" cap="flat" cmpd="sng" algn="ctr">
                       <a:solidFill>
                         <a:schemeClr val="tx1"/>
@@ -6237,14 +6562,14 @@
                     <a:bodyPr/>
                     <a:lstStyle/>
                     <a:p>
-                      <a:endParaRPr lang="fr-FR">
+                      <a:endParaRPr lang="fr-FR" sz="1700">
                         <a:solidFill>
                           <a:schemeClr val="tx1"/>
                         </a:solidFill>
                       </a:endParaRPr>
                     </a:p>
                   </a:txBody>
-                  <a:tcPr>
+                  <a:tcPr marT="45719" marB="45719">
                     <a:lnL w="12700" cap="flat" cmpd="sng" algn="ctr">
                       <a:solidFill>
                         <a:schemeClr val="tx1"/>
@@ -6291,14 +6616,14 @@
                     <a:bodyPr/>
                     <a:lstStyle/>
                     <a:p>
-                      <a:endParaRPr lang="fr-FR">
+                      <a:endParaRPr lang="fr-FR" sz="1700">
                         <a:solidFill>
                           <a:schemeClr val="tx1"/>
                         </a:solidFill>
                       </a:endParaRPr>
                     </a:p>
                   </a:txBody>
-                  <a:tcPr>
+                  <a:tcPr marT="45719" marB="45719">
                     <a:lnL w="12700" cap="flat" cmpd="sng" algn="ctr">
                       <a:solidFill>
                         <a:schemeClr val="tx1"/>
@@ -6345,14 +6670,14 @@
                     <a:bodyPr/>
                     <a:lstStyle/>
                     <a:p>
-                      <a:endParaRPr lang="fr-FR" dirty="0">
+                      <a:endParaRPr lang="fr-FR" sz="1700" dirty="0">
                         <a:solidFill>
                           <a:schemeClr val="tx1"/>
                         </a:solidFill>
                       </a:endParaRPr>
                     </a:p>
                   </a:txBody>
-                  <a:tcPr>
+                  <a:tcPr marT="45719" marB="45719">
                     <a:lnL w="12700" cap="flat" cmpd="sng" algn="ctr">
                       <a:solidFill>
                         <a:schemeClr val="tx1"/>
@@ -6399,14 +6724,14 @@
                     <a:bodyPr/>
                     <a:lstStyle/>
                     <a:p>
-                      <a:endParaRPr lang="fr-FR">
+                      <a:endParaRPr lang="fr-FR" sz="1700">
                         <a:solidFill>
                           <a:schemeClr val="tx1"/>
                         </a:solidFill>
                       </a:endParaRPr>
                     </a:p>
                   </a:txBody>
-                  <a:tcPr>
+                  <a:tcPr marT="45719" marB="45719">
                     <a:lnL w="12700" cap="flat" cmpd="sng" algn="ctr">
                       <a:solidFill>
                         <a:schemeClr val="tx1"/>
@@ -6453,14 +6778,14 @@
                     <a:bodyPr/>
                     <a:lstStyle/>
                     <a:p>
-                      <a:endParaRPr lang="fr-FR">
+                      <a:endParaRPr lang="fr-FR" sz="1700">
                         <a:solidFill>
                           <a:schemeClr val="tx1"/>
                         </a:solidFill>
                       </a:endParaRPr>
                     </a:p>
                   </a:txBody>
-                  <a:tcPr>
+                  <a:tcPr marT="45719" marB="45719">
                     <a:lnL w="12700" cap="flat" cmpd="sng" algn="ctr">
                       <a:solidFill>
                         <a:schemeClr val="tx1"/>
@@ -6507,14 +6832,14 @@
                     <a:bodyPr/>
                     <a:lstStyle/>
                     <a:p>
-                      <a:endParaRPr lang="fr-FR">
+                      <a:endParaRPr lang="fr-FR" sz="1700">
                         <a:solidFill>
                           <a:schemeClr val="tx1"/>
                         </a:solidFill>
                       </a:endParaRPr>
                     </a:p>
                   </a:txBody>
-                  <a:tcPr>
+                  <a:tcPr marT="45719" marB="45719">
                     <a:lnL w="12700" cap="flat" cmpd="sng" algn="ctr">
                       <a:solidFill>
                         <a:schemeClr val="tx1"/>
@@ -6561,14 +6886,14 @@
                     <a:bodyPr/>
                     <a:lstStyle/>
                     <a:p>
-                      <a:endParaRPr lang="fr-FR" dirty="0">
+                      <a:endParaRPr lang="fr-FR" sz="1700" dirty="0">
                         <a:solidFill>
                           <a:schemeClr val="tx1"/>
                         </a:solidFill>
                       </a:endParaRPr>
                     </a:p>
                   </a:txBody>
-                  <a:tcPr>
+                  <a:tcPr marT="45719" marB="45719">
                     <a:lnL w="12700" cap="flat" cmpd="sng" algn="ctr">
                       <a:solidFill>
                         <a:schemeClr val="tx1"/>
@@ -6635,14 +6960,14 @@
           <p:nvPr>
             <p:extLst>
               <p:ext uri="{D42A27DB-BD31-4B8C-83A1-F6EECF244321}">
-                <p14:modId xmlns:p14="http://schemas.microsoft.com/office/powerpoint/2010/main" val="1606048074"/>
+                <p14:modId xmlns:p14="http://schemas.microsoft.com/office/powerpoint/2010/main" val="1204374812"/>
               </p:ext>
             </p:extLst>
           </p:nvPr>
         </p:nvGraphicFramePr>
         <p:xfrm>
-          <a:off x="4196825" y="4523342"/>
-          <a:ext cx="2038525" cy="365760"/>
+          <a:off x="3965010" y="2398046"/>
+          <a:ext cx="2038525" cy="365759"/>
         </p:xfrm>
         <a:graphic>
           <a:graphicData uri="http://schemas.openxmlformats.org/drawingml/2006/table">
@@ -6687,16 +7012,16 @@
                   </a:extLst>
                 </a:gridCol>
               </a:tblGrid>
-              <a:tr h="0">
+              <a:tr h="365759">
                 <a:tc>
                   <a:txBody>
                     <a:bodyPr/>
                     <a:lstStyle/>
                     <a:p>
-                      <a:endParaRPr lang="fr-FR" dirty="0"/>
+                      <a:endParaRPr lang="fr-FR" sz="1700" dirty="0"/>
                     </a:p>
                   </a:txBody>
-                  <a:tcPr>
+                  <a:tcPr marT="45719" marB="45719">
                     <a:lnL w="12700" cap="flat" cmpd="sng" algn="ctr">
                       <a:solidFill>
                         <a:schemeClr val="tx1"/>
@@ -6740,10 +7065,10 @@
                     <a:bodyPr/>
                     <a:lstStyle/>
                     <a:p>
-                      <a:endParaRPr lang="fr-FR" dirty="0"/>
+                      <a:endParaRPr lang="fr-FR" sz="1700" dirty="0"/>
                     </a:p>
                   </a:txBody>
-                  <a:tcPr>
+                  <a:tcPr marT="45719" marB="45719">
                     <a:lnL w="12700" cap="flat" cmpd="sng" algn="ctr">
                       <a:solidFill>
                         <a:schemeClr val="tx1"/>
@@ -6787,10 +7112,10 @@
                     <a:bodyPr/>
                     <a:lstStyle/>
                     <a:p>
-                      <a:endParaRPr lang="fr-FR" dirty="0"/>
+                      <a:endParaRPr lang="fr-FR" sz="1700" dirty="0"/>
                     </a:p>
                   </a:txBody>
-                  <a:tcPr>
+                  <a:tcPr marT="45719" marB="45719">
                     <a:lnL w="12700" cap="flat" cmpd="sng" algn="ctr">
                       <a:solidFill>
                         <a:schemeClr val="tx1"/>
@@ -6834,10 +7159,10 @@
                     <a:bodyPr/>
                     <a:lstStyle/>
                     <a:p>
-                      <a:endParaRPr lang="fr-FR" dirty="0"/>
+                      <a:endParaRPr lang="fr-FR" sz="1700" dirty="0"/>
                     </a:p>
                   </a:txBody>
-                  <a:tcPr>
+                  <a:tcPr marT="45719" marB="45719">
                     <a:lnL w="12700" cap="flat" cmpd="sng" algn="ctr">
                       <a:solidFill>
                         <a:schemeClr val="tx1"/>
@@ -6881,10 +7206,10 @@
                     <a:bodyPr/>
                     <a:lstStyle/>
                     <a:p>
-                      <a:endParaRPr lang="fr-FR" dirty="0"/>
+                      <a:endParaRPr lang="fr-FR" sz="1700" dirty="0"/>
                     </a:p>
                   </a:txBody>
-                  <a:tcPr>
+                  <a:tcPr marT="45719" marB="45719">
                     <a:lnL w="12700" cap="flat" cmpd="sng" algn="ctr">
                       <a:solidFill>
                         <a:schemeClr val="tx1"/>
@@ -6956,14 +7281,14 @@
           <p:nvPr>
             <p:extLst>
               <p:ext uri="{D42A27DB-BD31-4B8C-83A1-F6EECF244321}">
-                <p14:modId xmlns:p14="http://schemas.microsoft.com/office/powerpoint/2010/main" val="4196480631"/>
+                <p14:modId xmlns:p14="http://schemas.microsoft.com/office/powerpoint/2010/main" val="3740839481"/>
               </p:ext>
             </p:extLst>
           </p:nvPr>
         </p:nvGraphicFramePr>
         <p:xfrm>
-          <a:off x="6235350" y="4521609"/>
-          <a:ext cx="2038525" cy="365760"/>
+          <a:off x="6003536" y="2396312"/>
+          <a:ext cx="2038525" cy="365759"/>
         </p:xfrm>
         <a:graphic>
           <a:graphicData uri="http://schemas.openxmlformats.org/drawingml/2006/table">
@@ -7008,16 +7333,16 @@
                   </a:extLst>
                 </a:gridCol>
               </a:tblGrid>
-              <a:tr h="0">
+              <a:tr h="365759">
                 <a:tc>
                   <a:txBody>
                     <a:bodyPr/>
                     <a:lstStyle/>
                     <a:p>
-                      <a:endParaRPr lang="fr-FR" dirty="0"/>
+                      <a:endParaRPr lang="fr-FR" sz="1700" dirty="0"/>
                     </a:p>
                   </a:txBody>
-                  <a:tcPr>
+                  <a:tcPr marT="45719" marB="45719">
                     <a:lnL w="12700" cap="flat" cmpd="sng" algn="ctr">
                       <a:solidFill>
                         <a:schemeClr val="tx1"/>
@@ -7064,10 +7389,10 @@
                     <a:bodyPr/>
                     <a:lstStyle/>
                     <a:p>
-                      <a:endParaRPr lang="fr-FR" dirty="0"/>
+                      <a:endParaRPr lang="fr-FR" sz="1700" dirty="0"/>
                     </a:p>
                   </a:txBody>
-                  <a:tcPr>
+                  <a:tcPr marT="45719" marB="45719">
                     <a:lnL w="12700" cap="flat" cmpd="sng" algn="ctr">
                       <a:solidFill>
                         <a:schemeClr val="tx1"/>
@@ -7114,10 +7439,10 @@
                     <a:bodyPr/>
                     <a:lstStyle/>
                     <a:p>
-                      <a:endParaRPr lang="fr-FR" dirty="0"/>
+                      <a:endParaRPr lang="fr-FR" sz="1700" dirty="0"/>
                     </a:p>
                   </a:txBody>
-                  <a:tcPr>
+                  <a:tcPr marT="45719" marB="45719">
                     <a:lnL w="12700" cap="flat" cmpd="sng" algn="ctr">
                       <a:solidFill>
                         <a:schemeClr val="tx1"/>
@@ -7164,10 +7489,10 @@
                     <a:bodyPr/>
                     <a:lstStyle/>
                     <a:p>
-                      <a:endParaRPr lang="fr-FR" dirty="0"/>
+                      <a:endParaRPr lang="fr-FR" sz="1700" dirty="0"/>
                     </a:p>
                   </a:txBody>
-                  <a:tcPr>
+                  <a:tcPr marT="45719" marB="45719">
                     <a:lnL w="12700" cap="flat" cmpd="sng" algn="ctr">
                       <a:solidFill>
                         <a:schemeClr val="tx1"/>
@@ -7214,10 +7539,10 @@
                     <a:bodyPr/>
                     <a:lstStyle/>
                     <a:p>
-                      <a:endParaRPr lang="fr-FR" dirty="0"/>
+                      <a:endParaRPr lang="fr-FR" sz="1700" dirty="0"/>
                     </a:p>
                   </a:txBody>
-                  <a:tcPr>
+                  <a:tcPr marT="45719" marB="45719">
                     <a:lnL w="12700" cap="flat" cmpd="sng" algn="ctr">
                       <a:solidFill>
                         <a:schemeClr val="tx1"/>
@@ -7291,8 +7616,8 @@
         </p:nvSpPr>
         <p:spPr>
           <a:xfrm>
-            <a:off x="227614" y="4530891"/>
-            <a:ext cx="1534074" cy="369332"/>
+            <a:off x="-4211" y="2405592"/>
+            <a:ext cx="1534074" cy="369204"/>
           </a:xfrm>
           <a:prstGeom prst="rect">
             <a:avLst/>
@@ -7306,14 +7631,14 @@
           <a:lstStyle/>
           <a:p>
             <a:r>
-              <a:rPr lang="fr-FR" dirty="0"/>
+              <a:rPr lang="fr-FR" sz="1799" dirty="0"/>
               <a:t>Second </a:t>
             </a:r>
             <a:r>
-              <a:rPr lang="fr-FR" dirty="0" err="1"/>
+              <a:rPr lang="fr-FR" sz="1799" dirty="0" err="1"/>
               <a:t>period</a:t>
             </a:r>
-            <a:endParaRPr lang="fr-FR" dirty="0"/>
+            <a:endParaRPr lang="fr-FR" sz="1799" dirty="0"/>
           </a:p>
         </p:txBody>
       </p:sp>
@@ -7333,8 +7658,8 @@
         </p:nvCxnSpPr>
         <p:spPr>
           <a:xfrm>
-            <a:off x="1761688" y="3611880"/>
-            <a:ext cx="2435137" cy="898608"/>
+            <a:off x="1529870" y="1486583"/>
+            <a:ext cx="2435138" cy="898607"/>
           </a:xfrm>
           <a:prstGeom prst="straightConnector1">
             <a:avLst/>
@@ -7374,8 +7699,8 @@
         </p:nvCxnSpPr>
         <p:spPr>
           <a:xfrm>
-            <a:off x="2997199" y="3445682"/>
-            <a:ext cx="3240015" cy="1064806"/>
+            <a:off x="2765384" y="1320384"/>
+            <a:ext cx="3240015" cy="1064805"/>
           </a:xfrm>
           <a:prstGeom prst="straightConnector1">
             <a:avLst/>
@@ -7418,7 +7743,7 @@
 <file path=ppt/theme/theme1.xml><?xml version="1.0" encoding="utf-8"?>
 <a:theme xmlns:a="http://schemas.openxmlformats.org/drawingml/2006/main" name="Thème Office">
   <a:themeElements>
-    <a:clrScheme name="Office">
+    <a:clrScheme name="Thème Office">
       <a:dk1>
         <a:sysClr val="windowText" lastClr="000000"/>
       </a:dk1>
@@ -7456,7 +7781,7 @@
         <a:srgbClr val="954F72"/>
       </a:folHlink>
     </a:clrScheme>
-    <a:fontScheme name="Office">
+    <a:fontScheme name="Thème Office">
       <a:majorFont>
         <a:latin typeface="Calibri Light" panose="020F0302020204030204"/>
         <a:ea typeface=""/>
@@ -7491,23 +7816,6 @@
         <a:font script="Viet" typeface="Times New Roman"/>
         <a:font script="Uigh" typeface="Microsoft Uighur"/>
         <a:font script="Geor" typeface="Sylfaen"/>
-        <a:font script="Armn" typeface="Arial"/>
-        <a:font script="Bugi" typeface="Leelawadee UI"/>
-        <a:font script="Bopo" typeface="Microsoft JhengHei"/>
-        <a:font script="Java" typeface="Javanese Text"/>
-        <a:font script="Lisu" typeface="Segoe UI"/>
-        <a:font script="Mymr" typeface="Myanmar Text"/>
-        <a:font script="Nkoo" typeface="Ebrima"/>
-        <a:font script="Olck" typeface="Nirmala UI"/>
-        <a:font script="Osma" typeface="Ebrima"/>
-        <a:font script="Phag" typeface="Phagspa"/>
-        <a:font script="Syrn" typeface="Estrangelo Edessa"/>
-        <a:font script="Syrj" typeface="Estrangelo Edessa"/>
-        <a:font script="Syre" typeface="Estrangelo Edessa"/>
-        <a:font script="Sora" typeface="Nirmala UI"/>
-        <a:font script="Tale" typeface="Microsoft Tai Le"/>
-        <a:font script="Talu" typeface="Microsoft New Tai Lue"/>
-        <a:font script="Tfng" typeface="Ebrima"/>
       </a:majorFont>
       <a:minorFont>
         <a:latin typeface="Calibri" panose="020F0502020204030204"/>
@@ -7543,26 +7851,9 @@
         <a:font script="Viet" typeface="Arial"/>
         <a:font script="Uigh" typeface="Microsoft Uighur"/>
         <a:font script="Geor" typeface="Sylfaen"/>
-        <a:font script="Armn" typeface="Arial"/>
-        <a:font script="Bugi" typeface="Leelawadee UI"/>
-        <a:font script="Bopo" typeface="Microsoft JhengHei"/>
-        <a:font script="Java" typeface="Javanese Text"/>
-        <a:font script="Lisu" typeface="Segoe UI"/>
-        <a:font script="Mymr" typeface="Myanmar Text"/>
-        <a:font script="Nkoo" typeface="Ebrima"/>
-        <a:font script="Olck" typeface="Nirmala UI"/>
-        <a:font script="Osma" typeface="Ebrima"/>
-        <a:font script="Phag" typeface="Phagspa"/>
-        <a:font script="Syrn" typeface="Estrangelo Edessa"/>
-        <a:font script="Syrj" typeface="Estrangelo Edessa"/>
-        <a:font script="Syre" typeface="Estrangelo Edessa"/>
-        <a:font script="Sora" typeface="Nirmala UI"/>
-        <a:font script="Tale" typeface="Microsoft Tai Le"/>
-        <a:font script="Talu" typeface="Microsoft New Tai Lue"/>
-        <a:font script="Tfng" typeface="Ebrima"/>
       </a:minorFont>
     </a:fontScheme>
-    <a:fmtScheme name="Office">
+    <a:fmtScheme name="Thème Office">
       <a:fillStyleLst>
         <a:solidFill>
           <a:schemeClr val="phClr"/>
@@ -7704,7 +7995,7 @@
   <a:extraClrSchemeLst/>
   <a:extLst>
     <a:ext uri="{05A4C25C-085E-4340-85A3-A5531E510DB2}">
-      <thm15:themeFamily xmlns:thm15="http://schemas.microsoft.com/office/thememl/2012/main" name="Office Theme" id="{62F939B6-93AF-4DB8-9C6B-D6C7DFDC589F}" vid="{4A3C46E8-61CC-4603-A589-7422A47A8E4A}"/>
+      <thm15:themeFamily xmlns:thm15="http://schemas.microsoft.com/office/thememl/2012/main" name="Office 2013 - 2022 Theme" id="{62F939B6-93AF-4DB8-9C6B-D6C7DFDC589F}" vid="{4A3C46E8-61CC-4603-A589-7422A47A8E4A}"/>
     </a:ext>
   </a:extLst>
 </a:theme>
